--- a/Machine learning for dummies/Presentation/Machine learning AI och Data Science.pptx
+++ b/Machine learning for dummies/Presentation/Machine learning AI och Data Science.pptx
@@ -14,6 +14,7 @@
     <p:sldId id="262" r:id="rId8"/>
     <p:sldId id="263" r:id="rId9"/>
     <p:sldId id="266" r:id="rId10"/>
+    <p:sldId id="269" r:id="rId11"/>
   </p:sldIdLst>
   <p:sldSz cx="12192000" cy="6858000"/>
   <p:notesSz cx="6858000" cy="9144000"/>
@@ -269,7 +270,7 @@
           <a:p>
             <a:fld id="{D54733F0-06F3-4793-9386-80AFF6BF7E4B}" type="datetimeFigureOut">
               <a:rPr lang="sv-SE" smtClean="0"/>
-              <a:t>2018-03-04</a:t>
+              <a:t>2018-03-06</a:t>
             </a:fld>
             <a:endParaRPr lang="sv-SE"/>
           </a:p>
@@ -469,7 +470,7 @@
           <a:p>
             <a:fld id="{D54733F0-06F3-4793-9386-80AFF6BF7E4B}" type="datetimeFigureOut">
               <a:rPr lang="sv-SE" smtClean="0"/>
-              <a:t>2018-03-04</a:t>
+              <a:t>2018-03-06</a:t>
             </a:fld>
             <a:endParaRPr lang="sv-SE"/>
           </a:p>
@@ -679,7 +680,7 @@
           <a:p>
             <a:fld id="{D54733F0-06F3-4793-9386-80AFF6BF7E4B}" type="datetimeFigureOut">
               <a:rPr lang="sv-SE" smtClean="0"/>
-              <a:t>2018-03-04</a:t>
+              <a:t>2018-03-06</a:t>
             </a:fld>
             <a:endParaRPr lang="sv-SE"/>
           </a:p>
@@ -879,7 +880,7 @@
           <a:p>
             <a:fld id="{D54733F0-06F3-4793-9386-80AFF6BF7E4B}" type="datetimeFigureOut">
               <a:rPr lang="sv-SE" smtClean="0"/>
-              <a:t>2018-03-04</a:t>
+              <a:t>2018-03-06</a:t>
             </a:fld>
             <a:endParaRPr lang="sv-SE"/>
           </a:p>
@@ -1155,7 +1156,7 @@
           <a:p>
             <a:fld id="{D54733F0-06F3-4793-9386-80AFF6BF7E4B}" type="datetimeFigureOut">
               <a:rPr lang="sv-SE" smtClean="0"/>
-              <a:t>2018-03-04</a:t>
+              <a:t>2018-03-06</a:t>
             </a:fld>
             <a:endParaRPr lang="sv-SE"/>
           </a:p>
@@ -1423,7 +1424,7 @@
           <a:p>
             <a:fld id="{D54733F0-06F3-4793-9386-80AFF6BF7E4B}" type="datetimeFigureOut">
               <a:rPr lang="sv-SE" smtClean="0"/>
-              <a:t>2018-03-04</a:t>
+              <a:t>2018-03-06</a:t>
             </a:fld>
             <a:endParaRPr lang="sv-SE"/>
           </a:p>
@@ -1838,7 +1839,7 @@
           <a:p>
             <a:fld id="{D54733F0-06F3-4793-9386-80AFF6BF7E4B}" type="datetimeFigureOut">
               <a:rPr lang="sv-SE" smtClean="0"/>
-              <a:t>2018-03-04</a:t>
+              <a:t>2018-03-06</a:t>
             </a:fld>
             <a:endParaRPr lang="sv-SE"/>
           </a:p>
@@ -1980,7 +1981,7 @@
           <a:p>
             <a:fld id="{D54733F0-06F3-4793-9386-80AFF6BF7E4B}" type="datetimeFigureOut">
               <a:rPr lang="sv-SE" smtClean="0"/>
-              <a:t>2018-03-04</a:t>
+              <a:t>2018-03-06</a:t>
             </a:fld>
             <a:endParaRPr lang="sv-SE"/>
           </a:p>
@@ -2093,7 +2094,7 @@
           <a:p>
             <a:fld id="{D54733F0-06F3-4793-9386-80AFF6BF7E4B}" type="datetimeFigureOut">
               <a:rPr lang="sv-SE" smtClean="0"/>
-              <a:t>2018-03-04</a:t>
+              <a:t>2018-03-06</a:t>
             </a:fld>
             <a:endParaRPr lang="sv-SE"/>
           </a:p>
@@ -2406,7 +2407,7 @@
           <a:p>
             <a:fld id="{D54733F0-06F3-4793-9386-80AFF6BF7E4B}" type="datetimeFigureOut">
               <a:rPr lang="sv-SE" smtClean="0"/>
-              <a:t>2018-03-04</a:t>
+              <a:t>2018-03-06</a:t>
             </a:fld>
             <a:endParaRPr lang="sv-SE"/>
           </a:p>
@@ -2695,7 +2696,7 @@
           <a:p>
             <a:fld id="{D54733F0-06F3-4793-9386-80AFF6BF7E4B}" type="datetimeFigureOut">
               <a:rPr lang="sv-SE" smtClean="0"/>
-              <a:t>2018-03-04</a:t>
+              <a:t>2018-03-06</a:t>
             </a:fld>
             <a:endParaRPr lang="sv-SE"/>
           </a:p>
@@ -2938,7 +2939,7 @@
           <a:p>
             <a:fld id="{D54733F0-06F3-4793-9386-80AFF6BF7E4B}" type="datetimeFigureOut">
               <a:rPr lang="sv-SE" smtClean="0"/>
-              <a:t>2018-03-04</a:t>
+              <a:t>2018-03-06</a:t>
             </a:fld>
             <a:endParaRPr lang="sv-SE"/>
           </a:p>
@@ -3418,7 +3419,7 @@
           <a:p>
             <a:r>
               <a:rPr lang="sv-SE" dirty="0"/>
-              <a:t>Närliggande men inte samma. AI är ett vidare begrepp (innefattar inte att den måste tränas med data)</a:t>
+              <a:t>ML och AI är närliggande men inte samma. AI är ett vidare begrepp (innefattar inte att den måste tränas med data)</a:t>
             </a:r>
           </a:p>
           <a:p>
@@ -3433,6 +3434,123 @@
     <p:extLst>
       <p:ext uri="{BB962C8B-B14F-4D97-AF65-F5344CB8AC3E}">
         <p14:creationId xmlns:p14="http://schemas.microsoft.com/office/powerpoint/2010/main" val="923824045"/>
+      </p:ext>
+    </p:extLst>
+  </p:cSld>
+  <p:clrMapOvr>
+    <a:masterClrMapping/>
+  </p:clrMapOvr>
+</p:sld>
+</file>
+
+<file path=ppt/slides/slide10.xml><?xml version="1.0" encoding="utf-8"?>
+<p:sld xmlns:a="http://schemas.openxmlformats.org/drawingml/2006/main" xmlns:r="http://schemas.openxmlformats.org/officeDocument/2006/relationships" xmlns:p="http://schemas.openxmlformats.org/presentationml/2006/main">
+  <p:cSld>
+    <p:spTree>
+      <p:nvGrpSpPr>
+        <p:cNvPr id="1" name=""/>
+        <p:cNvGrpSpPr/>
+        <p:nvPr/>
+      </p:nvGrpSpPr>
+      <p:grpSpPr>
+        <a:xfrm>
+          <a:off x="0" y="0"/>
+          <a:ext cx="0" cy="0"/>
+          <a:chOff x="0" y="0"/>
+          <a:chExt cx="0" cy="0"/>
+        </a:xfrm>
+      </p:grpSpPr>
+      <p:sp>
+        <p:nvSpPr>
+          <p:cNvPr id="2" name="Title 1">
+            <a:extLst>
+              <a:ext uri="{FF2B5EF4-FFF2-40B4-BE49-F238E27FC236}">
+                <a16:creationId xmlns:a16="http://schemas.microsoft.com/office/drawing/2014/main" id="{1A407109-F4E3-4273-9E00-3184FF8F2AD5}"/>
+              </a:ext>
+            </a:extLst>
+          </p:cNvPr>
+          <p:cNvSpPr>
+            <a:spLocks noGrp="1"/>
+          </p:cNvSpPr>
+          <p:nvPr>
+            <p:ph type="title"/>
+          </p:nvPr>
+        </p:nvSpPr>
+        <p:spPr/>
+        <p:txBody>
+          <a:bodyPr/>
+          <a:lstStyle/>
+          <a:p>
+            <a:r>
+              <a:rPr lang="sv-SE" dirty="0"/>
+              <a:t>Så…</a:t>
+            </a:r>
+          </a:p>
+        </p:txBody>
+      </p:sp>
+      <p:sp>
+        <p:nvSpPr>
+          <p:cNvPr id="3" name="Content Placeholder 2">
+            <a:extLst>
+              <a:ext uri="{FF2B5EF4-FFF2-40B4-BE49-F238E27FC236}">
+                <a16:creationId xmlns:a16="http://schemas.microsoft.com/office/drawing/2014/main" id="{C468A70A-4F08-45E8-B184-1DB018129CD2}"/>
+              </a:ext>
+            </a:extLst>
+          </p:cNvPr>
+          <p:cNvSpPr>
+            <a:spLocks noGrp="1"/>
+          </p:cNvSpPr>
+          <p:nvPr>
+            <p:ph idx="1"/>
+          </p:nvPr>
+        </p:nvSpPr>
+        <p:spPr/>
+        <p:txBody>
+          <a:bodyPr>
+            <a:normAutofit/>
+          </a:bodyPr>
+          <a:lstStyle/>
+          <a:p>
+            <a:r>
+              <a:rPr lang="sv-SE" dirty="0"/>
+              <a:t>[Ex</a:t>
+            </a:r>
+            <a:r>
+              <a:rPr lang="sv-SE"/>
+              <a:t>: Powerbi, Watson] Avända </a:t>
+            </a:r>
+            <a:r>
+              <a:rPr lang="sv-SE" dirty="0"/>
+              <a:t>färdiga funktioner, visualiseringar</a:t>
+            </a:r>
+          </a:p>
+          <a:p>
+            <a:r>
+              <a:rPr lang="sv-SE" dirty="0"/>
+              <a:t>[Ex: Cognitive services, Auto ML] Använda API till redan tränande modeller – Kunskaper om API, programmering och domänkunskap</a:t>
+            </a:r>
+          </a:p>
+          <a:p>
+            <a:r>
+              <a:rPr lang="sv-SE" dirty="0"/>
+              <a:t>[Ex: machine learning studio eller jupyter notebook]Använda färdiga algoritmer för att skapa egna modeller för ett specifikt syfte – Kunskaper om machine learning modeller, arbetsflöde för att träna, validera, statistik och domänkunskap</a:t>
+            </a:r>
+          </a:p>
+          <a:p>
+            <a:r>
+              <a:rPr lang="sv-SE" dirty="0"/>
+              <a:t>[Ex: Tensorflow, Microsoft CNTK] Använda ramverk och bibliotek för att skapa kustomiserade algoritmer – linjär algebra, ”calculus”, statistik</a:t>
+            </a:r>
+          </a:p>
+          <a:p>
+            <a:endParaRPr lang="sv-SE" dirty="0"/>
+          </a:p>
+        </p:txBody>
+      </p:sp>
+    </p:spTree>
+    <p:extLst>
+      <p:ext uri="{BB962C8B-B14F-4D97-AF65-F5344CB8AC3E}">
+        <p14:creationId xmlns:p14="http://schemas.microsoft.com/office/powerpoint/2010/main" val="633104579"/>
       </p:ext>
     </p:extLst>
   </p:cSld>
@@ -3656,14 +3774,14 @@
             <a:pPr lvl="1"/>
             <a:r>
               <a:rPr lang="sv-SE" dirty="0"/>
-              <a:t>”Har den här texten en ’postitiv anda?’”</a:t>
+              <a:t>”Har den här texten ett positivt eller negativt känsloläge?’”</a:t>
             </a:r>
           </a:p>
           <a:p>
             <a:pPr lvl="1"/>
             <a:r>
               <a:rPr lang="sv-SE" dirty="0"/>
-              <a:t>”Innehåller den här bilden en hund?”</a:t>
+              <a:t>”Föreställer den här bilden en pizza eller en korv?”</a:t>
             </a:r>
           </a:p>
           <a:p>
@@ -3775,13 +3893,13 @@
             <a:pPr lvl="1"/>
             <a:r>
               <a:rPr lang="sv-SE" dirty="0"/>
-              <a:t>Anomilidetektion, rekommendationsmodeller, chatbotar</a:t>
-            </a:r>
-          </a:p>
-          <a:p>
-            <a:r>
-              <a:rPr lang="sv-SE" dirty="0"/>
-              <a:t>Beskriva kategorier av machine learning</a:t>
+              <a:t>Anomilidetektion, rekommendationer, chatbotar</a:t>
+            </a:r>
+          </a:p>
+          <a:p>
+            <a:r>
+              <a:rPr lang="sv-SE" dirty="0"/>
+              <a:t>Beskriva kategorier av machine learning modeller</a:t>
             </a:r>
           </a:p>
           <a:p>
@@ -3794,7 +3912,7 @@
           <a:p>
             <a:r>
               <a:rPr lang="sv-SE" dirty="0"/>
-              <a:t>Beskriva specifika typer av modeller</a:t>
+              <a:t>Beskriva specifika typer av algoritmer</a:t>
             </a:r>
           </a:p>
           <a:p>

--- a/Machine learning for dummies/Presentation/Machine learning AI och Data Science.pptx
+++ b/Machine learning for dummies/Presentation/Machine learning AI och Data Science.pptx
@@ -11,10 +11,11 @@
     <p:sldId id="259" r:id="rId5"/>
     <p:sldId id="260" r:id="rId6"/>
     <p:sldId id="267" r:id="rId7"/>
-    <p:sldId id="262" r:id="rId8"/>
-    <p:sldId id="263" r:id="rId9"/>
-    <p:sldId id="266" r:id="rId10"/>
-    <p:sldId id="269" r:id="rId11"/>
+    <p:sldId id="270" r:id="rId8"/>
+    <p:sldId id="262" r:id="rId9"/>
+    <p:sldId id="263" r:id="rId10"/>
+    <p:sldId id="266" r:id="rId11"/>
+    <p:sldId id="269" r:id="rId12"/>
   </p:sldIdLst>
   <p:sldSz cx="12192000" cy="6858000"/>
   <p:notesSz cx="6858000" cy="9144000"/>
@@ -270,7 +271,7 @@
           <a:p>
             <a:fld id="{D54733F0-06F3-4793-9386-80AFF6BF7E4B}" type="datetimeFigureOut">
               <a:rPr lang="sv-SE" smtClean="0"/>
-              <a:t>2018-03-06</a:t>
+              <a:t>2018-03-08</a:t>
             </a:fld>
             <a:endParaRPr lang="sv-SE"/>
           </a:p>
@@ -470,7 +471,7 @@
           <a:p>
             <a:fld id="{D54733F0-06F3-4793-9386-80AFF6BF7E4B}" type="datetimeFigureOut">
               <a:rPr lang="sv-SE" smtClean="0"/>
-              <a:t>2018-03-06</a:t>
+              <a:t>2018-03-08</a:t>
             </a:fld>
             <a:endParaRPr lang="sv-SE"/>
           </a:p>
@@ -680,7 +681,7 @@
           <a:p>
             <a:fld id="{D54733F0-06F3-4793-9386-80AFF6BF7E4B}" type="datetimeFigureOut">
               <a:rPr lang="sv-SE" smtClean="0"/>
-              <a:t>2018-03-06</a:t>
+              <a:t>2018-03-08</a:t>
             </a:fld>
             <a:endParaRPr lang="sv-SE"/>
           </a:p>
@@ -880,7 +881,7 @@
           <a:p>
             <a:fld id="{D54733F0-06F3-4793-9386-80AFF6BF7E4B}" type="datetimeFigureOut">
               <a:rPr lang="sv-SE" smtClean="0"/>
-              <a:t>2018-03-06</a:t>
+              <a:t>2018-03-08</a:t>
             </a:fld>
             <a:endParaRPr lang="sv-SE"/>
           </a:p>
@@ -1156,7 +1157,7 @@
           <a:p>
             <a:fld id="{D54733F0-06F3-4793-9386-80AFF6BF7E4B}" type="datetimeFigureOut">
               <a:rPr lang="sv-SE" smtClean="0"/>
-              <a:t>2018-03-06</a:t>
+              <a:t>2018-03-08</a:t>
             </a:fld>
             <a:endParaRPr lang="sv-SE"/>
           </a:p>
@@ -1424,7 +1425,7 @@
           <a:p>
             <a:fld id="{D54733F0-06F3-4793-9386-80AFF6BF7E4B}" type="datetimeFigureOut">
               <a:rPr lang="sv-SE" smtClean="0"/>
-              <a:t>2018-03-06</a:t>
+              <a:t>2018-03-08</a:t>
             </a:fld>
             <a:endParaRPr lang="sv-SE"/>
           </a:p>
@@ -1839,7 +1840,7 @@
           <a:p>
             <a:fld id="{D54733F0-06F3-4793-9386-80AFF6BF7E4B}" type="datetimeFigureOut">
               <a:rPr lang="sv-SE" smtClean="0"/>
-              <a:t>2018-03-06</a:t>
+              <a:t>2018-03-08</a:t>
             </a:fld>
             <a:endParaRPr lang="sv-SE"/>
           </a:p>
@@ -1981,7 +1982,7 @@
           <a:p>
             <a:fld id="{D54733F0-06F3-4793-9386-80AFF6BF7E4B}" type="datetimeFigureOut">
               <a:rPr lang="sv-SE" smtClean="0"/>
-              <a:t>2018-03-06</a:t>
+              <a:t>2018-03-08</a:t>
             </a:fld>
             <a:endParaRPr lang="sv-SE"/>
           </a:p>
@@ -2094,7 +2095,7 @@
           <a:p>
             <a:fld id="{D54733F0-06F3-4793-9386-80AFF6BF7E4B}" type="datetimeFigureOut">
               <a:rPr lang="sv-SE" smtClean="0"/>
-              <a:t>2018-03-06</a:t>
+              <a:t>2018-03-08</a:t>
             </a:fld>
             <a:endParaRPr lang="sv-SE"/>
           </a:p>
@@ -2407,7 +2408,7 @@
           <a:p>
             <a:fld id="{D54733F0-06F3-4793-9386-80AFF6BF7E4B}" type="datetimeFigureOut">
               <a:rPr lang="sv-SE" smtClean="0"/>
-              <a:t>2018-03-06</a:t>
+              <a:t>2018-03-08</a:t>
             </a:fld>
             <a:endParaRPr lang="sv-SE"/>
           </a:p>
@@ -2696,7 +2697,7 @@
           <a:p>
             <a:fld id="{D54733F0-06F3-4793-9386-80AFF6BF7E4B}" type="datetimeFigureOut">
               <a:rPr lang="sv-SE" smtClean="0"/>
-              <a:t>2018-03-06</a:t>
+              <a:t>2018-03-08</a:t>
             </a:fld>
             <a:endParaRPr lang="sv-SE"/>
           </a:p>
@@ -2939,7 +2940,7 @@
           <a:p>
             <a:fld id="{D54733F0-06F3-4793-9386-80AFF6BF7E4B}" type="datetimeFigureOut">
               <a:rPr lang="sv-SE" smtClean="0"/>
-              <a:t>2018-03-06</a:t>
+              <a:t>2018-03-08</a:t>
             </a:fld>
             <a:endParaRPr lang="sv-SE"/>
           </a:p>
@@ -3407,6 +3408,12 @@
           <a:p>
             <a:r>
               <a:rPr lang="sv-SE" dirty="0"/>
+              <a:t>Inledning: Lunch med BI, team – tagit bort en del teknik, mer tillämpning, Lagt till vård + ai.</a:t>
+            </a:r>
+          </a:p>
+          <a:p>
+            <a:r>
+              <a:rPr lang="sv-SE" dirty="0"/>
               <a:t>Machine learning – en funktion som blir bättre genom att den tränas med data</a:t>
             </a:r>
           </a:p>
@@ -3444,6 +3451,136 @@
 </file>
 
 <file path=ppt/slides/slide10.xml><?xml version="1.0" encoding="utf-8"?>
+<p:sld xmlns:a="http://schemas.openxmlformats.org/drawingml/2006/main" xmlns:r="http://schemas.openxmlformats.org/officeDocument/2006/relationships" xmlns:p="http://schemas.openxmlformats.org/presentationml/2006/main">
+  <p:cSld>
+    <p:spTree>
+      <p:nvGrpSpPr>
+        <p:cNvPr id="1" name=""/>
+        <p:cNvGrpSpPr/>
+        <p:nvPr/>
+      </p:nvGrpSpPr>
+      <p:grpSpPr>
+        <a:xfrm>
+          <a:off x="0" y="0"/>
+          <a:ext cx="0" cy="0"/>
+          <a:chOff x="0" y="0"/>
+          <a:chExt cx="0" cy="0"/>
+        </a:xfrm>
+      </p:grpSpPr>
+      <p:sp>
+        <p:nvSpPr>
+          <p:cNvPr id="2" name="Title 1">
+            <a:extLst>
+              <a:ext uri="{FF2B5EF4-FFF2-40B4-BE49-F238E27FC236}">
+                <a16:creationId xmlns:a16="http://schemas.microsoft.com/office/drawing/2014/main" id="{37E689B6-4C0C-43B0-BE54-63210DCD7EEC}"/>
+              </a:ext>
+            </a:extLst>
+          </p:cNvPr>
+          <p:cNvSpPr>
+            <a:spLocks noGrp="1"/>
+          </p:cNvSpPr>
+          <p:nvPr>
+            <p:ph type="title"/>
+          </p:nvPr>
+        </p:nvSpPr>
+        <p:spPr/>
+        <p:txBody>
+          <a:bodyPr/>
+          <a:lstStyle/>
+          <a:p>
+            <a:r>
+              <a:rPr lang="sv-SE" dirty="0"/>
+              <a:t>Hjälpa med att förstå och hitta mönster i data</a:t>
+            </a:r>
+          </a:p>
+        </p:txBody>
+      </p:sp>
+      <p:sp>
+        <p:nvSpPr>
+          <p:cNvPr id="3" name="Content Placeholder 2">
+            <a:extLst>
+              <a:ext uri="{FF2B5EF4-FFF2-40B4-BE49-F238E27FC236}">
+                <a16:creationId xmlns:a16="http://schemas.microsoft.com/office/drawing/2014/main" id="{B6B62BD6-0CA9-4AB6-BFA1-3AD053B2C8E1}"/>
+              </a:ext>
+            </a:extLst>
+          </p:cNvPr>
+          <p:cNvSpPr>
+            <a:spLocks noGrp="1"/>
+          </p:cNvSpPr>
+          <p:nvPr>
+            <p:ph idx="1"/>
+          </p:nvPr>
+        </p:nvSpPr>
+        <p:spPr>
+          <a:xfrm>
+            <a:off x="838200" y="1690688"/>
+            <a:ext cx="10515600" cy="4351338"/>
+          </a:xfrm>
+        </p:spPr>
+        <p:txBody>
+          <a:bodyPr/>
+          <a:lstStyle/>
+          <a:p>
+            <a:r>
+              <a:rPr lang="sv-SE" dirty="0"/>
+              <a:t>Hjälpa med att förstå och hitta mönster i data</a:t>
+            </a:r>
+          </a:p>
+          <a:p>
+            <a:pPr lvl="1"/>
+            <a:r>
+              <a:rPr lang="sv-SE" dirty="0"/>
+              <a:t>”Gruppera våra kunder utifrån de som har flest gemensamma egenskaper utifrån geografi, storlek, och huvudsakligt köpkategori”</a:t>
+            </a:r>
+          </a:p>
+          <a:p>
+            <a:pPr lvl="1"/>
+            <a:endParaRPr lang="sv-SE" dirty="0"/>
+          </a:p>
+          <a:p>
+            <a:r>
+              <a:rPr lang="sv-SE" dirty="0"/>
+              <a:t>Visa trafikverket, gå upp och ned</a:t>
+            </a:r>
+          </a:p>
+          <a:p>
+            <a:r>
+              <a:rPr lang="sv-SE" dirty="0"/>
+              <a:t>Visa sammanfattning</a:t>
+            </a:r>
+          </a:p>
+          <a:p>
+            <a:r>
+              <a:rPr lang="sv-SE" dirty="0"/>
+              <a:t>Något med k-means</a:t>
+            </a:r>
+          </a:p>
+          <a:p>
+            <a:r>
+              <a:rPr lang="sv-SE" dirty="0"/>
+              <a:t>Data science – inte machine learning – förstå barns höjd exempel. Lägg till hyptestestning.</a:t>
+            </a:r>
+          </a:p>
+          <a:p>
+            <a:pPr lvl="1"/>
+            <a:endParaRPr lang="sv-SE" dirty="0"/>
+          </a:p>
+        </p:txBody>
+      </p:sp>
+    </p:spTree>
+    <p:extLst>
+      <p:ext uri="{BB962C8B-B14F-4D97-AF65-F5344CB8AC3E}">
+        <p14:creationId xmlns:p14="http://schemas.microsoft.com/office/powerpoint/2010/main" val="4227783960"/>
+      </p:ext>
+    </p:extLst>
+  </p:cSld>
+  <p:clrMapOvr>
+    <a:masterClrMapping/>
+  </p:clrMapOvr>
+</p:sld>
+</file>
+
+<file path=ppt/slides/slide11.xml><?xml version="1.0" encoding="utf-8"?>
 <p:sld xmlns:a="http://schemas.openxmlformats.org/drawingml/2006/main" xmlns:r="http://schemas.openxmlformats.org/officeDocument/2006/relationships" xmlns:p="http://schemas.openxmlformats.org/presentationml/2006/main">
   <p:cSld>
     <p:spTree>
@@ -3849,7 +3986,12 @@
             <p:ph type="title"/>
           </p:nvPr>
         </p:nvSpPr>
-        <p:spPr/>
+        <p:spPr>
+          <a:xfrm>
+            <a:off x="838200" y="402832"/>
+            <a:ext cx="10515600" cy="1325563"/>
+          </a:xfrm>
+        </p:spPr>
         <p:txBody>
           <a:bodyPr/>
           <a:lstStyle/>
@@ -3880,7 +4022,7 @@
         <p:spPr/>
         <p:txBody>
           <a:bodyPr>
-            <a:normAutofit/>
+            <a:normAutofit lnSpcReduction="10000"/>
           </a:bodyPr>
           <a:lstStyle/>
           <a:p>
@@ -3919,7 +4061,7 @@
             <a:pPr lvl="1"/>
             <a:r>
               <a:rPr lang="sv-SE" dirty="0"/>
-              <a:t>linear, decision trees, neurala nätverk, k-means, support vector machines mm</a:t>
+              <a:t>Linear regression, decision trees, neurala nätverk, k-means, support vector machines mm</a:t>
             </a:r>
           </a:p>
           <a:p>
@@ -4229,6 +4371,114 @@
 </file>
 
 <file path=ppt/slides/slide7.xml><?xml version="1.0" encoding="utf-8"?>
+<p:sld xmlns:a="http://schemas.openxmlformats.org/drawingml/2006/main" xmlns:r="http://schemas.openxmlformats.org/officeDocument/2006/relationships" xmlns:p="http://schemas.openxmlformats.org/presentationml/2006/main">
+  <p:cSld>
+    <p:spTree>
+      <p:nvGrpSpPr>
+        <p:cNvPr id="1" name=""/>
+        <p:cNvGrpSpPr/>
+        <p:nvPr/>
+      </p:nvGrpSpPr>
+      <p:grpSpPr>
+        <a:xfrm>
+          <a:off x="0" y="0"/>
+          <a:ext cx="0" cy="0"/>
+          <a:chOff x="0" y="0"/>
+          <a:chExt cx="0" cy="0"/>
+        </a:xfrm>
+      </p:grpSpPr>
+      <p:sp>
+        <p:nvSpPr>
+          <p:cNvPr id="2" name="Title 1">
+            <a:extLst>
+              <a:ext uri="{FF2B5EF4-FFF2-40B4-BE49-F238E27FC236}">
+                <a16:creationId xmlns:a16="http://schemas.microsoft.com/office/drawing/2014/main" id="{10F24C6F-5998-4A22-B2E7-D2A5CD12BCE9}"/>
+              </a:ext>
+            </a:extLst>
+          </p:cNvPr>
+          <p:cNvSpPr>
+            <a:spLocks noGrp="1"/>
+          </p:cNvSpPr>
+          <p:nvPr>
+            <p:ph type="title"/>
+          </p:nvPr>
+        </p:nvSpPr>
+        <p:spPr/>
+        <p:txBody>
+          <a:bodyPr/>
+          <a:lstStyle/>
+          <a:p>
+            <a:r>
+              <a:rPr lang="sv-SE" dirty="0"/>
+              <a:t>testa</a:t>
+            </a:r>
+          </a:p>
+        </p:txBody>
+      </p:sp>
+      <p:sp>
+        <p:nvSpPr>
+          <p:cNvPr id="3" name="Content Placeholder 2">
+            <a:extLst>
+              <a:ext uri="{FF2B5EF4-FFF2-40B4-BE49-F238E27FC236}">
+                <a16:creationId xmlns:a16="http://schemas.microsoft.com/office/drawing/2014/main" id="{4B34F6B6-2E1B-4C2D-A270-147200EEC5B2}"/>
+              </a:ext>
+            </a:extLst>
+          </p:cNvPr>
+          <p:cNvSpPr>
+            <a:spLocks noGrp="1"/>
+          </p:cNvSpPr>
+          <p:nvPr>
+            <p:ph idx="1"/>
+          </p:nvPr>
+        </p:nvSpPr>
+        <p:spPr/>
+        <p:txBody>
+          <a:bodyPr/>
+          <a:lstStyle/>
+          <a:p>
+            <a:r>
+              <a:rPr lang="sv-SE" dirty="0"/>
+              <a:t>Björn </a:t>
+            </a:r>
+          </a:p>
+          <a:p>
+            <a:r>
+              <a:rPr lang="sv-SE" dirty="0"/>
+              <a:t>Bug</a:t>
+            </a:r>
+          </a:p>
+          <a:p>
+            <a:r>
+              <a:rPr lang="sv-SE"/>
+              <a:t>Mars/Juli</a:t>
+            </a:r>
+            <a:endParaRPr lang="sv-SE" dirty="0"/>
+          </a:p>
+          <a:p>
+            <a:r>
+              <a:rPr lang="sv-SE" dirty="0"/>
+              <a:t>Vårddat</a:t>
+            </a:r>
+          </a:p>
+          <a:p>
+            <a:endParaRPr lang="sv-SE" dirty="0"/>
+          </a:p>
+        </p:txBody>
+      </p:sp>
+    </p:spTree>
+    <p:extLst>
+      <p:ext uri="{BB962C8B-B14F-4D97-AF65-F5344CB8AC3E}">
+        <p14:creationId xmlns:p14="http://schemas.microsoft.com/office/powerpoint/2010/main" val="1434592671"/>
+      </p:ext>
+    </p:extLst>
+  </p:cSld>
+  <p:clrMapOvr>
+    <a:masterClrMapping/>
+  </p:clrMapOvr>
+</p:sld>
+</file>
+
+<file path=ppt/slides/slide8.xml><?xml version="1.0" encoding="utf-8"?>
 <p:sld xmlns:a="http://schemas.openxmlformats.org/drawingml/2006/main" xmlns:r="http://schemas.openxmlformats.org/officeDocument/2006/relationships" xmlns:p="http://schemas.openxmlformats.org/presentationml/2006/main">
   <p:cSld>
     <p:spTree>
@@ -4803,7 +5053,7 @@
 </p:sld>
 </file>
 
-<file path=ppt/slides/slide8.xml><?xml version="1.0" encoding="utf-8"?>
+<file path=ppt/slides/slide9.xml><?xml version="1.0" encoding="utf-8"?>
 <p:sld xmlns:a="http://schemas.openxmlformats.org/drawingml/2006/main" xmlns:r="http://schemas.openxmlformats.org/officeDocument/2006/relationships" xmlns:p="http://schemas.openxmlformats.org/presentationml/2006/main">
   <p:cSld>
     <p:spTree>
@@ -4976,136 +5226,6 @@
     <p:extLst>
       <p:ext uri="{BB962C8B-B14F-4D97-AF65-F5344CB8AC3E}">
         <p14:creationId xmlns:p14="http://schemas.microsoft.com/office/powerpoint/2010/main" val="4003029883"/>
-      </p:ext>
-    </p:extLst>
-  </p:cSld>
-  <p:clrMapOvr>
-    <a:masterClrMapping/>
-  </p:clrMapOvr>
-</p:sld>
-</file>
-
-<file path=ppt/slides/slide9.xml><?xml version="1.0" encoding="utf-8"?>
-<p:sld xmlns:a="http://schemas.openxmlformats.org/drawingml/2006/main" xmlns:r="http://schemas.openxmlformats.org/officeDocument/2006/relationships" xmlns:p="http://schemas.openxmlformats.org/presentationml/2006/main">
-  <p:cSld>
-    <p:spTree>
-      <p:nvGrpSpPr>
-        <p:cNvPr id="1" name=""/>
-        <p:cNvGrpSpPr/>
-        <p:nvPr/>
-      </p:nvGrpSpPr>
-      <p:grpSpPr>
-        <a:xfrm>
-          <a:off x="0" y="0"/>
-          <a:ext cx="0" cy="0"/>
-          <a:chOff x="0" y="0"/>
-          <a:chExt cx="0" cy="0"/>
-        </a:xfrm>
-      </p:grpSpPr>
-      <p:sp>
-        <p:nvSpPr>
-          <p:cNvPr id="2" name="Title 1">
-            <a:extLst>
-              <a:ext uri="{FF2B5EF4-FFF2-40B4-BE49-F238E27FC236}">
-                <a16:creationId xmlns:a16="http://schemas.microsoft.com/office/drawing/2014/main" id="{37E689B6-4C0C-43B0-BE54-63210DCD7EEC}"/>
-              </a:ext>
-            </a:extLst>
-          </p:cNvPr>
-          <p:cNvSpPr>
-            <a:spLocks noGrp="1"/>
-          </p:cNvSpPr>
-          <p:nvPr>
-            <p:ph type="title"/>
-          </p:nvPr>
-        </p:nvSpPr>
-        <p:spPr/>
-        <p:txBody>
-          <a:bodyPr/>
-          <a:lstStyle/>
-          <a:p>
-            <a:r>
-              <a:rPr lang="sv-SE" dirty="0"/>
-              <a:t>Hjälpa med att förstå och hitta mönster i data</a:t>
-            </a:r>
-          </a:p>
-        </p:txBody>
-      </p:sp>
-      <p:sp>
-        <p:nvSpPr>
-          <p:cNvPr id="3" name="Content Placeholder 2">
-            <a:extLst>
-              <a:ext uri="{FF2B5EF4-FFF2-40B4-BE49-F238E27FC236}">
-                <a16:creationId xmlns:a16="http://schemas.microsoft.com/office/drawing/2014/main" id="{B6B62BD6-0CA9-4AB6-BFA1-3AD053B2C8E1}"/>
-              </a:ext>
-            </a:extLst>
-          </p:cNvPr>
-          <p:cNvSpPr>
-            <a:spLocks noGrp="1"/>
-          </p:cNvSpPr>
-          <p:nvPr>
-            <p:ph idx="1"/>
-          </p:nvPr>
-        </p:nvSpPr>
-        <p:spPr>
-          <a:xfrm>
-            <a:off x="838200" y="1690688"/>
-            <a:ext cx="10515600" cy="4351338"/>
-          </a:xfrm>
-        </p:spPr>
-        <p:txBody>
-          <a:bodyPr/>
-          <a:lstStyle/>
-          <a:p>
-            <a:r>
-              <a:rPr lang="sv-SE" dirty="0"/>
-              <a:t>Hjälpa med att förstå och hitta mönster i data</a:t>
-            </a:r>
-          </a:p>
-          <a:p>
-            <a:pPr lvl="1"/>
-            <a:r>
-              <a:rPr lang="sv-SE" dirty="0"/>
-              <a:t>”Gruppera våra kunder utifrån de som har flest gemensamma egenskaper utifrån geografi, storlek, och huvudsakligt köpkategori”</a:t>
-            </a:r>
-          </a:p>
-          <a:p>
-            <a:pPr lvl="1"/>
-            <a:endParaRPr lang="sv-SE" dirty="0"/>
-          </a:p>
-          <a:p>
-            <a:r>
-              <a:rPr lang="sv-SE" dirty="0"/>
-              <a:t>Visa trafikverket, gå upp och ned</a:t>
-            </a:r>
-          </a:p>
-          <a:p>
-            <a:r>
-              <a:rPr lang="sv-SE" dirty="0"/>
-              <a:t>Visa sammanfattning</a:t>
-            </a:r>
-          </a:p>
-          <a:p>
-            <a:r>
-              <a:rPr lang="sv-SE" dirty="0"/>
-              <a:t>Något med k-means</a:t>
-            </a:r>
-          </a:p>
-          <a:p>
-            <a:r>
-              <a:rPr lang="sv-SE" dirty="0"/>
-              <a:t>Data science – inte machine learning – förstå barns höjd exempel. Lägg till hyptestestning.</a:t>
-            </a:r>
-          </a:p>
-          <a:p>
-            <a:pPr lvl="1"/>
-            <a:endParaRPr lang="sv-SE" dirty="0"/>
-          </a:p>
-        </p:txBody>
-      </p:sp>
-    </p:spTree>
-    <p:extLst>
-      <p:ext uri="{BB962C8B-B14F-4D97-AF65-F5344CB8AC3E}">
-        <p14:creationId xmlns:p14="http://schemas.microsoft.com/office/powerpoint/2010/main" val="4227783960"/>
       </p:ext>
     </p:extLst>
   </p:cSld>

--- a/Machine learning for dummies/Presentation/Machine learning AI och Data Science.pptx
+++ b/Machine learning for dummies/Presentation/Machine learning AI och Data Science.pptx
@@ -271,7 +271,7 @@
           <a:p>
             <a:fld id="{D54733F0-06F3-4793-9386-80AFF6BF7E4B}" type="datetimeFigureOut">
               <a:rPr lang="sv-SE" smtClean="0"/>
-              <a:t>2018-03-08</a:t>
+              <a:t>2018-03-09</a:t>
             </a:fld>
             <a:endParaRPr lang="sv-SE"/>
           </a:p>
@@ -471,7 +471,7 @@
           <a:p>
             <a:fld id="{D54733F0-06F3-4793-9386-80AFF6BF7E4B}" type="datetimeFigureOut">
               <a:rPr lang="sv-SE" smtClean="0"/>
-              <a:t>2018-03-08</a:t>
+              <a:t>2018-03-09</a:t>
             </a:fld>
             <a:endParaRPr lang="sv-SE"/>
           </a:p>
@@ -681,7 +681,7 @@
           <a:p>
             <a:fld id="{D54733F0-06F3-4793-9386-80AFF6BF7E4B}" type="datetimeFigureOut">
               <a:rPr lang="sv-SE" smtClean="0"/>
-              <a:t>2018-03-08</a:t>
+              <a:t>2018-03-09</a:t>
             </a:fld>
             <a:endParaRPr lang="sv-SE"/>
           </a:p>
@@ -881,7 +881,7 @@
           <a:p>
             <a:fld id="{D54733F0-06F3-4793-9386-80AFF6BF7E4B}" type="datetimeFigureOut">
               <a:rPr lang="sv-SE" smtClean="0"/>
-              <a:t>2018-03-08</a:t>
+              <a:t>2018-03-09</a:t>
             </a:fld>
             <a:endParaRPr lang="sv-SE"/>
           </a:p>
@@ -1157,7 +1157,7 @@
           <a:p>
             <a:fld id="{D54733F0-06F3-4793-9386-80AFF6BF7E4B}" type="datetimeFigureOut">
               <a:rPr lang="sv-SE" smtClean="0"/>
-              <a:t>2018-03-08</a:t>
+              <a:t>2018-03-09</a:t>
             </a:fld>
             <a:endParaRPr lang="sv-SE"/>
           </a:p>
@@ -1425,7 +1425,7 @@
           <a:p>
             <a:fld id="{D54733F0-06F3-4793-9386-80AFF6BF7E4B}" type="datetimeFigureOut">
               <a:rPr lang="sv-SE" smtClean="0"/>
-              <a:t>2018-03-08</a:t>
+              <a:t>2018-03-09</a:t>
             </a:fld>
             <a:endParaRPr lang="sv-SE"/>
           </a:p>
@@ -1840,7 +1840,7 @@
           <a:p>
             <a:fld id="{D54733F0-06F3-4793-9386-80AFF6BF7E4B}" type="datetimeFigureOut">
               <a:rPr lang="sv-SE" smtClean="0"/>
-              <a:t>2018-03-08</a:t>
+              <a:t>2018-03-09</a:t>
             </a:fld>
             <a:endParaRPr lang="sv-SE"/>
           </a:p>
@@ -1982,7 +1982,7 @@
           <a:p>
             <a:fld id="{D54733F0-06F3-4793-9386-80AFF6BF7E4B}" type="datetimeFigureOut">
               <a:rPr lang="sv-SE" smtClean="0"/>
-              <a:t>2018-03-08</a:t>
+              <a:t>2018-03-09</a:t>
             </a:fld>
             <a:endParaRPr lang="sv-SE"/>
           </a:p>
@@ -2095,7 +2095,7 @@
           <a:p>
             <a:fld id="{D54733F0-06F3-4793-9386-80AFF6BF7E4B}" type="datetimeFigureOut">
               <a:rPr lang="sv-SE" smtClean="0"/>
-              <a:t>2018-03-08</a:t>
+              <a:t>2018-03-09</a:t>
             </a:fld>
             <a:endParaRPr lang="sv-SE"/>
           </a:p>
@@ -2408,7 +2408,7 @@
           <a:p>
             <a:fld id="{D54733F0-06F3-4793-9386-80AFF6BF7E4B}" type="datetimeFigureOut">
               <a:rPr lang="sv-SE" smtClean="0"/>
-              <a:t>2018-03-08</a:t>
+              <a:t>2018-03-09</a:t>
             </a:fld>
             <a:endParaRPr lang="sv-SE"/>
           </a:p>
@@ -2697,7 +2697,7 @@
           <a:p>
             <a:fld id="{D54733F0-06F3-4793-9386-80AFF6BF7E4B}" type="datetimeFigureOut">
               <a:rPr lang="sv-SE" smtClean="0"/>
-              <a:t>2018-03-08</a:t>
+              <a:t>2018-03-09</a:t>
             </a:fld>
             <a:endParaRPr lang="sv-SE"/>
           </a:p>
@@ -2940,7 +2940,7 @@
           <a:p>
             <a:fld id="{D54733F0-06F3-4793-9386-80AFF6BF7E4B}" type="datetimeFigureOut">
               <a:rPr lang="sv-SE" smtClean="0"/>
-              <a:t>2018-03-08</a:t>
+              <a:t>2018-03-09</a:t>
             </a:fld>
             <a:endParaRPr lang="sv-SE"/>
           </a:p>
@@ -3540,26 +3540,31 @@
           <a:p>
             <a:r>
               <a:rPr lang="sv-SE" dirty="0"/>
-              <a:t>Visa trafikverket, gå upp och ned</a:t>
-            </a:r>
-          </a:p>
-          <a:p>
-            <a:r>
-              <a:rPr lang="sv-SE" dirty="0"/>
-              <a:t>Visa sammanfattning</a:t>
-            </a:r>
-          </a:p>
-          <a:p>
-            <a:r>
-              <a:rPr lang="sv-SE" dirty="0"/>
-              <a:t>Något med k-means</a:t>
-            </a:r>
-          </a:p>
-          <a:p>
-            <a:r>
-              <a:rPr lang="sv-SE" dirty="0"/>
-              <a:t>Data science – inte machine learning – förstå barns höjd exempel. Lägg till hyptestestning.</a:t>
-            </a:r>
+              <a:t>Trafikverket – ålder/olyckor - orsak</a:t>
+            </a:r>
+          </a:p>
+          <a:p>
+            <a:r>
+              <a:rPr lang="sv-SE" dirty="0"/>
+              <a:t>Visa sammanfattning i ord utifrån data</a:t>
+            </a:r>
+          </a:p>
+          <a:p>
+            <a:r>
+              <a:rPr lang="sv-SE" dirty="0"/>
+              <a:t>K-means</a:t>
+            </a:r>
+          </a:p>
+          <a:p>
+            <a:r>
+              <a:rPr lang="sv-SE" dirty="0"/>
+              <a:t>Data science – utan machine learning </a:t>
+            </a:r>
+            <a:r>
+              <a:rPr lang="sv-SE"/>
+              <a:t>– relation mellan barn och föräldrars längd – hypotestestning.</a:t>
+            </a:r>
+            <a:endParaRPr lang="sv-SE" dirty="0"/>
           </a:p>
           <a:p>
             <a:pPr lvl="1"/>
@@ -3644,43 +3649,62 @@
         <p:spPr/>
         <p:txBody>
           <a:bodyPr>
-            <a:normAutofit/>
+            <a:normAutofit fontScale="77500" lnSpcReduction="20000"/>
           </a:bodyPr>
           <a:lstStyle/>
           <a:p>
             <a:r>
               <a:rPr lang="sv-SE" dirty="0"/>
-              <a:t>[Ex</a:t>
-            </a:r>
-            <a:r>
-              <a:rPr lang="sv-SE"/>
-              <a:t>: Powerbi, Watson] Avända </a:t>
-            </a:r>
-            <a:r>
-              <a:rPr lang="sv-SE" dirty="0"/>
-              <a:t>färdiga funktioner, visualiseringar</a:t>
-            </a:r>
-          </a:p>
-          <a:p>
-            <a:r>
-              <a:rPr lang="sv-SE" dirty="0"/>
-              <a:t>[Ex: Cognitive services, Auto ML] Använda API till redan tränande modeller – Kunskaper om API, programmering och domänkunskap</a:t>
-            </a:r>
-          </a:p>
-          <a:p>
-            <a:r>
-              <a:rPr lang="sv-SE" dirty="0"/>
-              <a:t>[Ex: machine learning studio eller jupyter notebook]Använda färdiga algoritmer för att skapa egna modeller för ett specifikt syfte – Kunskaper om machine learning modeller, arbetsflöde för att träna, validera, statistik och domänkunskap</a:t>
-            </a:r>
-          </a:p>
-          <a:p>
-            <a:r>
-              <a:rPr lang="sv-SE" dirty="0"/>
-              <a:t>[Ex: Tensorflow, Microsoft CNTK] Använda ramverk och bibliotek för att skapa kustomiserade algoritmer – linjär algebra, ”calculus”, statistik</a:t>
-            </a:r>
-          </a:p>
-          <a:p>
-            <a:endParaRPr lang="sv-SE" dirty="0"/>
+              <a:t>Avända färdiga funktioner, visualiseringar</a:t>
+            </a:r>
+          </a:p>
+          <a:p>
+            <a:r>
+              <a:rPr lang="sv-SE" dirty="0"/>
+              <a:t>[Ex: Powerbi, Watson, Custom vision] </a:t>
+            </a:r>
+          </a:p>
+          <a:p>
+            <a:r>
+              <a:rPr lang="sv-SE" dirty="0"/>
+              <a:t>Använda API till redan tränande modeller</a:t>
+            </a:r>
+          </a:p>
+          <a:p>
+            <a:r>
+              <a:rPr lang="sv-SE" dirty="0"/>
+              <a:t>[Ex: Cognitive services, Auto ML]</a:t>
+            </a:r>
+          </a:p>
+          <a:p>
+            <a:r>
+              <a:rPr lang="sv-SE" dirty="0"/>
+              <a:t>– Kunskaper om API, programmering och domänkunskap</a:t>
+            </a:r>
+          </a:p>
+          <a:p>
+            <a:r>
+              <a:rPr lang="sv-SE" dirty="0"/>
+              <a:t>Använda färdiga algoritmer för att skapa egna modeller för ett specifikt syfte – Kunskaper om machine learning modeller, arbetsflöde för att träna, validera, statistik </a:t>
+            </a:r>
+          </a:p>
+          <a:p>
+            <a:r>
+              <a:rPr lang="sv-SE" dirty="0"/>
+              <a:t>[Azure machine learning studio, Jupyther notebook]</a:t>
+            </a:r>
+          </a:p>
+          <a:p>
+            <a:r>
+              <a:rPr lang="sv-SE" dirty="0"/>
+              <a:t>Använda ramverk och bibliotek för att skapa kustomiserade algoritmer – linjär algebra, ”calculus”, statistik</a:t>
+            </a:r>
+          </a:p>
+          <a:p>
+            <a:r>
+              <a:rPr lang="sv-SE" dirty="0"/>
+              <a:t>[Ex: machine learning studio eller jupyter notebook] [Ex: Tensorflow, Microsoft CNTK]</a:t>
+            </a:r>
           </a:p>
         </p:txBody>
       </p:sp>
@@ -4553,34 +4577,35 @@
           <a:p>
             <a:r>
               <a:rPr lang="sv-SE" dirty="0"/>
-              <a:t>Också supervised learning = har tränats med exempel</a:t>
-            </a:r>
-          </a:p>
-          <a:p>
-            <a:r>
-              <a:rPr lang="sv-SE" dirty="0"/>
-              <a:t>Färdigtränanade modeller</a:t>
+              <a:t>Också supervised learning = har tränats med exempel, modellerna är redan färdigtränade</a:t>
             </a:r>
           </a:p>
           <a:p>
             <a:pPr lvl="1"/>
             <a:r>
               <a:rPr lang="sv-SE" dirty="0"/>
-              <a:t>If (loan &gt; 1 mnkr &amp;&amp; Income &lt; 100 tkr)</a:t>
+              <a:t>If (loan &lt; 1 mnkr &amp;&amp; Income &gt; 200 tkr)</a:t>
             </a:r>
           </a:p>
           <a:p>
             <a:pPr lvl="2"/>
             <a:r>
               <a:rPr lang="sv-SE" dirty="0"/>
-              <a:t>Return false;</a:t>
+              <a:t>return true;</a:t>
+            </a:r>
+          </a:p>
+          <a:p>
+            <a:pPr lvl="2"/>
+            <a:r>
+              <a:rPr lang="sv-SE" dirty="0"/>
+              <a:t>else return false;</a:t>
             </a:r>
           </a:p>
           <a:p>
             <a:pPr lvl="1"/>
             <a:r>
               <a:rPr lang="sv-SE" dirty="0"/>
-              <a:t>If (bild.jpg != olämplig)</a:t>
+              <a:t>If (bild.jpg == hund)</a:t>
             </a:r>
           </a:p>
           <a:p>

--- a/Machine learning for dummies/Presentation/Machine learning AI och Data Science.pptx
+++ b/Machine learning for dummies/Presentation/Machine learning AI och Data Science.pptx
@@ -5,17 +5,16 @@
     <p:sldMasterId id="2147483648" r:id="rId1"/>
   </p:sldMasterIdLst>
   <p:sldIdLst>
-    <p:sldId id="257" r:id="rId2"/>
-    <p:sldId id="268" r:id="rId3"/>
-    <p:sldId id="258" r:id="rId4"/>
-    <p:sldId id="259" r:id="rId5"/>
-    <p:sldId id="260" r:id="rId6"/>
-    <p:sldId id="267" r:id="rId7"/>
-    <p:sldId id="270" r:id="rId8"/>
-    <p:sldId id="262" r:id="rId9"/>
-    <p:sldId id="263" r:id="rId10"/>
-    <p:sldId id="266" r:id="rId11"/>
-    <p:sldId id="269" r:id="rId12"/>
+    <p:sldId id="280" r:id="rId2"/>
+    <p:sldId id="272" r:id="rId3"/>
+    <p:sldId id="271" r:id="rId4"/>
+    <p:sldId id="281" r:id="rId5"/>
+    <p:sldId id="276" r:id="rId6"/>
+    <p:sldId id="274" r:id="rId7"/>
+    <p:sldId id="277" r:id="rId8"/>
+    <p:sldId id="275" r:id="rId9"/>
+    <p:sldId id="273" r:id="rId10"/>
+    <p:sldId id="278" r:id="rId11"/>
   </p:sldIdLst>
   <p:sldSz cx="12192000" cy="6858000"/>
   <p:notesSz cx="6858000" cy="9144000"/>
@@ -271,7 +270,7 @@
           <a:p>
             <a:fld id="{D54733F0-06F3-4793-9386-80AFF6BF7E4B}" type="datetimeFigureOut">
               <a:rPr lang="sv-SE" smtClean="0"/>
-              <a:t>2018-03-09</a:t>
+              <a:t>2018-12-04</a:t>
             </a:fld>
             <a:endParaRPr lang="sv-SE"/>
           </a:p>
@@ -471,7 +470,7 @@
           <a:p>
             <a:fld id="{D54733F0-06F3-4793-9386-80AFF6BF7E4B}" type="datetimeFigureOut">
               <a:rPr lang="sv-SE" smtClean="0"/>
-              <a:t>2018-03-09</a:t>
+              <a:t>2018-12-04</a:t>
             </a:fld>
             <a:endParaRPr lang="sv-SE"/>
           </a:p>
@@ -681,7 +680,7 @@
           <a:p>
             <a:fld id="{D54733F0-06F3-4793-9386-80AFF6BF7E4B}" type="datetimeFigureOut">
               <a:rPr lang="sv-SE" smtClean="0"/>
-              <a:t>2018-03-09</a:t>
+              <a:t>2018-12-04</a:t>
             </a:fld>
             <a:endParaRPr lang="sv-SE"/>
           </a:p>
@@ -881,7 +880,7 @@
           <a:p>
             <a:fld id="{D54733F0-06F3-4793-9386-80AFF6BF7E4B}" type="datetimeFigureOut">
               <a:rPr lang="sv-SE" smtClean="0"/>
-              <a:t>2018-03-09</a:t>
+              <a:t>2018-12-04</a:t>
             </a:fld>
             <a:endParaRPr lang="sv-SE"/>
           </a:p>
@@ -1157,7 +1156,7 @@
           <a:p>
             <a:fld id="{D54733F0-06F3-4793-9386-80AFF6BF7E4B}" type="datetimeFigureOut">
               <a:rPr lang="sv-SE" smtClean="0"/>
-              <a:t>2018-03-09</a:t>
+              <a:t>2018-12-04</a:t>
             </a:fld>
             <a:endParaRPr lang="sv-SE"/>
           </a:p>
@@ -1425,7 +1424,7 @@
           <a:p>
             <a:fld id="{D54733F0-06F3-4793-9386-80AFF6BF7E4B}" type="datetimeFigureOut">
               <a:rPr lang="sv-SE" smtClean="0"/>
-              <a:t>2018-03-09</a:t>
+              <a:t>2018-12-04</a:t>
             </a:fld>
             <a:endParaRPr lang="sv-SE"/>
           </a:p>
@@ -1840,7 +1839,7 @@
           <a:p>
             <a:fld id="{D54733F0-06F3-4793-9386-80AFF6BF7E4B}" type="datetimeFigureOut">
               <a:rPr lang="sv-SE" smtClean="0"/>
-              <a:t>2018-03-09</a:t>
+              <a:t>2018-12-04</a:t>
             </a:fld>
             <a:endParaRPr lang="sv-SE"/>
           </a:p>
@@ -1982,7 +1981,7 @@
           <a:p>
             <a:fld id="{D54733F0-06F3-4793-9386-80AFF6BF7E4B}" type="datetimeFigureOut">
               <a:rPr lang="sv-SE" smtClean="0"/>
-              <a:t>2018-03-09</a:t>
+              <a:t>2018-12-04</a:t>
             </a:fld>
             <a:endParaRPr lang="sv-SE"/>
           </a:p>
@@ -2095,7 +2094,7 @@
           <a:p>
             <a:fld id="{D54733F0-06F3-4793-9386-80AFF6BF7E4B}" type="datetimeFigureOut">
               <a:rPr lang="sv-SE" smtClean="0"/>
-              <a:t>2018-03-09</a:t>
+              <a:t>2018-12-04</a:t>
             </a:fld>
             <a:endParaRPr lang="sv-SE"/>
           </a:p>
@@ -2408,7 +2407,7 @@
           <a:p>
             <a:fld id="{D54733F0-06F3-4793-9386-80AFF6BF7E4B}" type="datetimeFigureOut">
               <a:rPr lang="sv-SE" smtClean="0"/>
-              <a:t>2018-03-09</a:t>
+              <a:t>2018-12-04</a:t>
             </a:fld>
             <a:endParaRPr lang="sv-SE"/>
           </a:p>
@@ -2697,7 +2696,7 @@
           <a:p>
             <a:fld id="{D54733F0-06F3-4793-9386-80AFF6BF7E4B}" type="datetimeFigureOut">
               <a:rPr lang="sv-SE" smtClean="0"/>
-              <a:t>2018-03-09</a:t>
+              <a:t>2018-12-04</a:t>
             </a:fld>
             <a:endParaRPr lang="sv-SE"/>
           </a:p>
@@ -2940,7 +2939,7 @@
           <a:p>
             <a:fld id="{D54733F0-06F3-4793-9386-80AFF6BF7E4B}" type="datetimeFigureOut">
               <a:rPr lang="sv-SE" smtClean="0"/>
-              <a:t>2018-03-09</a:t>
+              <a:t>2018-12-04</a:t>
             </a:fld>
             <a:endParaRPr lang="sv-SE"/>
           </a:p>
@@ -3362,7 +3361,7 @@
           <p:cNvPr id="2" name="Title 1">
             <a:extLst>
               <a:ext uri="{FF2B5EF4-FFF2-40B4-BE49-F238E27FC236}">
-                <a16:creationId xmlns:a16="http://schemas.microsoft.com/office/drawing/2014/main" id="{0620F284-EA99-46B1-9D2B-63D78929B254}"/>
+                <a16:creationId xmlns:a16="http://schemas.microsoft.com/office/drawing/2014/main" id="{CFCADA7A-5041-4EA1-BD76-16F113665ADB}"/>
               </a:ext>
             </a:extLst>
           </p:cNvPr>
@@ -3380,7 +3379,7 @@
           <a:p>
             <a:r>
               <a:rPr lang="sv-SE" dirty="0"/>
-              <a:t>Begrepp</a:t>
+              <a:t>Inledning</a:t>
             </a:r>
           </a:p>
         </p:txBody>
@@ -3390,7 +3389,7 @@
           <p:cNvPr id="3" name="Content Placeholder 2">
             <a:extLst>
               <a:ext uri="{FF2B5EF4-FFF2-40B4-BE49-F238E27FC236}">
-                <a16:creationId xmlns:a16="http://schemas.microsoft.com/office/drawing/2014/main" id="{03E902C4-D488-4299-B65B-374D97A5A66D}"/>
+                <a16:creationId xmlns:a16="http://schemas.microsoft.com/office/drawing/2014/main" id="{BCE0CF76-395B-4DB0-B4E7-D4253F367073}"/>
               </a:ext>
             </a:extLst>
           </p:cNvPr>
@@ -3401,38 +3400,360 @@
             <p:ph idx="1"/>
           </p:nvPr>
         </p:nvSpPr>
-        <p:spPr/>
-        <p:txBody>
-          <a:bodyPr/>
+        <p:spPr>
+          <a:xfrm>
+            <a:off x="1" y="1690688"/>
+            <a:ext cx="6559419" cy="4351338"/>
+          </a:xfrm>
+        </p:spPr>
+        <p:txBody>
+          <a:bodyPr>
+            <a:normAutofit fontScale="85000" lnSpcReduction="20000"/>
+          </a:bodyPr>
           <a:lstStyle/>
           <a:p>
             <a:r>
               <a:rPr lang="sv-SE" dirty="0"/>
-              <a:t>Inledning: Lunch med BI, team – tagit bort en del teknik, mer tillämpning, Lagt till vård + ai.</a:t>
-            </a:r>
-          </a:p>
-          <a:p>
-            <a:r>
-              <a:rPr lang="sv-SE" dirty="0"/>
-              <a:t>Machine learning – en funktion som blir bättre genom att den tränas med data</a:t>
-            </a:r>
-          </a:p>
-          <a:p>
-            <a:r>
-              <a:rPr lang="sv-SE" dirty="0"/>
-              <a:t>AI – en maskin som kan lösa en uppgift som kräver kognitiv processning.</a:t>
-            </a:r>
-          </a:p>
-          <a:p>
-            <a:r>
-              <a:rPr lang="sv-SE" dirty="0"/>
-              <a:t>ML och AI är närliggande men inte samma. AI är ett vidare begrepp (innefattar inte att den måste tränas med data)</a:t>
-            </a:r>
-          </a:p>
-          <a:p>
-            <a:pPr marL="0" indent="0">
-              <a:buNone/>
-            </a:pPr>
+              <a:t>Exempel på </a:t>
+            </a:r>
+            <a:r>
+              <a:rPr lang="sv-SE" dirty="0" err="1"/>
+              <a:t>Machine</a:t>
+            </a:r>
+            <a:r>
+              <a:rPr lang="sv-SE" dirty="0"/>
+              <a:t> Learning</a:t>
+            </a:r>
+          </a:p>
+          <a:p>
+            <a:pPr lvl="1"/>
+            <a:r>
+              <a:rPr lang="sv-SE" dirty="0"/>
+              <a:t>Prediktioner </a:t>
+            </a:r>
+          </a:p>
+          <a:p>
+            <a:pPr lvl="2"/>
+            <a:r>
+              <a:rPr lang="sv-SE" dirty="0"/>
+              <a:t>”Vad är det här huset värt utifrån info om huset” [Gradient </a:t>
+            </a:r>
+            <a:r>
+              <a:rPr lang="sv-SE" dirty="0" err="1"/>
+              <a:t>decent</a:t>
+            </a:r>
+            <a:r>
+              <a:rPr lang="sv-SE" dirty="0"/>
+              <a:t>]</a:t>
+            </a:r>
+          </a:p>
+          <a:p>
+            <a:pPr lvl="2"/>
+            <a:r>
+              <a:rPr lang="sv-SE" dirty="0"/>
+              <a:t>” </a:t>
+            </a:r>
+            <a:r>
+              <a:rPr lang="sv-SE" dirty="0">
+                <a:hlinkClick r:id="rId2"/>
+              </a:rPr>
+              <a:t>http://dataagile.blogspot.com/2018/08/om-machine-learning-hur-kan-en-maskin.html</a:t>
+            </a:r>
+            <a:endParaRPr lang="sv-SE" dirty="0"/>
+          </a:p>
+          <a:p>
+            <a:pPr lvl="1"/>
+            <a:r>
+              <a:rPr lang="sv-SE" dirty="0"/>
+              <a:t>Tolka data på sätt som tidigare bara människor kunnat göra.</a:t>
+            </a:r>
+          </a:p>
+          <a:p>
+            <a:pPr lvl="2"/>
+            <a:r>
+              <a:rPr lang="sv-SE" dirty="0"/>
+              <a:t>”Har den här texten ett positivt eller negativt känsloläge?’” [Färdigt API]</a:t>
+            </a:r>
+          </a:p>
+          <a:p>
+            <a:pPr lvl="2"/>
+            <a:r>
+              <a:rPr lang="sv-SE" dirty="0">
+                <a:hlinkClick r:id="rId3"/>
+              </a:rPr>
+              <a:t>http://dataagile.blogspot.com/2018/09/att-anvanda-fardiga-apier-for-kognitiva.html</a:t>
+            </a:r>
+            <a:endParaRPr lang="sv-SE" dirty="0"/>
+          </a:p>
+          <a:p>
+            <a:pPr lvl="1"/>
+            <a:r>
+              <a:rPr lang="sv-SE" dirty="0"/>
+              <a:t>Hjälpa med att förstå och hitta mönster i data</a:t>
+            </a:r>
+          </a:p>
+          <a:p>
+            <a:pPr lvl="2"/>
+            <a:r>
+              <a:rPr lang="sv-SE" dirty="0"/>
+              <a:t>”Gruppera våra kunder utifrån de som har flest gemensamma egenskaper utifrån geografi, storlek, och huvudsakligt köpkategori”</a:t>
+            </a:r>
+          </a:p>
+          <a:p>
+            <a:pPr lvl="2"/>
+            <a:r>
+              <a:rPr lang="sv-SE" dirty="0"/>
+              <a:t>[Funktion i Power BI]</a:t>
+            </a:r>
+          </a:p>
+          <a:p>
+            <a:endParaRPr lang="sv-SE" dirty="0"/>
+          </a:p>
+        </p:txBody>
+      </p:sp>
+      <p:sp>
+        <p:nvSpPr>
+          <p:cNvPr id="4" name="Content Placeholder 2">
+            <a:extLst>
+              <a:ext uri="{FF2B5EF4-FFF2-40B4-BE49-F238E27FC236}">
+                <a16:creationId xmlns:a16="http://schemas.microsoft.com/office/drawing/2014/main" id="{F7514440-2A80-48B5-95C4-B8248C343B8A}"/>
+              </a:ext>
+            </a:extLst>
+          </p:cNvPr>
+          <p:cNvSpPr txBox="1">
+            <a:spLocks/>
+          </p:cNvSpPr>
+          <p:nvPr/>
+        </p:nvSpPr>
+        <p:spPr>
+          <a:xfrm>
+            <a:off x="6219825" y="1600492"/>
+            <a:ext cx="6248983" cy="4351338"/>
+          </a:xfrm>
+          <a:prstGeom prst="rect">
+            <a:avLst/>
+          </a:prstGeom>
+        </p:spPr>
+        <p:txBody>
+          <a:bodyPr vert="horz" lIns="91440" tIns="45720" rIns="91440" bIns="45720" rtlCol="0">
+            <a:normAutofit/>
+          </a:bodyPr>
+          <a:lstStyle>
+            <a:lvl1pPr marL="228600" indent="-228600" algn="l" defTabSz="914400" rtl="0" eaLnBrk="1" latinLnBrk="0" hangingPunct="1">
+              <a:lnSpc>
+                <a:spcPct val="90000"/>
+              </a:lnSpc>
+              <a:spcBef>
+                <a:spcPts val="1000"/>
+              </a:spcBef>
+              <a:buFont typeface="Arial" panose="020B0604020202020204" pitchFamily="34" charset="0"/>
+              <a:buChar char="•"/>
+              <a:defRPr sz="2800" kern="1200">
+                <a:solidFill>
+                  <a:schemeClr val="tx1"/>
+                </a:solidFill>
+                <a:latin typeface="+mn-lt"/>
+                <a:ea typeface="+mn-ea"/>
+                <a:cs typeface="+mn-cs"/>
+              </a:defRPr>
+            </a:lvl1pPr>
+            <a:lvl2pPr marL="685800" indent="-228600" algn="l" defTabSz="914400" rtl="0" eaLnBrk="1" latinLnBrk="0" hangingPunct="1">
+              <a:lnSpc>
+                <a:spcPct val="90000"/>
+              </a:lnSpc>
+              <a:spcBef>
+                <a:spcPts val="500"/>
+              </a:spcBef>
+              <a:buFont typeface="Arial" panose="020B0604020202020204" pitchFamily="34" charset="0"/>
+              <a:buChar char="•"/>
+              <a:defRPr sz="2400" kern="1200">
+                <a:solidFill>
+                  <a:schemeClr val="tx1"/>
+                </a:solidFill>
+                <a:latin typeface="+mn-lt"/>
+                <a:ea typeface="+mn-ea"/>
+                <a:cs typeface="+mn-cs"/>
+              </a:defRPr>
+            </a:lvl2pPr>
+            <a:lvl3pPr marL="1143000" indent="-228600" algn="l" defTabSz="914400" rtl="0" eaLnBrk="1" latinLnBrk="0" hangingPunct="1">
+              <a:lnSpc>
+                <a:spcPct val="90000"/>
+              </a:lnSpc>
+              <a:spcBef>
+                <a:spcPts val="500"/>
+              </a:spcBef>
+              <a:buFont typeface="Arial" panose="020B0604020202020204" pitchFamily="34" charset="0"/>
+              <a:buChar char="•"/>
+              <a:defRPr sz="2000" kern="1200">
+                <a:solidFill>
+                  <a:schemeClr val="tx1"/>
+                </a:solidFill>
+                <a:latin typeface="+mn-lt"/>
+                <a:ea typeface="+mn-ea"/>
+                <a:cs typeface="+mn-cs"/>
+              </a:defRPr>
+            </a:lvl3pPr>
+            <a:lvl4pPr marL="1600200" indent="-228600" algn="l" defTabSz="914400" rtl="0" eaLnBrk="1" latinLnBrk="0" hangingPunct="1">
+              <a:lnSpc>
+                <a:spcPct val="90000"/>
+              </a:lnSpc>
+              <a:spcBef>
+                <a:spcPts val="500"/>
+              </a:spcBef>
+              <a:buFont typeface="Arial" panose="020B0604020202020204" pitchFamily="34" charset="0"/>
+              <a:buChar char="•"/>
+              <a:defRPr sz="1800" kern="1200">
+                <a:solidFill>
+                  <a:schemeClr val="tx1"/>
+                </a:solidFill>
+                <a:latin typeface="+mn-lt"/>
+                <a:ea typeface="+mn-ea"/>
+                <a:cs typeface="+mn-cs"/>
+              </a:defRPr>
+            </a:lvl4pPr>
+            <a:lvl5pPr marL="2057400" indent="-228600" algn="l" defTabSz="914400" rtl="0" eaLnBrk="1" latinLnBrk="0" hangingPunct="1">
+              <a:lnSpc>
+                <a:spcPct val="90000"/>
+              </a:lnSpc>
+              <a:spcBef>
+                <a:spcPts val="500"/>
+              </a:spcBef>
+              <a:buFont typeface="Arial" panose="020B0604020202020204" pitchFamily="34" charset="0"/>
+              <a:buChar char="•"/>
+              <a:defRPr sz="1800" kern="1200">
+                <a:solidFill>
+                  <a:schemeClr val="tx1"/>
+                </a:solidFill>
+                <a:latin typeface="+mn-lt"/>
+                <a:ea typeface="+mn-ea"/>
+                <a:cs typeface="+mn-cs"/>
+              </a:defRPr>
+            </a:lvl5pPr>
+            <a:lvl6pPr marL="2514600" indent="-228600" algn="l" defTabSz="914400" rtl="0" eaLnBrk="1" latinLnBrk="0" hangingPunct="1">
+              <a:lnSpc>
+                <a:spcPct val="90000"/>
+              </a:lnSpc>
+              <a:spcBef>
+                <a:spcPts val="500"/>
+              </a:spcBef>
+              <a:buFont typeface="Arial" panose="020B0604020202020204" pitchFamily="34" charset="0"/>
+              <a:buChar char="•"/>
+              <a:defRPr sz="1800" kern="1200">
+                <a:solidFill>
+                  <a:schemeClr val="tx1"/>
+                </a:solidFill>
+                <a:latin typeface="+mn-lt"/>
+                <a:ea typeface="+mn-ea"/>
+                <a:cs typeface="+mn-cs"/>
+              </a:defRPr>
+            </a:lvl6pPr>
+            <a:lvl7pPr marL="2971800" indent="-228600" algn="l" defTabSz="914400" rtl="0" eaLnBrk="1" latinLnBrk="0" hangingPunct="1">
+              <a:lnSpc>
+                <a:spcPct val="90000"/>
+              </a:lnSpc>
+              <a:spcBef>
+                <a:spcPts val="500"/>
+              </a:spcBef>
+              <a:buFont typeface="Arial" panose="020B0604020202020204" pitchFamily="34" charset="0"/>
+              <a:buChar char="•"/>
+              <a:defRPr sz="1800" kern="1200">
+                <a:solidFill>
+                  <a:schemeClr val="tx1"/>
+                </a:solidFill>
+                <a:latin typeface="+mn-lt"/>
+                <a:ea typeface="+mn-ea"/>
+                <a:cs typeface="+mn-cs"/>
+              </a:defRPr>
+            </a:lvl7pPr>
+            <a:lvl8pPr marL="3429000" indent="-228600" algn="l" defTabSz="914400" rtl="0" eaLnBrk="1" latinLnBrk="0" hangingPunct="1">
+              <a:lnSpc>
+                <a:spcPct val="90000"/>
+              </a:lnSpc>
+              <a:spcBef>
+                <a:spcPts val="500"/>
+              </a:spcBef>
+              <a:buFont typeface="Arial" panose="020B0604020202020204" pitchFamily="34" charset="0"/>
+              <a:buChar char="•"/>
+              <a:defRPr sz="1800" kern="1200">
+                <a:solidFill>
+                  <a:schemeClr val="tx1"/>
+                </a:solidFill>
+                <a:latin typeface="+mn-lt"/>
+                <a:ea typeface="+mn-ea"/>
+                <a:cs typeface="+mn-cs"/>
+              </a:defRPr>
+            </a:lvl8pPr>
+            <a:lvl9pPr marL="3886200" indent="-228600" algn="l" defTabSz="914400" rtl="0" eaLnBrk="1" latinLnBrk="0" hangingPunct="1">
+              <a:lnSpc>
+                <a:spcPct val="90000"/>
+              </a:lnSpc>
+              <a:spcBef>
+                <a:spcPts val="500"/>
+              </a:spcBef>
+              <a:buFont typeface="Arial" panose="020B0604020202020204" pitchFamily="34" charset="0"/>
+              <a:buChar char="•"/>
+              <a:defRPr sz="1800" kern="1200">
+                <a:solidFill>
+                  <a:schemeClr val="tx1"/>
+                </a:solidFill>
+                <a:latin typeface="+mn-lt"/>
+                <a:ea typeface="+mn-ea"/>
+                <a:cs typeface="+mn-cs"/>
+              </a:defRPr>
+            </a:lvl9pPr>
+          </a:lstStyle>
+          <a:p>
+            <a:r>
+              <a:rPr lang="sv-SE" dirty="0"/>
+              <a:t>En diskussion begreppet Data Science</a:t>
+            </a:r>
+          </a:p>
+          <a:p>
+            <a:pPr lvl="1"/>
+            <a:r>
+              <a:rPr lang="sv-SE" dirty="0"/>
+              <a:t>Omdiskuterad betydelse</a:t>
+            </a:r>
+          </a:p>
+          <a:p>
+            <a:pPr lvl="1"/>
+            <a:r>
+              <a:rPr lang="sv-SE" dirty="0"/>
+              <a:t>Dalarna har byggt upp en avdelning med analytiker/Data Science</a:t>
+            </a:r>
+          </a:p>
+          <a:p>
+            <a:pPr lvl="1"/>
+            <a:r>
+              <a:rPr lang="sv-SE" dirty="0"/>
+              <a:t>Statistik, </a:t>
+            </a:r>
+            <a:r>
+              <a:rPr lang="sv-SE" dirty="0" err="1"/>
+              <a:t>machine</a:t>
+            </a:r>
+            <a:r>
+              <a:rPr lang="sv-SE" dirty="0"/>
+              <a:t> </a:t>
+            </a:r>
+            <a:r>
+              <a:rPr lang="sv-SE" dirty="0" err="1"/>
+              <a:t>learning</a:t>
+            </a:r>
+            <a:r>
+              <a:rPr lang="sv-SE" dirty="0"/>
+              <a:t>-modeller och programmering i en process för att besvara frågor</a:t>
+            </a:r>
+          </a:p>
+          <a:p>
+            <a:pPr lvl="1"/>
+            <a:endParaRPr lang="sv-SE" dirty="0"/>
+          </a:p>
+          <a:p>
+            <a:pPr lvl="1"/>
+            <a:endParaRPr lang="sv-SE" dirty="0"/>
+          </a:p>
+          <a:p>
             <a:endParaRPr lang="sv-SE" dirty="0"/>
           </a:p>
         </p:txBody>
@@ -3440,7 +3761,7 @@
     </p:spTree>
     <p:extLst>
       <p:ext uri="{BB962C8B-B14F-4D97-AF65-F5344CB8AC3E}">
-        <p14:creationId xmlns:p14="http://schemas.microsoft.com/office/powerpoint/2010/main" val="923824045"/>
+        <p14:creationId xmlns:p14="http://schemas.microsoft.com/office/powerpoint/2010/main" val="2087648061"/>
       </p:ext>
     </p:extLst>
   </p:cSld>
@@ -3472,7 +3793,7 @@
           <p:cNvPr id="2" name="Title 1">
             <a:extLst>
               <a:ext uri="{FF2B5EF4-FFF2-40B4-BE49-F238E27FC236}">
-                <a16:creationId xmlns:a16="http://schemas.microsoft.com/office/drawing/2014/main" id="{37E689B6-4C0C-43B0-BE54-63210DCD7EEC}"/>
+                <a16:creationId xmlns:a16="http://schemas.microsoft.com/office/drawing/2014/main" id="{29DC3950-BFB9-43C9-8B34-11E4FFFC8072}"/>
               </a:ext>
             </a:extLst>
           </p:cNvPr>
@@ -3490,7 +3811,7 @@
           <a:p>
             <a:r>
               <a:rPr lang="sv-SE" dirty="0"/>
-              <a:t>Hjälpa med att förstå och hitta mönster i data</a:t>
+              <a:t>Exempel på olika element som kan ingå</a:t>
             </a:r>
           </a:p>
         </p:txBody>
@@ -3500,7 +3821,7 @@
           <p:cNvPr id="3" name="Content Placeholder 2">
             <a:extLst>
               <a:ext uri="{FF2B5EF4-FFF2-40B4-BE49-F238E27FC236}">
-                <a16:creationId xmlns:a16="http://schemas.microsoft.com/office/drawing/2014/main" id="{B6B62BD6-0CA9-4AB6-BFA1-3AD053B2C8E1}"/>
+                <a16:creationId xmlns:a16="http://schemas.microsoft.com/office/drawing/2014/main" id="{85168226-E8A5-4049-AA22-F5C886BA37B7}"/>
               </a:ext>
             </a:extLst>
           </p:cNvPr>
@@ -3513,205 +3834,1741 @@
         </p:nvSpPr>
         <p:spPr>
           <a:xfrm>
-            <a:off x="838200" y="1690688"/>
-            <a:ext cx="10515600" cy="4351338"/>
+            <a:off x="744896" y="1603891"/>
+            <a:ext cx="1632857" cy="2790827"/>
           </a:xfrm>
         </p:spPr>
+        <p:style>
+          <a:lnRef idx="2">
+            <a:schemeClr val="accent6"/>
+          </a:lnRef>
+          <a:fillRef idx="1">
+            <a:schemeClr val="lt1"/>
+          </a:fillRef>
+          <a:effectRef idx="0">
+            <a:schemeClr val="accent6"/>
+          </a:effectRef>
+          <a:fontRef idx="minor">
+            <a:schemeClr val="dk1"/>
+          </a:fontRef>
+        </p:style>
         <p:txBody>
           <a:bodyPr/>
           <a:lstStyle/>
           <a:p>
             <a:r>
               <a:rPr lang="sv-SE" dirty="0"/>
-              <a:t>Hjälpa med att förstå och hitta mönster i data</a:t>
-            </a:r>
-          </a:p>
-          <a:p>
-            <a:pPr lvl="1"/>
-            <a:r>
-              <a:rPr lang="sv-SE" dirty="0"/>
-              <a:t>”Gruppera våra kunder utifrån de som har flest gemensamma egenskaper utifrån geografi, storlek, och huvudsakligt köpkategori”</a:t>
-            </a:r>
-          </a:p>
-          <a:p>
-            <a:pPr lvl="1"/>
+              <a:t>R </a:t>
+            </a:r>
+          </a:p>
+          <a:p>
+            <a:r>
+              <a:rPr lang="sv-SE" dirty="0" err="1"/>
+              <a:t>Python</a:t>
+            </a:r>
             <a:endParaRPr lang="sv-SE" dirty="0"/>
           </a:p>
           <a:p>
             <a:r>
               <a:rPr lang="sv-SE" dirty="0"/>
-              <a:t>Trafikverket – ålder/olyckor - orsak</a:t>
-            </a:r>
-          </a:p>
-          <a:p>
-            <a:r>
-              <a:rPr lang="sv-SE" dirty="0"/>
-              <a:t>Visa sammanfattning i ord utifrån data</a:t>
-            </a:r>
-          </a:p>
-          <a:p>
-            <a:r>
-              <a:rPr lang="sv-SE" dirty="0"/>
-              <a:t>K-means</a:t>
-            </a:r>
-          </a:p>
-          <a:p>
-            <a:r>
-              <a:rPr lang="sv-SE" dirty="0"/>
-              <a:t>Data science – utan machine learning </a:t>
-            </a:r>
-            <a:r>
-              <a:rPr lang="sv-SE"/>
-              <a:t>– relation mellan barn och föräldrars längd – hypotestestning.</a:t>
-            </a:r>
+              <a:t>Julia</a:t>
+            </a:r>
+          </a:p>
+          <a:p>
+            <a:r>
+              <a:rPr lang="sv-SE" dirty="0"/>
+              <a:t>SQL</a:t>
+            </a:r>
+          </a:p>
+          <a:p>
             <a:endParaRPr lang="sv-SE" dirty="0"/>
           </a:p>
-          <a:p>
-            <a:pPr lvl="1"/>
+        </p:txBody>
+      </p:sp>
+      <p:sp>
+        <p:nvSpPr>
+          <p:cNvPr id="4" name="Content Placeholder 2">
+            <a:extLst>
+              <a:ext uri="{FF2B5EF4-FFF2-40B4-BE49-F238E27FC236}">
+                <a16:creationId xmlns:a16="http://schemas.microsoft.com/office/drawing/2014/main" id="{8BE38906-348A-4DEF-A9E3-5D5F93491D59}"/>
+              </a:ext>
+            </a:extLst>
+          </p:cNvPr>
+          <p:cNvSpPr txBox="1">
+            <a:spLocks/>
+          </p:cNvSpPr>
+          <p:nvPr/>
+        </p:nvSpPr>
+        <p:spPr>
+          <a:xfrm>
+            <a:off x="2377753" y="1603892"/>
+            <a:ext cx="2869162" cy="5254108"/>
+          </a:xfrm>
+          <a:prstGeom prst="rect">
+            <a:avLst/>
+          </a:prstGeom>
+        </p:spPr>
+        <p:style>
+          <a:lnRef idx="2">
+            <a:schemeClr val="accent5"/>
+          </a:lnRef>
+          <a:fillRef idx="1">
+            <a:schemeClr val="lt1"/>
+          </a:fillRef>
+          <a:effectRef idx="0">
+            <a:schemeClr val="accent5"/>
+          </a:effectRef>
+          <a:fontRef idx="minor">
+            <a:schemeClr val="dk1"/>
+          </a:fontRef>
+        </p:style>
+        <p:txBody>
+          <a:bodyPr vert="horz" lIns="91440" tIns="45720" rIns="91440" bIns="45720" rtlCol="0">
+            <a:normAutofit fontScale="92500"/>
+          </a:bodyPr>
+          <a:lstStyle>
+            <a:lvl1pPr marL="228600" indent="-228600" algn="l" defTabSz="914400" rtl="0" eaLnBrk="1" latinLnBrk="0" hangingPunct="1">
+              <a:lnSpc>
+                <a:spcPct val="90000"/>
+              </a:lnSpc>
+              <a:spcBef>
+                <a:spcPts val="1000"/>
+              </a:spcBef>
+              <a:buFont typeface="Arial" panose="020B0604020202020204" pitchFamily="34" charset="0"/>
+              <a:buChar char="•"/>
+              <a:defRPr sz="2800" kern="1200">
+                <a:solidFill>
+                  <a:schemeClr val="tx1"/>
+                </a:solidFill>
+                <a:latin typeface="+mn-lt"/>
+                <a:ea typeface="+mn-ea"/>
+                <a:cs typeface="+mn-cs"/>
+              </a:defRPr>
+            </a:lvl1pPr>
+            <a:lvl2pPr marL="685800" indent="-228600" algn="l" defTabSz="914400" rtl="0" eaLnBrk="1" latinLnBrk="0" hangingPunct="1">
+              <a:lnSpc>
+                <a:spcPct val="90000"/>
+              </a:lnSpc>
+              <a:spcBef>
+                <a:spcPts val="500"/>
+              </a:spcBef>
+              <a:buFont typeface="Arial" panose="020B0604020202020204" pitchFamily="34" charset="0"/>
+              <a:buChar char="•"/>
+              <a:defRPr sz="2400" kern="1200">
+                <a:solidFill>
+                  <a:schemeClr val="tx1"/>
+                </a:solidFill>
+                <a:latin typeface="+mn-lt"/>
+                <a:ea typeface="+mn-ea"/>
+                <a:cs typeface="+mn-cs"/>
+              </a:defRPr>
+            </a:lvl2pPr>
+            <a:lvl3pPr marL="1143000" indent="-228600" algn="l" defTabSz="914400" rtl="0" eaLnBrk="1" latinLnBrk="0" hangingPunct="1">
+              <a:lnSpc>
+                <a:spcPct val="90000"/>
+              </a:lnSpc>
+              <a:spcBef>
+                <a:spcPts val="500"/>
+              </a:spcBef>
+              <a:buFont typeface="Arial" panose="020B0604020202020204" pitchFamily="34" charset="0"/>
+              <a:buChar char="•"/>
+              <a:defRPr sz="2000" kern="1200">
+                <a:solidFill>
+                  <a:schemeClr val="tx1"/>
+                </a:solidFill>
+                <a:latin typeface="+mn-lt"/>
+                <a:ea typeface="+mn-ea"/>
+                <a:cs typeface="+mn-cs"/>
+              </a:defRPr>
+            </a:lvl3pPr>
+            <a:lvl4pPr marL="1600200" indent="-228600" algn="l" defTabSz="914400" rtl="0" eaLnBrk="1" latinLnBrk="0" hangingPunct="1">
+              <a:lnSpc>
+                <a:spcPct val="90000"/>
+              </a:lnSpc>
+              <a:spcBef>
+                <a:spcPts val="500"/>
+              </a:spcBef>
+              <a:buFont typeface="Arial" panose="020B0604020202020204" pitchFamily="34" charset="0"/>
+              <a:buChar char="•"/>
+              <a:defRPr sz="1800" kern="1200">
+                <a:solidFill>
+                  <a:schemeClr val="tx1"/>
+                </a:solidFill>
+                <a:latin typeface="+mn-lt"/>
+                <a:ea typeface="+mn-ea"/>
+                <a:cs typeface="+mn-cs"/>
+              </a:defRPr>
+            </a:lvl4pPr>
+            <a:lvl5pPr marL="2057400" indent="-228600" algn="l" defTabSz="914400" rtl="0" eaLnBrk="1" latinLnBrk="0" hangingPunct="1">
+              <a:lnSpc>
+                <a:spcPct val="90000"/>
+              </a:lnSpc>
+              <a:spcBef>
+                <a:spcPts val="500"/>
+              </a:spcBef>
+              <a:buFont typeface="Arial" panose="020B0604020202020204" pitchFamily="34" charset="0"/>
+              <a:buChar char="•"/>
+              <a:defRPr sz="1800" kern="1200">
+                <a:solidFill>
+                  <a:schemeClr val="tx1"/>
+                </a:solidFill>
+                <a:latin typeface="+mn-lt"/>
+                <a:ea typeface="+mn-ea"/>
+                <a:cs typeface="+mn-cs"/>
+              </a:defRPr>
+            </a:lvl5pPr>
+            <a:lvl6pPr marL="2514600" indent="-228600" algn="l" defTabSz="914400" rtl="0" eaLnBrk="1" latinLnBrk="0" hangingPunct="1">
+              <a:lnSpc>
+                <a:spcPct val="90000"/>
+              </a:lnSpc>
+              <a:spcBef>
+                <a:spcPts val="500"/>
+              </a:spcBef>
+              <a:buFont typeface="Arial" panose="020B0604020202020204" pitchFamily="34" charset="0"/>
+              <a:buChar char="•"/>
+              <a:defRPr sz="1800" kern="1200">
+                <a:solidFill>
+                  <a:schemeClr val="tx1"/>
+                </a:solidFill>
+                <a:latin typeface="+mn-lt"/>
+                <a:ea typeface="+mn-ea"/>
+                <a:cs typeface="+mn-cs"/>
+              </a:defRPr>
+            </a:lvl6pPr>
+            <a:lvl7pPr marL="2971800" indent="-228600" algn="l" defTabSz="914400" rtl="0" eaLnBrk="1" latinLnBrk="0" hangingPunct="1">
+              <a:lnSpc>
+                <a:spcPct val="90000"/>
+              </a:lnSpc>
+              <a:spcBef>
+                <a:spcPts val="500"/>
+              </a:spcBef>
+              <a:buFont typeface="Arial" panose="020B0604020202020204" pitchFamily="34" charset="0"/>
+              <a:buChar char="•"/>
+              <a:defRPr sz="1800" kern="1200">
+                <a:solidFill>
+                  <a:schemeClr val="tx1"/>
+                </a:solidFill>
+                <a:latin typeface="+mn-lt"/>
+                <a:ea typeface="+mn-ea"/>
+                <a:cs typeface="+mn-cs"/>
+              </a:defRPr>
+            </a:lvl7pPr>
+            <a:lvl8pPr marL="3429000" indent="-228600" algn="l" defTabSz="914400" rtl="0" eaLnBrk="1" latinLnBrk="0" hangingPunct="1">
+              <a:lnSpc>
+                <a:spcPct val="90000"/>
+              </a:lnSpc>
+              <a:spcBef>
+                <a:spcPts val="500"/>
+              </a:spcBef>
+              <a:buFont typeface="Arial" panose="020B0604020202020204" pitchFamily="34" charset="0"/>
+              <a:buChar char="•"/>
+              <a:defRPr sz="1800" kern="1200">
+                <a:solidFill>
+                  <a:schemeClr val="tx1"/>
+                </a:solidFill>
+                <a:latin typeface="+mn-lt"/>
+                <a:ea typeface="+mn-ea"/>
+                <a:cs typeface="+mn-cs"/>
+              </a:defRPr>
+            </a:lvl8pPr>
+            <a:lvl9pPr marL="3886200" indent="-228600" algn="l" defTabSz="914400" rtl="0" eaLnBrk="1" latinLnBrk="0" hangingPunct="1">
+              <a:lnSpc>
+                <a:spcPct val="90000"/>
+              </a:lnSpc>
+              <a:spcBef>
+                <a:spcPts val="500"/>
+              </a:spcBef>
+              <a:buFont typeface="Arial" panose="020B0604020202020204" pitchFamily="34" charset="0"/>
+              <a:buChar char="•"/>
+              <a:defRPr sz="1800" kern="1200">
+                <a:solidFill>
+                  <a:schemeClr val="tx1"/>
+                </a:solidFill>
+                <a:latin typeface="+mn-lt"/>
+                <a:ea typeface="+mn-ea"/>
+                <a:cs typeface="+mn-cs"/>
+              </a:defRPr>
+            </a:lvl9pPr>
+          </a:lstStyle>
+          <a:p>
+            <a:pPr marL="0" indent="0">
+              <a:buNone/>
+            </a:pPr>
+            <a:r>
+              <a:rPr lang="sv-SE" dirty="0" err="1"/>
+              <a:t>Linear</a:t>
+            </a:r>
+            <a:r>
+              <a:rPr lang="sv-SE" dirty="0"/>
+              <a:t> Regression</a:t>
+            </a:r>
+          </a:p>
+          <a:p>
+            <a:pPr marL="0" indent="0">
+              <a:buNone/>
+            </a:pPr>
+            <a:r>
+              <a:rPr lang="sv-SE" dirty="0" err="1"/>
+              <a:t>Logistic</a:t>
+            </a:r>
+            <a:r>
+              <a:rPr lang="sv-SE" dirty="0"/>
+              <a:t> Regression</a:t>
+            </a:r>
+          </a:p>
+          <a:p>
+            <a:pPr marL="0" indent="0">
+              <a:buNone/>
+            </a:pPr>
+            <a:r>
+              <a:rPr lang="sv-SE" dirty="0"/>
+              <a:t>Support </a:t>
+            </a:r>
+            <a:r>
+              <a:rPr lang="sv-SE" dirty="0" err="1"/>
+              <a:t>Vector</a:t>
+            </a:r>
+            <a:r>
+              <a:rPr lang="sv-SE" dirty="0"/>
+              <a:t> Machines</a:t>
+            </a:r>
+          </a:p>
+          <a:p>
+            <a:pPr marL="0" indent="0">
+              <a:buNone/>
+            </a:pPr>
+            <a:r>
+              <a:rPr lang="sv-SE" dirty="0"/>
+              <a:t>Decision </a:t>
+            </a:r>
+            <a:r>
+              <a:rPr lang="sv-SE" dirty="0" err="1"/>
+              <a:t>Tree</a:t>
+            </a:r>
             <a:endParaRPr lang="sv-SE" dirty="0"/>
+          </a:p>
+          <a:p>
+            <a:pPr marL="0" indent="0">
+              <a:buNone/>
+            </a:pPr>
+            <a:r>
+              <a:rPr lang="sv-SE" dirty="0" err="1"/>
+              <a:t>Random</a:t>
+            </a:r>
+            <a:r>
+              <a:rPr lang="sv-SE" dirty="0"/>
+              <a:t> </a:t>
+            </a:r>
+            <a:r>
+              <a:rPr lang="sv-SE" dirty="0" err="1"/>
+              <a:t>forest</a:t>
+            </a:r>
+            <a:endParaRPr lang="sv-SE" dirty="0"/>
+          </a:p>
+          <a:p>
+            <a:pPr marL="0" indent="0">
+              <a:buNone/>
+            </a:pPr>
+            <a:r>
+              <a:rPr lang="sv-SE" dirty="0"/>
+              <a:t>Neural </a:t>
+            </a:r>
+            <a:r>
+              <a:rPr lang="sv-SE" dirty="0" err="1"/>
+              <a:t>network</a:t>
+            </a:r>
+            <a:endParaRPr lang="sv-SE" dirty="0"/>
+          </a:p>
+          <a:p>
+            <a:pPr marL="0" indent="0">
+              <a:buNone/>
+            </a:pPr>
+            <a:r>
+              <a:rPr lang="sv-SE" dirty="0"/>
+              <a:t>K-</a:t>
+            </a:r>
+            <a:r>
+              <a:rPr lang="sv-SE" dirty="0" err="1"/>
+              <a:t>means</a:t>
+            </a:r>
+            <a:endParaRPr lang="sv-SE" dirty="0"/>
+          </a:p>
+          <a:p>
+            <a:pPr marL="0" indent="0">
+              <a:buNone/>
+            </a:pPr>
+            <a:r>
+              <a:rPr lang="sv-SE" dirty="0"/>
+              <a:t>k-</a:t>
+            </a:r>
+            <a:r>
+              <a:rPr lang="sv-SE" dirty="0" err="1"/>
+              <a:t>nearest</a:t>
+            </a:r>
+            <a:r>
+              <a:rPr lang="sv-SE" dirty="0"/>
+              <a:t> </a:t>
+            </a:r>
+            <a:r>
+              <a:rPr lang="sv-SE" dirty="0" err="1"/>
+              <a:t>neighbors</a:t>
+            </a:r>
+            <a:endParaRPr lang="sv-SE" dirty="0"/>
+          </a:p>
+          <a:p>
+            <a:pPr marL="0" indent="0">
+              <a:buNone/>
+            </a:pPr>
+            <a:r>
+              <a:rPr lang="sv-SE" dirty="0"/>
+              <a:t>Sentiment </a:t>
+            </a:r>
+            <a:r>
+              <a:rPr lang="sv-SE" dirty="0" err="1"/>
+              <a:t>analysis</a:t>
+            </a:r>
+            <a:endParaRPr lang="sv-SE" dirty="0"/>
+          </a:p>
+          <a:p>
+            <a:pPr marL="0" indent="0">
+              <a:buNone/>
+            </a:pPr>
+            <a:endParaRPr lang="sv-SE" dirty="0"/>
+          </a:p>
+          <a:p>
+            <a:pPr marL="0" indent="0">
+              <a:buNone/>
+            </a:pPr>
+            <a:endParaRPr lang="sv-SE" dirty="0"/>
+          </a:p>
+          <a:p>
+            <a:pPr marL="0" indent="0">
+              <a:buNone/>
+            </a:pPr>
+            <a:endParaRPr lang="sv-SE" dirty="0"/>
+          </a:p>
+        </p:txBody>
+      </p:sp>
+      <p:sp>
+        <p:nvSpPr>
+          <p:cNvPr id="5" name="Content Placeholder 2">
+            <a:extLst>
+              <a:ext uri="{FF2B5EF4-FFF2-40B4-BE49-F238E27FC236}">
+                <a16:creationId xmlns:a16="http://schemas.microsoft.com/office/drawing/2014/main" id="{D15F442B-4545-4F2B-9D88-01C3F89F2070}"/>
+              </a:ext>
+            </a:extLst>
+          </p:cNvPr>
+          <p:cNvSpPr txBox="1">
+            <a:spLocks/>
+          </p:cNvSpPr>
+          <p:nvPr/>
+        </p:nvSpPr>
+        <p:spPr>
+          <a:xfrm>
+            <a:off x="5246915" y="1603892"/>
+            <a:ext cx="3048000" cy="2620055"/>
+          </a:xfrm>
+          <a:prstGeom prst="rect">
+            <a:avLst/>
+          </a:prstGeom>
+        </p:spPr>
+        <p:style>
+          <a:lnRef idx="2">
+            <a:schemeClr val="accent1"/>
+          </a:lnRef>
+          <a:fillRef idx="1">
+            <a:schemeClr val="lt1"/>
+          </a:fillRef>
+          <a:effectRef idx="0">
+            <a:schemeClr val="accent1"/>
+          </a:effectRef>
+          <a:fontRef idx="minor">
+            <a:schemeClr val="dk1"/>
+          </a:fontRef>
+        </p:style>
+        <p:txBody>
+          <a:bodyPr vert="horz" lIns="91440" tIns="45720" rIns="91440" bIns="45720" rtlCol="0">
+            <a:normAutofit/>
+          </a:bodyPr>
+          <a:lstStyle>
+            <a:lvl1pPr marL="228600" indent="-228600" algn="l" defTabSz="914400" rtl="0" eaLnBrk="1" latinLnBrk="0" hangingPunct="1">
+              <a:lnSpc>
+                <a:spcPct val="90000"/>
+              </a:lnSpc>
+              <a:spcBef>
+                <a:spcPts val="1000"/>
+              </a:spcBef>
+              <a:buFont typeface="Arial" panose="020B0604020202020204" pitchFamily="34" charset="0"/>
+              <a:buChar char="•"/>
+              <a:defRPr sz="2800" kern="1200">
+                <a:solidFill>
+                  <a:schemeClr val="tx1"/>
+                </a:solidFill>
+                <a:latin typeface="+mn-lt"/>
+                <a:ea typeface="+mn-ea"/>
+                <a:cs typeface="+mn-cs"/>
+              </a:defRPr>
+            </a:lvl1pPr>
+            <a:lvl2pPr marL="685800" indent="-228600" algn="l" defTabSz="914400" rtl="0" eaLnBrk="1" latinLnBrk="0" hangingPunct="1">
+              <a:lnSpc>
+                <a:spcPct val="90000"/>
+              </a:lnSpc>
+              <a:spcBef>
+                <a:spcPts val="500"/>
+              </a:spcBef>
+              <a:buFont typeface="Arial" panose="020B0604020202020204" pitchFamily="34" charset="0"/>
+              <a:buChar char="•"/>
+              <a:defRPr sz="2400" kern="1200">
+                <a:solidFill>
+                  <a:schemeClr val="tx1"/>
+                </a:solidFill>
+                <a:latin typeface="+mn-lt"/>
+                <a:ea typeface="+mn-ea"/>
+                <a:cs typeface="+mn-cs"/>
+              </a:defRPr>
+            </a:lvl2pPr>
+            <a:lvl3pPr marL="1143000" indent="-228600" algn="l" defTabSz="914400" rtl="0" eaLnBrk="1" latinLnBrk="0" hangingPunct="1">
+              <a:lnSpc>
+                <a:spcPct val="90000"/>
+              </a:lnSpc>
+              <a:spcBef>
+                <a:spcPts val="500"/>
+              </a:spcBef>
+              <a:buFont typeface="Arial" panose="020B0604020202020204" pitchFamily="34" charset="0"/>
+              <a:buChar char="•"/>
+              <a:defRPr sz="2000" kern="1200">
+                <a:solidFill>
+                  <a:schemeClr val="tx1"/>
+                </a:solidFill>
+                <a:latin typeface="+mn-lt"/>
+                <a:ea typeface="+mn-ea"/>
+                <a:cs typeface="+mn-cs"/>
+              </a:defRPr>
+            </a:lvl3pPr>
+            <a:lvl4pPr marL="1600200" indent="-228600" algn="l" defTabSz="914400" rtl="0" eaLnBrk="1" latinLnBrk="0" hangingPunct="1">
+              <a:lnSpc>
+                <a:spcPct val="90000"/>
+              </a:lnSpc>
+              <a:spcBef>
+                <a:spcPts val="500"/>
+              </a:spcBef>
+              <a:buFont typeface="Arial" panose="020B0604020202020204" pitchFamily="34" charset="0"/>
+              <a:buChar char="•"/>
+              <a:defRPr sz="1800" kern="1200">
+                <a:solidFill>
+                  <a:schemeClr val="tx1"/>
+                </a:solidFill>
+                <a:latin typeface="+mn-lt"/>
+                <a:ea typeface="+mn-ea"/>
+                <a:cs typeface="+mn-cs"/>
+              </a:defRPr>
+            </a:lvl4pPr>
+            <a:lvl5pPr marL="2057400" indent="-228600" algn="l" defTabSz="914400" rtl="0" eaLnBrk="1" latinLnBrk="0" hangingPunct="1">
+              <a:lnSpc>
+                <a:spcPct val="90000"/>
+              </a:lnSpc>
+              <a:spcBef>
+                <a:spcPts val="500"/>
+              </a:spcBef>
+              <a:buFont typeface="Arial" panose="020B0604020202020204" pitchFamily="34" charset="0"/>
+              <a:buChar char="•"/>
+              <a:defRPr sz="1800" kern="1200">
+                <a:solidFill>
+                  <a:schemeClr val="tx1"/>
+                </a:solidFill>
+                <a:latin typeface="+mn-lt"/>
+                <a:ea typeface="+mn-ea"/>
+                <a:cs typeface="+mn-cs"/>
+              </a:defRPr>
+            </a:lvl5pPr>
+            <a:lvl6pPr marL="2514600" indent="-228600" algn="l" defTabSz="914400" rtl="0" eaLnBrk="1" latinLnBrk="0" hangingPunct="1">
+              <a:lnSpc>
+                <a:spcPct val="90000"/>
+              </a:lnSpc>
+              <a:spcBef>
+                <a:spcPts val="500"/>
+              </a:spcBef>
+              <a:buFont typeface="Arial" panose="020B0604020202020204" pitchFamily="34" charset="0"/>
+              <a:buChar char="•"/>
+              <a:defRPr sz="1800" kern="1200">
+                <a:solidFill>
+                  <a:schemeClr val="tx1"/>
+                </a:solidFill>
+                <a:latin typeface="+mn-lt"/>
+                <a:ea typeface="+mn-ea"/>
+                <a:cs typeface="+mn-cs"/>
+              </a:defRPr>
+            </a:lvl6pPr>
+            <a:lvl7pPr marL="2971800" indent="-228600" algn="l" defTabSz="914400" rtl="0" eaLnBrk="1" latinLnBrk="0" hangingPunct="1">
+              <a:lnSpc>
+                <a:spcPct val="90000"/>
+              </a:lnSpc>
+              <a:spcBef>
+                <a:spcPts val="500"/>
+              </a:spcBef>
+              <a:buFont typeface="Arial" panose="020B0604020202020204" pitchFamily="34" charset="0"/>
+              <a:buChar char="•"/>
+              <a:defRPr sz="1800" kern="1200">
+                <a:solidFill>
+                  <a:schemeClr val="tx1"/>
+                </a:solidFill>
+                <a:latin typeface="+mn-lt"/>
+                <a:ea typeface="+mn-ea"/>
+                <a:cs typeface="+mn-cs"/>
+              </a:defRPr>
+            </a:lvl7pPr>
+            <a:lvl8pPr marL="3429000" indent="-228600" algn="l" defTabSz="914400" rtl="0" eaLnBrk="1" latinLnBrk="0" hangingPunct="1">
+              <a:lnSpc>
+                <a:spcPct val="90000"/>
+              </a:lnSpc>
+              <a:spcBef>
+                <a:spcPts val="500"/>
+              </a:spcBef>
+              <a:buFont typeface="Arial" panose="020B0604020202020204" pitchFamily="34" charset="0"/>
+              <a:buChar char="•"/>
+              <a:defRPr sz="1800" kern="1200">
+                <a:solidFill>
+                  <a:schemeClr val="tx1"/>
+                </a:solidFill>
+                <a:latin typeface="+mn-lt"/>
+                <a:ea typeface="+mn-ea"/>
+                <a:cs typeface="+mn-cs"/>
+              </a:defRPr>
+            </a:lvl8pPr>
+            <a:lvl9pPr marL="3886200" indent="-228600" algn="l" defTabSz="914400" rtl="0" eaLnBrk="1" latinLnBrk="0" hangingPunct="1">
+              <a:lnSpc>
+                <a:spcPct val="90000"/>
+              </a:lnSpc>
+              <a:spcBef>
+                <a:spcPts val="500"/>
+              </a:spcBef>
+              <a:buFont typeface="Arial" panose="020B0604020202020204" pitchFamily="34" charset="0"/>
+              <a:buChar char="•"/>
+              <a:defRPr sz="1800" kern="1200">
+                <a:solidFill>
+                  <a:schemeClr val="tx1"/>
+                </a:solidFill>
+                <a:latin typeface="+mn-lt"/>
+                <a:ea typeface="+mn-ea"/>
+                <a:cs typeface="+mn-cs"/>
+              </a:defRPr>
+            </a:lvl9pPr>
+          </a:lstStyle>
+          <a:p>
+            <a:pPr marL="0" indent="0">
+              <a:buNone/>
+            </a:pPr>
+            <a:r>
+              <a:rPr lang="sv-SE" dirty="0"/>
+              <a:t>Hypotestestning</a:t>
+            </a:r>
+          </a:p>
+          <a:p>
+            <a:pPr marL="0" indent="0">
+              <a:buNone/>
+            </a:pPr>
+            <a:r>
+              <a:rPr lang="sv-SE" dirty="0" err="1"/>
+              <a:t>Statistical</a:t>
+            </a:r>
+            <a:r>
+              <a:rPr lang="sv-SE" dirty="0"/>
+              <a:t> </a:t>
+            </a:r>
+            <a:r>
+              <a:rPr lang="sv-SE" dirty="0" err="1"/>
+              <a:t>inference</a:t>
+            </a:r>
+            <a:endParaRPr lang="sv-SE" dirty="0"/>
+          </a:p>
+          <a:p>
+            <a:pPr marL="0" indent="0">
+              <a:buNone/>
+            </a:pPr>
+            <a:r>
+              <a:rPr lang="sv-SE" dirty="0" err="1"/>
+              <a:t>Bayesian</a:t>
+            </a:r>
+            <a:r>
+              <a:rPr lang="sv-SE" dirty="0"/>
+              <a:t> </a:t>
+            </a:r>
+            <a:r>
+              <a:rPr lang="sv-SE" dirty="0" err="1"/>
+              <a:t>inference</a:t>
+            </a:r>
+            <a:endParaRPr lang="sv-SE" dirty="0"/>
+          </a:p>
+          <a:p>
+            <a:pPr marL="0" indent="0">
+              <a:buNone/>
+            </a:pPr>
+            <a:r>
+              <a:rPr lang="sv-SE" dirty="0"/>
+              <a:t>Monte Carlo simulering</a:t>
+            </a:r>
+          </a:p>
+          <a:p>
+            <a:pPr marL="0" indent="0">
+              <a:buNone/>
+            </a:pPr>
+            <a:endParaRPr lang="sv-SE" dirty="0"/>
+          </a:p>
+          <a:p>
+            <a:pPr marL="0" indent="0">
+              <a:buNone/>
+            </a:pPr>
+            <a:endParaRPr lang="sv-SE" dirty="0"/>
+          </a:p>
+          <a:p>
+            <a:pPr marL="0" indent="0">
+              <a:buNone/>
+            </a:pPr>
+            <a:endParaRPr lang="sv-SE" dirty="0"/>
+          </a:p>
+          <a:p>
+            <a:pPr marL="0" indent="0">
+              <a:buNone/>
+            </a:pPr>
+            <a:endParaRPr lang="sv-SE" dirty="0"/>
+          </a:p>
+        </p:txBody>
+      </p:sp>
+      <p:sp>
+        <p:nvSpPr>
+          <p:cNvPr id="6" name="Content Placeholder 2">
+            <a:extLst>
+              <a:ext uri="{FF2B5EF4-FFF2-40B4-BE49-F238E27FC236}">
+                <a16:creationId xmlns:a16="http://schemas.microsoft.com/office/drawing/2014/main" id="{0DA2D107-E53F-42DD-B6AB-696DD832163E}"/>
+              </a:ext>
+            </a:extLst>
+          </p:cNvPr>
+          <p:cNvSpPr txBox="1">
+            <a:spLocks/>
+          </p:cNvSpPr>
+          <p:nvPr/>
+        </p:nvSpPr>
+        <p:spPr>
+          <a:xfrm>
+            <a:off x="5246916" y="4237945"/>
+            <a:ext cx="3048000" cy="2620055"/>
+          </a:xfrm>
+          <a:prstGeom prst="rect">
+            <a:avLst/>
+          </a:prstGeom>
+        </p:spPr>
+        <p:style>
+          <a:lnRef idx="2">
+            <a:schemeClr val="accent2"/>
+          </a:lnRef>
+          <a:fillRef idx="1">
+            <a:schemeClr val="lt1"/>
+          </a:fillRef>
+          <a:effectRef idx="0">
+            <a:schemeClr val="accent2"/>
+          </a:effectRef>
+          <a:fontRef idx="minor">
+            <a:schemeClr val="dk1"/>
+          </a:fontRef>
+        </p:style>
+        <p:txBody>
+          <a:bodyPr vert="horz" lIns="91440" tIns="45720" rIns="91440" bIns="45720" rtlCol="0">
+            <a:normAutofit/>
+          </a:bodyPr>
+          <a:lstStyle>
+            <a:lvl1pPr marL="228600" indent="-228600" algn="l" defTabSz="914400" rtl="0" eaLnBrk="1" latinLnBrk="0" hangingPunct="1">
+              <a:lnSpc>
+                <a:spcPct val="90000"/>
+              </a:lnSpc>
+              <a:spcBef>
+                <a:spcPts val="1000"/>
+              </a:spcBef>
+              <a:buFont typeface="Arial" panose="020B0604020202020204" pitchFamily="34" charset="0"/>
+              <a:buChar char="•"/>
+              <a:defRPr sz="2800" kern="1200">
+                <a:solidFill>
+                  <a:schemeClr val="tx1"/>
+                </a:solidFill>
+                <a:latin typeface="+mn-lt"/>
+                <a:ea typeface="+mn-ea"/>
+                <a:cs typeface="+mn-cs"/>
+              </a:defRPr>
+            </a:lvl1pPr>
+            <a:lvl2pPr marL="685800" indent="-228600" algn="l" defTabSz="914400" rtl="0" eaLnBrk="1" latinLnBrk="0" hangingPunct="1">
+              <a:lnSpc>
+                <a:spcPct val="90000"/>
+              </a:lnSpc>
+              <a:spcBef>
+                <a:spcPts val="500"/>
+              </a:spcBef>
+              <a:buFont typeface="Arial" panose="020B0604020202020204" pitchFamily="34" charset="0"/>
+              <a:buChar char="•"/>
+              <a:defRPr sz="2400" kern="1200">
+                <a:solidFill>
+                  <a:schemeClr val="tx1"/>
+                </a:solidFill>
+                <a:latin typeface="+mn-lt"/>
+                <a:ea typeface="+mn-ea"/>
+                <a:cs typeface="+mn-cs"/>
+              </a:defRPr>
+            </a:lvl2pPr>
+            <a:lvl3pPr marL="1143000" indent="-228600" algn="l" defTabSz="914400" rtl="0" eaLnBrk="1" latinLnBrk="0" hangingPunct="1">
+              <a:lnSpc>
+                <a:spcPct val="90000"/>
+              </a:lnSpc>
+              <a:spcBef>
+                <a:spcPts val="500"/>
+              </a:spcBef>
+              <a:buFont typeface="Arial" panose="020B0604020202020204" pitchFamily="34" charset="0"/>
+              <a:buChar char="•"/>
+              <a:defRPr sz="2000" kern="1200">
+                <a:solidFill>
+                  <a:schemeClr val="tx1"/>
+                </a:solidFill>
+                <a:latin typeface="+mn-lt"/>
+                <a:ea typeface="+mn-ea"/>
+                <a:cs typeface="+mn-cs"/>
+              </a:defRPr>
+            </a:lvl3pPr>
+            <a:lvl4pPr marL="1600200" indent="-228600" algn="l" defTabSz="914400" rtl="0" eaLnBrk="1" latinLnBrk="0" hangingPunct="1">
+              <a:lnSpc>
+                <a:spcPct val="90000"/>
+              </a:lnSpc>
+              <a:spcBef>
+                <a:spcPts val="500"/>
+              </a:spcBef>
+              <a:buFont typeface="Arial" panose="020B0604020202020204" pitchFamily="34" charset="0"/>
+              <a:buChar char="•"/>
+              <a:defRPr sz="1800" kern="1200">
+                <a:solidFill>
+                  <a:schemeClr val="tx1"/>
+                </a:solidFill>
+                <a:latin typeface="+mn-lt"/>
+                <a:ea typeface="+mn-ea"/>
+                <a:cs typeface="+mn-cs"/>
+              </a:defRPr>
+            </a:lvl4pPr>
+            <a:lvl5pPr marL="2057400" indent="-228600" algn="l" defTabSz="914400" rtl="0" eaLnBrk="1" latinLnBrk="0" hangingPunct="1">
+              <a:lnSpc>
+                <a:spcPct val="90000"/>
+              </a:lnSpc>
+              <a:spcBef>
+                <a:spcPts val="500"/>
+              </a:spcBef>
+              <a:buFont typeface="Arial" panose="020B0604020202020204" pitchFamily="34" charset="0"/>
+              <a:buChar char="•"/>
+              <a:defRPr sz="1800" kern="1200">
+                <a:solidFill>
+                  <a:schemeClr val="tx1"/>
+                </a:solidFill>
+                <a:latin typeface="+mn-lt"/>
+                <a:ea typeface="+mn-ea"/>
+                <a:cs typeface="+mn-cs"/>
+              </a:defRPr>
+            </a:lvl5pPr>
+            <a:lvl6pPr marL="2514600" indent="-228600" algn="l" defTabSz="914400" rtl="0" eaLnBrk="1" latinLnBrk="0" hangingPunct="1">
+              <a:lnSpc>
+                <a:spcPct val="90000"/>
+              </a:lnSpc>
+              <a:spcBef>
+                <a:spcPts val="500"/>
+              </a:spcBef>
+              <a:buFont typeface="Arial" panose="020B0604020202020204" pitchFamily="34" charset="0"/>
+              <a:buChar char="•"/>
+              <a:defRPr sz="1800" kern="1200">
+                <a:solidFill>
+                  <a:schemeClr val="tx1"/>
+                </a:solidFill>
+                <a:latin typeface="+mn-lt"/>
+                <a:ea typeface="+mn-ea"/>
+                <a:cs typeface="+mn-cs"/>
+              </a:defRPr>
+            </a:lvl6pPr>
+            <a:lvl7pPr marL="2971800" indent="-228600" algn="l" defTabSz="914400" rtl="0" eaLnBrk="1" latinLnBrk="0" hangingPunct="1">
+              <a:lnSpc>
+                <a:spcPct val="90000"/>
+              </a:lnSpc>
+              <a:spcBef>
+                <a:spcPts val="500"/>
+              </a:spcBef>
+              <a:buFont typeface="Arial" panose="020B0604020202020204" pitchFamily="34" charset="0"/>
+              <a:buChar char="•"/>
+              <a:defRPr sz="1800" kern="1200">
+                <a:solidFill>
+                  <a:schemeClr val="tx1"/>
+                </a:solidFill>
+                <a:latin typeface="+mn-lt"/>
+                <a:ea typeface="+mn-ea"/>
+                <a:cs typeface="+mn-cs"/>
+              </a:defRPr>
+            </a:lvl7pPr>
+            <a:lvl8pPr marL="3429000" indent="-228600" algn="l" defTabSz="914400" rtl="0" eaLnBrk="1" latinLnBrk="0" hangingPunct="1">
+              <a:lnSpc>
+                <a:spcPct val="90000"/>
+              </a:lnSpc>
+              <a:spcBef>
+                <a:spcPts val="500"/>
+              </a:spcBef>
+              <a:buFont typeface="Arial" panose="020B0604020202020204" pitchFamily="34" charset="0"/>
+              <a:buChar char="•"/>
+              <a:defRPr sz="1800" kern="1200">
+                <a:solidFill>
+                  <a:schemeClr val="tx1"/>
+                </a:solidFill>
+                <a:latin typeface="+mn-lt"/>
+                <a:ea typeface="+mn-ea"/>
+                <a:cs typeface="+mn-cs"/>
+              </a:defRPr>
+            </a:lvl8pPr>
+            <a:lvl9pPr marL="3886200" indent="-228600" algn="l" defTabSz="914400" rtl="0" eaLnBrk="1" latinLnBrk="0" hangingPunct="1">
+              <a:lnSpc>
+                <a:spcPct val="90000"/>
+              </a:lnSpc>
+              <a:spcBef>
+                <a:spcPts val="500"/>
+              </a:spcBef>
+              <a:buFont typeface="Arial" panose="020B0604020202020204" pitchFamily="34" charset="0"/>
+              <a:buChar char="•"/>
+              <a:defRPr sz="1800" kern="1200">
+                <a:solidFill>
+                  <a:schemeClr val="tx1"/>
+                </a:solidFill>
+                <a:latin typeface="+mn-lt"/>
+                <a:ea typeface="+mn-ea"/>
+                <a:cs typeface="+mn-cs"/>
+              </a:defRPr>
+            </a:lvl9pPr>
+          </a:lstStyle>
+          <a:p>
+            <a:pPr marL="0" indent="0">
+              <a:buNone/>
+            </a:pPr>
+            <a:r>
+              <a:rPr lang="sv-SE" dirty="0"/>
+              <a:t>R Studio</a:t>
+            </a:r>
+          </a:p>
+          <a:p>
+            <a:pPr marL="0" indent="0">
+              <a:buNone/>
+            </a:pPr>
+            <a:r>
+              <a:rPr lang="sv-SE" dirty="0" err="1"/>
+              <a:t>Azure</a:t>
+            </a:r>
+            <a:r>
+              <a:rPr lang="sv-SE" dirty="0"/>
+              <a:t> </a:t>
+            </a:r>
+            <a:r>
+              <a:rPr lang="sv-SE" dirty="0" err="1"/>
+              <a:t>Machine</a:t>
+            </a:r>
+            <a:r>
+              <a:rPr lang="sv-SE" dirty="0"/>
+              <a:t> Learning</a:t>
+            </a:r>
+          </a:p>
+          <a:p>
+            <a:pPr marL="0" indent="0">
+              <a:buNone/>
+            </a:pPr>
+            <a:r>
+              <a:rPr lang="sv-SE" dirty="0" err="1"/>
+              <a:t>Jupyter</a:t>
+            </a:r>
+            <a:r>
+              <a:rPr lang="sv-SE" dirty="0"/>
+              <a:t> Notebooks</a:t>
+            </a:r>
+          </a:p>
+          <a:p>
+            <a:pPr marL="0" indent="0">
+              <a:buNone/>
+            </a:pPr>
+            <a:r>
+              <a:rPr lang="sv-SE" dirty="0"/>
+              <a:t>Excel</a:t>
+            </a:r>
+          </a:p>
+          <a:p>
+            <a:pPr marL="0" indent="0">
+              <a:buNone/>
+            </a:pPr>
+            <a:endParaRPr lang="sv-SE" dirty="0"/>
+          </a:p>
+          <a:p>
+            <a:pPr marL="0" indent="0">
+              <a:buNone/>
+            </a:pPr>
+            <a:endParaRPr lang="sv-SE" dirty="0"/>
+          </a:p>
+          <a:p>
+            <a:pPr marL="0" indent="0">
+              <a:buNone/>
+            </a:pPr>
+            <a:endParaRPr lang="sv-SE" dirty="0"/>
+          </a:p>
+          <a:p>
+            <a:pPr marL="0" indent="0">
+              <a:buNone/>
+            </a:pPr>
+            <a:endParaRPr lang="sv-SE" dirty="0"/>
+          </a:p>
+          <a:p>
+            <a:pPr marL="0" indent="0">
+              <a:buNone/>
+            </a:pPr>
+            <a:endParaRPr lang="sv-SE" dirty="0"/>
+          </a:p>
+          <a:p>
+            <a:pPr marL="0" indent="0">
+              <a:buNone/>
+            </a:pPr>
+            <a:endParaRPr lang="sv-SE" dirty="0"/>
+          </a:p>
+        </p:txBody>
+      </p:sp>
+      <p:sp>
+        <p:nvSpPr>
+          <p:cNvPr id="7" name="Content Placeholder 2">
+            <a:extLst>
+              <a:ext uri="{FF2B5EF4-FFF2-40B4-BE49-F238E27FC236}">
+                <a16:creationId xmlns:a16="http://schemas.microsoft.com/office/drawing/2014/main" id="{1C427163-8E19-4A2B-A1CF-16EC5DB3EAFB}"/>
+              </a:ext>
+            </a:extLst>
+          </p:cNvPr>
+          <p:cNvSpPr txBox="1">
+            <a:spLocks/>
+          </p:cNvSpPr>
+          <p:nvPr/>
+        </p:nvSpPr>
+        <p:spPr>
+          <a:xfrm>
+            <a:off x="8305801" y="1610890"/>
+            <a:ext cx="2952749" cy="2875385"/>
+          </a:xfrm>
+          <a:prstGeom prst="rect">
+            <a:avLst/>
+          </a:prstGeom>
+        </p:spPr>
+        <p:style>
+          <a:lnRef idx="2">
+            <a:schemeClr val="accent1"/>
+          </a:lnRef>
+          <a:fillRef idx="1">
+            <a:schemeClr val="lt1"/>
+          </a:fillRef>
+          <a:effectRef idx="0">
+            <a:schemeClr val="accent1"/>
+          </a:effectRef>
+          <a:fontRef idx="minor">
+            <a:schemeClr val="dk1"/>
+          </a:fontRef>
+        </p:style>
+        <p:txBody>
+          <a:bodyPr vert="horz" lIns="91440" tIns="45720" rIns="91440" bIns="45720" rtlCol="0">
+            <a:normAutofit fontScale="92500" lnSpcReduction="10000"/>
+          </a:bodyPr>
+          <a:lstStyle>
+            <a:lvl1pPr marL="228600" indent="-228600" algn="l" defTabSz="914400" rtl="0" eaLnBrk="1" latinLnBrk="0" hangingPunct="1">
+              <a:lnSpc>
+                <a:spcPct val="90000"/>
+              </a:lnSpc>
+              <a:spcBef>
+                <a:spcPts val="1000"/>
+              </a:spcBef>
+              <a:buFont typeface="Arial" panose="020B0604020202020204" pitchFamily="34" charset="0"/>
+              <a:buChar char="•"/>
+              <a:defRPr sz="2800" kern="1200">
+                <a:solidFill>
+                  <a:schemeClr val="tx1"/>
+                </a:solidFill>
+                <a:latin typeface="+mn-lt"/>
+                <a:ea typeface="+mn-ea"/>
+                <a:cs typeface="+mn-cs"/>
+              </a:defRPr>
+            </a:lvl1pPr>
+            <a:lvl2pPr marL="685800" indent="-228600" algn="l" defTabSz="914400" rtl="0" eaLnBrk="1" latinLnBrk="0" hangingPunct="1">
+              <a:lnSpc>
+                <a:spcPct val="90000"/>
+              </a:lnSpc>
+              <a:spcBef>
+                <a:spcPts val="500"/>
+              </a:spcBef>
+              <a:buFont typeface="Arial" panose="020B0604020202020204" pitchFamily="34" charset="0"/>
+              <a:buChar char="•"/>
+              <a:defRPr sz="2400" kern="1200">
+                <a:solidFill>
+                  <a:schemeClr val="tx1"/>
+                </a:solidFill>
+                <a:latin typeface="+mn-lt"/>
+                <a:ea typeface="+mn-ea"/>
+                <a:cs typeface="+mn-cs"/>
+              </a:defRPr>
+            </a:lvl2pPr>
+            <a:lvl3pPr marL="1143000" indent="-228600" algn="l" defTabSz="914400" rtl="0" eaLnBrk="1" latinLnBrk="0" hangingPunct="1">
+              <a:lnSpc>
+                <a:spcPct val="90000"/>
+              </a:lnSpc>
+              <a:spcBef>
+                <a:spcPts val="500"/>
+              </a:spcBef>
+              <a:buFont typeface="Arial" panose="020B0604020202020204" pitchFamily="34" charset="0"/>
+              <a:buChar char="•"/>
+              <a:defRPr sz="2000" kern="1200">
+                <a:solidFill>
+                  <a:schemeClr val="tx1"/>
+                </a:solidFill>
+                <a:latin typeface="+mn-lt"/>
+                <a:ea typeface="+mn-ea"/>
+                <a:cs typeface="+mn-cs"/>
+              </a:defRPr>
+            </a:lvl3pPr>
+            <a:lvl4pPr marL="1600200" indent="-228600" algn="l" defTabSz="914400" rtl="0" eaLnBrk="1" latinLnBrk="0" hangingPunct="1">
+              <a:lnSpc>
+                <a:spcPct val="90000"/>
+              </a:lnSpc>
+              <a:spcBef>
+                <a:spcPts val="500"/>
+              </a:spcBef>
+              <a:buFont typeface="Arial" panose="020B0604020202020204" pitchFamily="34" charset="0"/>
+              <a:buChar char="•"/>
+              <a:defRPr sz="1800" kern="1200">
+                <a:solidFill>
+                  <a:schemeClr val="tx1"/>
+                </a:solidFill>
+                <a:latin typeface="+mn-lt"/>
+                <a:ea typeface="+mn-ea"/>
+                <a:cs typeface="+mn-cs"/>
+              </a:defRPr>
+            </a:lvl4pPr>
+            <a:lvl5pPr marL="2057400" indent="-228600" algn="l" defTabSz="914400" rtl="0" eaLnBrk="1" latinLnBrk="0" hangingPunct="1">
+              <a:lnSpc>
+                <a:spcPct val="90000"/>
+              </a:lnSpc>
+              <a:spcBef>
+                <a:spcPts val="500"/>
+              </a:spcBef>
+              <a:buFont typeface="Arial" panose="020B0604020202020204" pitchFamily="34" charset="0"/>
+              <a:buChar char="•"/>
+              <a:defRPr sz="1800" kern="1200">
+                <a:solidFill>
+                  <a:schemeClr val="tx1"/>
+                </a:solidFill>
+                <a:latin typeface="+mn-lt"/>
+                <a:ea typeface="+mn-ea"/>
+                <a:cs typeface="+mn-cs"/>
+              </a:defRPr>
+            </a:lvl5pPr>
+            <a:lvl6pPr marL="2514600" indent="-228600" algn="l" defTabSz="914400" rtl="0" eaLnBrk="1" latinLnBrk="0" hangingPunct="1">
+              <a:lnSpc>
+                <a:spcPct val="90000"/>
+              </a:lnSpc>
+              <a:spcBef>
+                <a:spcPts val="500"/>
+              </a:spcBef>
+              <a:buFont typeface="Arial" panose="020B0604020202020204" pitchFamily="34" charset="0"/>
+              <a:buChar char="•"/>
+              <a:defRPr sz="1800" kern="1200">
+                <a:solidFill>
+                  <a:schemeClr val="tx1"/>
+                </a:solidFill>
+                <a:latin typeface="+mn-lt"/>
+                <a:ea typeface="+mn-ea"/>
+                <a:cs typeface="+mn-cs"/>
+              </a:defRPr>
+            </a:lvl6pPr>
+            <a:lvl7pPr marL="2971800" indent="-228600" algn="l" defTabSz="914400" rtl="0" eaLnBrk="1" latinLnBrk="0" hangingPunct="1">
+              <a:lnSpc>
+                <a:spcPct val="90000"/>
+              </a:lnSpc>
+              <a:spcBef>
+                <a:spcPts val="500"/>
+              </a:spcBef>
+              <a:buFont typeface="Arial" panose="020B0604020202020204" pitchFamily="34" charset="0"/>
+              <a:buChar char="•"/>
+              <a:defRPr sz="1800" kern="1200">
+                <a:solidFill>
+                  <a:schemeClr val="tx1"/>
+                </a:solidFill>
+                <a:latin typeface="+mn-lt"/>
+                <a:ea typeface="+mn-ea"/>
+                <a:cs typeface="+mn-cs"/>
+              </a:defRPr>
+            </a:lvl7pPr>
+            <a:lvl8pPr marL="3429000" indent="-228600" algn="l" defTabSz="914400" rtl="0" eaLnBrk="1" latinLnBrk="0" hangingPunct="1">
+              <a:lnSpc>
+                <a:spcPct val="90000"/>
+              </a:lnSpc>
+              <a:spcBef>
+                <a:spcPts val="500"/>
+              </a:spcBef>
+              <a:buFont typeface="Arial" panose="020B0604020202020204" pitchFamily="34" charset="0"/>
+              <a:buChar char="•"/>
+              <a:defRPr sz="1800" kern="1200">
+                <a:solidFill>
+                  <a:schemeClr val="tx1"/>
+                </a:solidFill>
+                <a:latin typeface="+mn-lt"/>
+                <a:ea typeface="+mn-ea"/>
+                <a:cs typeface="+mn-cs"/>
+              </a:defRPr>
+            </a:lvl8pPr>
+            <a:lvl9pPr marL="3886200" indent="-228600" algn="l" defTabSz="914400" rtl="0" eaLnBrk="1" latinLnBrk="0" hangingPunct="1">
+              <a:lnSpc>
+                <a:spcPct val="90000"/>
+              </a:lnSpc>
+              <a:spcBef>
+                <a:spcPts val="500"/>
+              </a:spcBef>
+              <a:buFont typeface="Arial" panose="020B0604020202020204" pitchFamily="34" charset="0"/>
+              <a:buChar char="•"/>
+              <a:defRPr sz="1800" kern="1200">
+                <a:solidFill>
+                  <a:schemeClr val="tx1"/>
+                </a:solidFill>
+                <a:latin typeface="+mn-lt"/>
+                <a:ea typeface="+mn-ea"/>
+                <a:cs typeface="+mn-cs"/>
+              </a:defRPr>
+            </a:lvl9pPr>
+          </a:lstStyle>
+          <a:p>
+            <a:pPr marL="0" indent="0">
+              <a:buNone/>
+            </a:pPr>
+            <a:r>
+              <a:rPr lang="sv-SE" dirty="0"/>
+              <a:t>Prediktioner</a:t>
+            </a:r>
+          </a:p>
+          <a:p>
+            <a:pPr marL="0" indent="0">
+              <a:buNone/>
+            </a:pPr>
+            <a:r>
+              <a:rPr lang="sv-SE" dirty="0"/>
+              <a:t>Tolka data kognitivt (ljud, texter, bilder)</a:t>
+            </a:r>
+          </a:p>
+          <a:p>
+            <a:pPr marL="0" indent="0">
+              <a:buNone/>
+            </a:pPr>
+            <a:r>
+              <a:rPr lang="sv-SE" dirty="0"/>
+              <a:t>Gruppera, hitta mönster</a:t>
+            </a:r>
+          </a:p>
+          <a:p>
+            <a:pPr marL="0" indent="0">
+              <a:buNone/>
+            </a:pPr>
+            <a:r>
+              <a:rPr lang="sv-SE" dirty="0"/>
+              <a:t>Fastställa orsakssamband</a:t>
+            </a:r>
+          </a:p>
+          <a:p>
+            <a:pPr marL="0" indent="0">
+              <a:buNone/>
+            </a:pPr>
+            <a:endParaRPr lang="sv-SE" dirty="0"/>
+          </a:p>
+          <a:p>
+            <a:pPr marL="0" indent="0">
+              <a:buNone/>
+            </a:pPr>
+            <a:endParaRPr lang="sv-SE" dirty="0"/>
+          </a:p>
+          <a:p>
+            <a:pPr marL="0" indent="0">
+              <a:buNone/>
+            </a:pPr>
+            <a:endParaRPr lang="sv-SE" dirty="0"/>
+          </a:p>
+          <a:p>
+            <a:pPr marL="0" indent="0">
+              <a:buNone/>
+            </a:pPr>
+            <a:endParaRPr lang="sv-SE" dirty="0"/>
+          </a:p>
+        </p:txBody>
+      </p:sp>
+      <p:sp>
+        <p:nvSpPr>
+          <p:cNvPr id="8" name="Content Placeholder 2">
+            <a:extLst>
+              <a:ext uri="{FF2B5EF4-FFF2-40B4-BE49-F238E27FC236}">
+                <a16:creationId xmlns:a16="http://schemas.microsoft.com/office/drawing/2014/main" id="{67308E4D-BC9E-476C-A76E-9F956E440D61}"/>
+              </a:ext>
+            </a:extLst>
+          </p:cNvPr>
+          <p:cNvSpPr txBox="1">
+            <a:spLocks/>
+          </p:cNvSpPr>
+          <p:nvPr/>
+        </p:nvSpPr>
+        <p:spPr>
+          <a:xfrm>
+            <a:off x="755781" y="4394719"/>
+            <a:ext cx="1632857" cy="2463280"/>
+          </a:xfrm>
+          <a:prstGeom prst="rect">
+            <a:avLst/>
+          </a:prstGeom>
+        </p:spPr>
+        <p:style>
+          <a:lnRef idx="2">
+            <a:schemeClr val="accent6"/>
+          </a:lnRef>
+          <a:fillRef idx="1">
+            <a:schemeClr val="lt1"/>
+          </a:fillRef>
+          <a:effectRef idx="0">
+            <a:schemeClr val="accent6"/>
+          </a:effectRef>
+          <a:fontRef idx="minor">
+            <a:schemeClr val="dk1"/>
+          </a:fontRef>
+        </p:style>
+        <p:txBody>
+          <a:bodyPr vert="horz" lIns="91440" tIns="45720" rIns="91440" bIns="45720" rtlCol="0">
+            <a:normAutofit/>
+          </a:bodyPr>
+          <a:lstStyle>
+            <a:lvl1pPr marL="228600" indent="-228600" algn="l" defTabSz="914400" rtl="0" eaLnBrk="1" latinLnBrk="0" hangingPunct="1">
+              <a:lnSpc>
+                <a:spcPct val="90000"/>
+              </a:lnSpc>
+              <a:spcBef>
+                <a:spcPts val="1000"/>
+              </a:spcBef>
+              <a:buFont typeface="Arial" panose="020B0604020202020204" pitchFamily="34" charset="0"/>
+              <a:buChar char="•"/>
+              <a:defRPr sz="2800" kern="1200">
+                <a:solidFill>
+                  <a:schemeClr val="dk1"/>
+                </a:solidFill>
+                <a:latin typeface="+mn-lt"/>
+                <a:ea typeface="+mn-ea"/>
+                <a:cs typeface="+mn-cs"/>
+              </a:defRPr>
+            </a:lvl1pPr>
+            <a:lvl2pPr marL="685800" indent="-228600" algn="l" defTabSz="914400" rtl="0" eaLnBrk="1" latinLnBrk="0" hangingPunct="1">
+              <a:lnSpc>
+                <a:spcPct val="90000"/>
+              </a:lnSpc>
+              <a:spcBef>
+                <a:spcPts val="500"/>
+              </a:spcBef>
+              <a:buFont typeface="Arial" panose="020B0604020202020204" pitchFamily="34" charset="0"/>
+              <a:buChar char="•"/>
+              <a:defRPr sz="2400" kern="1200">
+                <a:solidFill>
+                  <a:schemeClr val="dk1"/>
+                </a:solidFill>
+                <a:latin typeface="+mn-lt"/>
+                <a:ea typeface="+mn-ea"/>
+                <a:cs typeface="+mn-cs"/>
+              </a:defRPr>
+            </a:lvl2pPr>
+            <a:lvl3pPr marL="1143000" indent="-228600" algn="l" defTabSz="914400" rtl="0" eaLnBrk="1" latinLnBrk="0" hangingPunct="1">
+              <a:lnSpc>
+                <a:spcPct val="90000"/>
+              </a:lnSpc>
+              <a:spcBef>
+                <a:spcPts val="500"/>
+              </a:spcBef>
+              <a:buFont typeface="Arial" panose="020B0604020202020204" pitchFamily="34" charset="0"/>
+              <a:buChar char="•"/>
+              <a:defRPr sz="2000" kern="1200">
+                <a:solidFill>
+                  <a:schemeClr val="dk1"/>
+                </a:solidFill>
+                <a:latin typeface="+mn-lt"/>
+                <a:ea typeface="+mn-ea"/>
+                <a:cs typeface="+mn-cs"/>
+              </a:defRPr>
+            </a:lvl3pPr>
+            <a:lvl4pPr marL="1600200" indent="-228600" algn="l" defTabSz="914400" rtl="0" eaLnBrk="1" latinLnBrk="0" hangingPunct="1">
+              <a:lnSpc>
+                <a:spcPct val="90000"/>
+              </a:lnSpc>
+              <a:spcBef>
+                <a:spcPts val="500"/>
+              </a:spcBef>
+              <a:buFont typeface="Arial" panose="020B0604020202020204" pitchFamily="34" charset="0"/>
+              <a:buChar char="•"/>
+              <a:defRPr sz="1800" kern="1200">
+                <a:solidFill>
+                  <a:schemeClr val="dk1"/>
+                </a:solidFill>
+                <a:latin typeface="+mn-lt"/>
+                <a:ea typeface="+mn-ea"/>
+                <a:cs typeface="+mn-cs"/>
+              </a:defRPr>
+            </a:lvl4pPr>
+            <a:lvl5pPr marL="2057400" indent="-228600" algn="l" defTabSz="914400" rtl="0" eaLnBrk="1" latinLnBrk="0" hangingPunct="1">
+              <a:lnSpc>
+                <a:spcPct val="90000"/>
+              </a:lnSpc>
+              <a:spcBef>
+                <a:spcPts val="500"/>
+              </a:spcBef>
+              <a:buFont typeface="Arial" panose="020B0604020202020204" pitchFamily="34" charset="0"/>
+              <a:buChar char="•"/>
+              <a:defRPr sz="1800" kern="1200">
+                <a:solidFill>
+                  <a:schemeClr val="dk1"/>
+                </a:solidFill>
+                <a:latin typeface="+mn-lt"/>
+                <a:ea typeface="+mn-ea"/>
+                <a:cs typeface="+mn-cs"/>
+              </a:defRPr>
+            </a:lvl5pPr>
+            <a:lvl6pPr marL="2514600" indent="-228600" algn="l" defTabSz="914400" rtl="0" eaLnBrk="1" latinLnBrk="0" hangingPunct="1">
+              <a:lnSpc>
+                <a:spcPct val="90000"/>
+              </a:lnSpc>
+              <a:spcBef>
+                <a:spcPts val="500"/>
+              </a:spcBef>
+              <a:buFont typeface="Arial" panose="020B0604020202020204" pitchFamily="34" charset="0"/>
+              <a:buChar char="•"/>
+              <a:defRPr sz="1800" kern="1200">
+                <a:solidFill>
+                  <a:schemeClr val="dk1"/>
+                </a:solidFill>
+                <a:latin typeface="+mn-lt"/>
+                <a:ea typeface="+mn-ea"/>
+                <a:cs typeface="+mn-cs"/>
+              </a:defRPr>
+            </a:lvl6pPr>
+            <a:lvl7pPr marL="2971800" indent="-228600" algn="l" defTabSz="914400" rtl="0" eaLnBrk="1" latinLnBrk="0" hangingPunct="1">
+              <a:lnSpc>
+                <a:spcPct val="90000"/>
+              </a:lnSpc>
+              <a:spcBef>
+                <a:spcPts val="500"/>
+              </a:spcBef>
+              <a:buFont typeface="Arial" panose="020B0604020202020204" pitchFamily="34" charset="0"/>
+              <a:buChar char="•"/>
+              <a:defRPr sz="1800" kern="1200">
+                <a:solidFill>
+                  <a:schemeClr val="dk1"/>
+                </a:solidFill>
+                <a:latin typeface="+mn-lt"/>
+                <a:ea typeface="+mn-ea"/>
+                <a:cs typeface="+mn-cs"/>
+              </a:defRPr>
+            </a:lvl7pPr>
+            <a:lvl8pPr marL="3429000" indent="-228600" algn="l" defTabSz="914400" rtl="0" eaLnBrk="1" latinLnBrk="0" hangingPunct="1">
+              <a:lnSpc>
+                <a:spcPct val="90000"/>
+              </a:lnSpc>
+              <a:spcBef>
+                <a:spcPts val="500"/>
+              </a:spcBef>
+              <a:buFont typeface="Arial" panose="020B0604020202020204" pitchFamily="34" charset="0"/>
+              <a:buChar char="•"/>
+              <a:defRPr sz="1800" kern="1200">
+                <a:solidFill>
+                  <a:schemeClr val="dk1"/>
+                </a:solidFill>
+                <a:latin typeface="+mn-lt"/>
+                <a:ea typeface="+mn-ea"/>
+                <a:cs typeface="+mn-cs"/>
+              </a:defRPr>
+            </a:lvl8pPr>
+            <a:lvl9pPr marL="3886200" indent="-228600" algn="l" defTabSz="914400" rtl="0" eaLnBrk="1" latinLnBrk="0" hangingPunct="1">
+              <a:lnSpc>
+                <a:spcPct val="90000"/>
+              </a:lnSpc>
+              <a:spcBef>
+                <a:spcPts val="500"/>
+              </a:spcBef>
+              <a:buFont typeface="Arial" panose="020B0604020202020204" pitchFamily="34" charset="0"/>
+              <a:buChar char="•"/>
+              <a:defRPr sz="1800" kern="1200">
+                <a:solidFill>
+                  <a:schemeClr val="dk1"/>
+                </a:solidFill>
+                <a:latin typeface="+mn-lt"/>
+                <a:ea typeface="+mn-ea"/>
+                <a:cs typeface="+mn-cs"/>
+              </a:defRPr>
+            </a:lvl9pPr>
+          </a:lstStyle>
+          <a:p>
+            <a:r>
+              <a:rPr lang="sv-SE" dirty="0"/>
+              <a:t>Versionshantering</a:t>
+            </a:r>
+          </a:p>
+          <a:p>
+            <a:r>
+              <a:rPr lang="sv-SE" dirty="0"/>
+              <a:t>Kodgranskning</a:t>
+            </a:r>
+          </a:p>
+          <a:p>
+            <a:endParaRPr lang="sv-SE" dirty="0"/>
+          </a:p>
+        </p:txBody>
+      </p:sp>
+      <p:sp>
+        <p:nvSpPr>
+          <p:cNvPr id="9" name="Content Placeholder 2">
+            <a:extLst>
+              <a:ext uri="{FF2B5EF4-FFF2-40B4-BE49-F238E27FC236}">
+                <a16:creationId xmlns:a16="http://schemas.microsoft.com/office/drawing/2014/main" id="{BCA73EB6-7581-468F-ABF2-944507119B9F}"/>
+              </a:ext>
+            </a:extLst>
+          </p:cNvPr>
+          <p:cNvSpPr txBox="1">
+            <a:spLocks/>
+          </p:cNvSpPr>
+          <p:nvPr/>
+        </p:nvSpPr>
+        <p:spPr>
+          <a:xfrm>
+            <a:off x="8305801" y="4486276"/>
+            <a:ext cx="2952749" cy="2371724"/>
+          </a:xfrm>
+          <a:prstGeom prst="rect">
+            <a:avLst/>
+          </a:prstGeom>
+        </p:spPr>
+        <p:style>
+          <a:lnRef idx="2">
+            <a:schemeClr val="accent1"/>
+          </a:lnRef>
+          <a:fillRef idx="1">
+            <a:schemeClr val="lt1"/>
+          </a:fillRef>
+          <a:effectRef idx="0">
+            <a:schemeClr val="accent1"/>
+          </a:effectRef>
+          <a:fontRef idx="minor">
+            <a:schemeClr val="dk1"/>
+          </a:fontRef>
+        </p:style>
+        <p:txBody>
+          <a:bodyPr vert="horz" lIns="91440" tIns="45720" rIns="91440" bIns="45720" rtlCol="0">
+            <a:normAutofit fontScale="92500" lnSpcReduction="20000"/>
+          </a:bodyPr>
+          <a:lstStyle>
+            <a:lvl1pPr marL="228600" indent="-228600" algn="l" defTabSz="914400" rtl="0" eaLnBrk="1" latinLnBrk="0" hangingPunct="1">
+              <a:lnSpc>
+                <a:spcPct val="90000"/>
+              </a:lnSpc>
+              <a:spcBef>
+                <a:spcPts val="1000"/>
+              </a:spcBef>
+              <a:buFont typeface="Arial" panose="020B0604020202020204" pitchFamily="34" charset="0"/>
+              <a:buChar char="•"/>
+              <a:defRPr sz="2800" kern="1200">
+                <a:solidFill>
+                  <a:schemeClr val="tx1"/>
+                </a:solidFill>
+                <a:latin typeface="+mn-lt"/>
+                <a:ea typeface="+mn-ea"/>
+                <a:cs typeface="+mn-cs"/>
+              </a:defRPr>
+            </a:lvl1pPr>
+            <a:lvl2pPr marL="685800" indent="-228600" algn="l" defTabSz="914400" rtl="0" eaLnBrk="1" latinLnBrk="0" hangingPunct="1">
+              <a:lnSpc>
+                <a:spcPct val="90000"/>
+              </a:lnSpc>
+              <a:spcBef>
+                <a:spcPts val="500"/>
+              </a:spcBef>
+              <a:buFont typeface="Arial" panose="020B0604020202020204" pitchFamily="34" charset="0"/>
+              <a:buChar char="•"/>
+              <a:defRPr sz="2400" kern="1200">
+                <a:solidFill>
+                  <a:schemeClr val="tx1"/>
+                </a:solidFill>
+                <a:latin typeface="+mn-lt"/>
+                <a:ea typeface="+mn-ea"/>
+                <a:cs typeface="+mn-cs"/>
+              </a:defRPr>
+            </a:lvl2pPr>
+            <a:lvl3pPr marL="1143000" indent="-228600" algn="l" defTabSz="914400" rtl="0" eaLnBrk="1" latinLnBrk="0" hangingPunct="1">
+              <a:lnSpc>
+                <a:spcPct val="90000"/>
+              </a:lnSpc>
+              <a:spcBef>
+                <a:spcPts val="500"/>
+              </a:spcBef>
+              <a:buFont typeface="Arial" panose="020B0604020202020204" pitchFamily="34" charset="0"/>
+              <a:buChar char="•"/>
+              <a:defRPr sz="2000" kern="1200">
+                <a:solidFill>
+                  <a:schemeClr val="tx1"/>
+                </a:solidFill>
+                <a:latin typeface="+mn-lt"/>
+                <a:ea typeface="+mn-ea"/>
+                <a:cs typeface="+mn-cs"/>
+              </a:defRPr>
+            </a:lvl3pPr>
+            <a:lvl4pPr marL="1600200" indent="-228600" algn="l" defTabSz="914400" rtl="0" eaLnBrk="1" latinLnBrk="0" hangingPunct="1">
+              <a:lnSpc>
+                <a:spcPct val="90000"/>
+              </a:lnSpc>
+              <a:spcBef>
+                <a:spcPts val="500"/>
+              </a:spcBef>
+              <a:buFont typeface="Arial" panose="020B0604020202020204" pitchFamily="34" charset="0"/>
+              <a:buChar char="•"/>
+              <a:defRPr sz="1800" kern="1200">
+                <a:solidFill>
+                  <a:schemeClr val="tx1"/>
+                </a:solidFill>
+                <a:latin typeface="+mn-lt"/>
+                <a:ea typeface="+mn-ea"/>
+                <a:cs typeface="+mn-cs"/>
+              </a:defRPr>
+            </a:lvl4pPr>
+            <a:lvl5pPr marL="2057400" indent="-228600" algn="l" defTabSz="914400" rtl="0" eaLnBrk="1" latinLnBrk="0" hangingPunct="1">
+              <a:lnSpc>
+                <a:spcPct val="90000"/>
+              </a:lnSpc>
+              <a:spcBef>
+                <a:spcPts val="500"/>
+              </a:spcBef>
+              <a:buFont typeface="Arial" panose="020B0604020202020204" pitchFamily="34" charset="0"/>
+              <a:buChar char="•"/>
+              <a:defRPr sz="1800" kern="1200">
+                <a:solidFill>
+                  <a:schemeClr val="tx1"/>
+                </a:solidFill>
+                <a:latin typeface="+mn-lt"/>
+                <a:ea typeface="+mn-ea"/>
+                <a:cs typeface="+mn-cs"/>
+              </a:defRPr>
+            </a:lvl5pPr>
+            <a:lvl6pPr marL="2514600" indent="-228600" algn="l" defTabSz="914400" rtl="0" eaLnBrk="1" latinLnBrk="0" hangingPunct="1">
+              <a:lnSpc>
+                <a:spcPct val="90000"/>
+              </a:lnSpc>
+              <a:spcBef>
+                <a:spcPts val="500"/>
+              </a:spcBef>
+              <a:buFont typeface="Arial" panose="020B0604020202020204" pitchFamily="34" charset="0"/>
+              <a:buChar char="•"/>
+              <a:defRPr sz="1800" kern="1200">
+                <a:solidFill>
+                  <a:schemeClr val="tx1"/>
+                </a:solidFill>
+                <a:latin typeface="+mn-lt"/>
+                <a:ea typeface="+mn-ea"/>
+                <a:cs typeface="+mn-cs"/>
+              </a:defRPr>
+            </a:lvl6pPr>
+            <a:lvl7pPr marL="2971800" indent="-228600" algn="l" defTabSz="914400" rtl="0" eaLnBrk="1" latinLnBrk="0" hangingPunct="1">
+              <a:lnSpc>
+                <a:spcPct val="90000"/>
+              </a:lnSpc>
+              <a:spcBef>
+                <a:spcPts val="500"/>
+              </a:spcBef>
+              <a:buFont typeface="Arial" panose="020B0604020202020204" pitchFamily="34" charset="0"/>
+              <a:buChar char="•"/>
+              <a:defRPr sz="1800" kern="1200">
+                <a:solidFill>
+                  <a:schemeClr val="tx1"/>
+                </a:solidFill>
+                <a:latin typeface="+mn-lt"/>
+                <a:ea typeface="+mn-ea"/>
+                <a:cs typeface="+mn-cs"/>
+              </a:defRPr>
+            </a:lvl7pPr>
+            <a:lvl8pPr marL="3429000" indent="-228600" algn="l" defTabSz="914400" rtl="0" eaLnBrk="1" latinLnBrk="0" hangingPunct="1">
+              <a:lnSpc>
+                <a:spcPct val="90000"/>
+              </a:lnSpc>
+              <a:spcBef>
+                <a:spcPts val="500"/>
+              </a:spcBef>
+              <a:buFont typeface="Arial" panose="020B0604020202020204" pitchFamily="34" charset="0"/>
+              <a:buChar char="•"/>
+              <a:defRPr sz="1800" kern="1200">
+                <a:solidFill>
+                  <a:schemeClr val="tx1"/>
+                </a:solidFill>
+                <a:latin typeface="+mn-lt"/>
+                <a:ea typeface="+mn-ea"/>
+                <a:cs typeface="+mn-cs"/>
+              </a:defRPr>
+            </a:lvl8pPr>
+            <a:lvl9pPr marL="3886200" indent="-228600" algn="l" defTabSz="914400" rtl="0" eaLnBrk="1" latinLnBrk="0" hangingPunct="1">
+              <a:lnSpc>
+                <a:spcPct val="90000"/>
+              </a:lnSpc>
+              <a:spcBef>
+                <a:spcPts val="500"/>
+              </a:spcBef>
+              <a:buFont typeface="Arial" panose="020B0604020202020204" pitchFamily="34" charset="0"/>
+              <a:buChar char="•"/>
+              <a:defRPr sz="1800" kern="1200">
+                <a:solidFill>
+                  <a:schemeClr val="tx1"/>
+                </a:solidFill>
+                <a:latin typeface="+mn-lt"/>
+                <a:ea typeface="+mn-ea"/>
+                <a:cs typeface="+mn-cs"/>
+              </a:defRPr>
+            </a:lvl9pPr>
+          </a:lstStyle>
+          <a:p>
+            <a:pPr marL="0" indent="0">
+              <a:buNone/>
+            </a:pPr>
+            <a:r>
+              <a:rPr lang="sv-SE" dirty="0"/>
+              <a:t>Strukturerad eller ostrukturerad data</a:t>
+            </a:r>
+          </a:p>
+          <a:p>
+            <a:pPr marL="0" indent="0">
+              <a:buNone/>
+            </a:pPr>
+            <a:r>
+              <a:rPr lang="sv-SE" dirty="0"/>
+              <a:t>Text, bild, numeriskt och kategoriskt data</a:t>
+            </a:r>
+          </a:p>
+          <a:p>
+            <a:pPr marL="0" indent="0">
+              <a:buNone/>
+            </a:pPr>
+            <a:r>
+              <a:rPr lang="sv-SE" dirty="0"/>
+              <a:t>Relationsdatabaser</a:t>
+            </a:r>
+          </a:p>
+          <a:p>
+            <a:pPr marL="0" indent="0">
+              <a:buNone/>
+            </a:pPr>
+            <a:r>
+              <a:rPr lang="sv-SE" dirty="0" err="1"/>
+              <a:t>Hadoop</a:t>
+            </a:r>
+            <a:r>
+              <a:rPr lang="sv-SE" dirty="0"/>
+              <a:t> </a:t>
+            </a:r>
           </a:p>
         </p:txBody>
       </p:sp>
     </p:spTree>
     <p:extLst>
       <p:ext uri="{BB962C8B-B14F-4D97-AF65-F5344CB8AC3E}">
-        <p14:creationId xmlns:p14="http://schemas.microsoft.com/office/powerpoint/2010/main" val="4227783960"/>
-      </p:ext>
-    </p:extLst>
-  </p:cSld>
-  <p:clrMapOvr>
-    <a:masterClrMapping/>
-  </p:clrMapOvr>
-</p:sld>
-</file>
-
-<file path=ppt/slides/slide11.xml><?xml version="1.0" encoding="utf-8"?>
-<p:sld xmlns:a="http://schemas.openxmlformats.org/drawingml/2006/main" xmlns:r="http://schemas.openxmlformats.org/officeDocument/2006/relationships" xmlns:p="http://schemas.openxmlformats.org/presentationml/2006/main">
-  <p:cSld>
-    <p:spTree>
-      <p:nvGrpSpPr>
-        <p:cNvPr id="1" name=""/>
-        <p:cNvGrpSpPr/>
-        <p:nvPr/>
-      </p:nvGrpSpPr>
-      <p:grpSpPr>
-        <a:xfrm>
-          <a:off x="0" y="0"/>
-          <a:ext cx="0" cy="0"/>
-          <a:chOff x="0" y="0"/>
-          <a:chExt cx="0" cy="0"/>
-        </a:xfrm>
-      </p:grpSpPr>
-      <p:sp>
-        <p:nvSpPr>
-          <p:cNvPr id="2" name="Title 1">
-            <a:extLst>
-              <a:ext uri="{FF2B5EF4-FFF2-40B4-BE49-F238E27FC236}">
-                <a16:creationId xmlns:a16="http://schemas.microsoft.com/office/drawing/2014/main" id="{1A407109-F4E3-4273-9E00-3184FF8F2AD5}"/>
-              </a:ext>
-            </a:extLst>
-          </p:cNvPr>
-          <p:cNvSpPr>
-            <a:spLocks noGrp="1"/>
-          </p:cNvSpPr>
-          <p:nvPr>
-            <p:ph type="title"/>
-          </p:nvPr>
-        </p:nvSpPr>
-        <p:spPr/>
-        <p:txBody>
-          <a:bodyPr/>
-          <a:lstStyle/>
-          <a:p>
-            <a:r>
-              <a:rPr lang="sv-SE" dirty="0"/>
-              <a:t>Så…</a:t>
-            </a:r>
-          </a:p>
-        </p:txBody>
-      </p:sp>
-      <p:sp>
-        <p:nvSpPr>
-          <p:cNvPr id="3" name="Content Placeholder 2">
-            <a:extLst>
-              <a:ext uri="{FF2B5EF4-FFF2-40B4-BE49-F238E27FC236}">
-                <a16:creationId xmlns:a16="http://schemas.microsoft.com/office/drawing/2014/main" id="{C468A70A-4F08-45E8-B184-1DB018129CD2}"/>
-              </a:ext>
-            </a:extLst>
-          </p:cNvPr>
-          <p:cNvSpPr>
-            <a:spLocks noGrp="1"/>
-          </p:cNvSpPr>
-          <p:nvPr>
-            <p:ph idx="1"/>
-          </p:nvPr>
-        </p:nvSpPr>
-        <p:spPr/>
-        <p:txBody>
-          <a:bodyPr>
-            <a:normAutofit fontScale="77500" lnSpcReduction="20000"/>
-          </a:bodyPr>
-          <a:lstStyle/>
-          <a:p>
-            <a:r>
-              <a:rPr lang="sv-SE" dirty="0"/>
-              <a:t>Avända färdiga funktioner, visualiseringar</a:t>
-            </a:r>
-          </a:p>
-          <a:p>
-            <a:r>
-              <a:rPr lang="sv-SE" dirty="0"/>
-              <a:t>[Ex: Powerbi, Watson, Custom vision] </a:t>
-            </a:r>
-          </a:p>
-          <a:p>
-            <a:r>
-              <a:rPr lang="sv-SE" dirty="0"/>
-              <a:t>Använda API till redan tränande modeller</a:t>
-            </a:r>
-          </a:p>
-          <a:p>
-            <a:r>
-              <a:rPr lang="sv-SE" dirty="0"/>
-              <a:t>[Ex: Cognitive services, Auto ML]</a:t>
-            </a:r>
-          </a:p>
-          <a:p>
-            <a:r>
-              <a:rPr lang="sv-SE" dirty="0"/>
-              <a:t>– Kunskaper om API, programmering och domänkunskap</a:t>
-            </a:r>
-          </a:p>
-          <a:p>
-            <a:r>
-              <a:rPr lang="sv-SE" dirty="0"/>
-              <a:t>Använda färdiga algoritmer för att skapa egna modeller för ett specifikt syfte – Kunskaper om machine learning modeller, arbetsflöde för att träna, validera, statistik </a:t>
-            </a:r>
-          </a:p>
-          <a:p>
-            <a:r>
-              <a:rPr lang="sv-SE" dirty="0"/>
-              <a:t>[Azure machine learning studio, Jupyther notebook]</a:t>
-            </a:r>
-          </a:p>
-          <a:p>
-            <a:r>
-              <a:rPr lang="sv-SE" dirty="0"/>
-              <a:t>Använda ramverk och bibliotek för att skapa kustomiserade algoritmer – linjär algebra, ”calculus”, statistik</a:t>
-            </a:r>
-          </a:p>
-          <a:p>
-            <a:r>
-              <a:rPr lang="sv-SE" dirty="0"/>
-              <a:t>[Ex: machine learning studio eller jupyter notebook] [Ex: Tensorflow, Microsoft CNTK]</a:t>
-            </a:r>
-          </a:p>
-        </p:txBody>
-      </p:sp>
-    </p:spTree>
-    <p:extLst>
-      <p:ext uri="{BB962C8B-B14F-4D97-AF65-F5344CB8AC3E}">
-        <p14:creationId xmlns:p14="http://schemas.microsoft.com/office/powerpoint/2010/main" val="633104579"/>
+        <p14:creationId xmlns:p14="http://schemas.microsoft.com/office/powerpoint/2010/main" val="1182748221"/>
       </p:ext>
     </p:extLst>
   </p:cSld>
@@ -3743,7 +5600,7 @@
           <p:cNvPr id="2" name="Title 1">
             <a:extLst>
               <a:ext uri="{FF2B5EF4-FFF2-40B4-BE49-F238E27FC236}">
-                <a16:creationId xmlns:a16="http://schemas.microsoft.com/office/drawing/2014/main" id="{CE193FAE-A286-47AC-986F-2B839822335F}"/>
+                <a16:creationId xmlns:a16="http://schemas.microsoft.com/office/drawing/2014/main" id="{3D55DD1D-87B3-49E6-9BF0-7AC58A79424F}"/>
               </a:ext>
             </a:extLst>
           </p:cNvPr>
@@ -3761,76 +5618,90 @@
           <a:p>
             <a:r>
               <a:rPr lang="sv-SE" dirty="0"/>
-              <a:t>Hur kan en model lära sig av data?</a:t>
-            </a:r>
-          </a:p>
-        </p:txBody>
-      </p:sp>
-      <p:sp>
-        <p:nvSpPr>
-          <p:cNvPr id="3" name="Content Placeholder 2">
-            <a:extLst>
-              <a:ext uri="{FF2B5EF4-FFF2-40B4-BE49-F238E27FC236}">
-                <a16:creationId xmlns:a16="http://schemas.microsoft.com/office/drawing/2014/main" id="{5C6E5436-047E-4AE7-826D-CC0E426B67E1}"/>
-              </a:ext>
-            </a:extLst>
-          </p:cNvPr>
-          <p:cNvSpPr>
-            <a:spLocks noGrp="1"/>
-          </p:cNvSpPr>
-          <p:nvPr>
-            <p:ph idx="1"/>
-          </p:nvPr>
-        </p:nvSpPr>
-        <p:spPr/>
-        <p:txBody>
-          <a:bodyPr/>
-          <a:lstStyle/>
-          <a:p>
-            <a:pPr marL="0" indent="0">
-              <a:buNone/>
-            </a:pPr>
-            <a:r>
-              <a:rPr lang="sv-SE" dirty="0"/>
-              <a:t>Excel modell för förutspå huspris</a:t>
+              <a:t>Data Science</a:t>
             </a:r>
           </a:p>
         </p:txBody>
       </p:sp>
       <p:pic>
         <p:nvPicPr>
-          <p:cNvPr id="4" name="Picture 3">
-            <a:extLst>
-              <a:ext uri="{FF2B5EF4-FFF2-40B4-BE49-F238E27FC236}">
-                <a16:creationId xmlns:a16="http://schemas.microsoft.com/office/drawing/2014/main" id="{0126738E-759E-4697-8D69-63959FDA9FB5}"/>
+          <p:cNvPr id="1026" name="Picture 2" descr="Bildresultat fÃ¶r Data Science">
+            <a:extLst>
+              <a:ext uri="{FF2B5EF4-FFF2-40B4-BE49-F238E27FC236}">
+                <a16:creationId xmlns:a16="http://schemas.microsoft.com/office/drawing/2014/main" id="{0E843846-69FB-4361-BEDE-7824440F3DFE}"/>
               </a:ext>
             </a:extLst>
           </p:cNvPr>
           <p:cNvPicPr>
-            <a:picLocks noChangeAspect="1"/>
+            <a:picLocks noChangeAspect="1" noChangeArrowheads="1"/>
           </p:cNvPicPr>
           <p:nvPr/>
         </p:nvPicPr>
         <p:blipFill>
-          <a:blip r:embed="rId2"/>
+          <a:blip r:embed="rId2">
+            <a:extLst>
+              <a:ext uri="{28A0092B-C50C-407E-A947-70E740481C1C}">
+                <a14:useLocalDpi xmlns:a14="http://schemas.microsoft.com/office/drawing/2010/main" val="0"/>
+              </a:ext>
+            </a:extLst>
+          </a:blip>
+          <a:srcRect/>
           <a:stretch>
             <a:fillRect/>
           </a:stretch>
         </p:blipFill>
-        <p:spPr>
+        <p:spPr bwMode="auto">
           <a:xfrm>
-            <a:off x="1225684" y="1644655"/>
-            <a:ext cx="8959175" cy="4848220"/>
+            <a:off x="3996989" y="1027906"/>
+            <a:ext cx="5210175" cy="4905375"/>
           </a:xfrm>
           <a:prstGeom prst="rect">
             <a:avLst/>
           </a:prstGeom>
+          <a:noFill/>
+          <a:extLst>
+            <a:ext uri="{909E8E84-426E-40DD-AFC4-6F175D3DCCD1}">
+              <a14:hiddenFill xmlns:a14="http://schemas.microsoft.com/office/drawing/2010/main">
+                <a:solidFill>
+                  <a:srgbClr val="FFFFFF"/>
+                </a:solidFill>
+              </a14:hiddenFill>
+            </a:ext>
+          </a:extLst>
         </p:spPr>
       </p:pic>
+      <p:sp>
+        <p:nvSpPr>
+          <p:cNvPr id="7" name="Content Placeholder 6">
+            <a:extLst>
+              <a:ext uri="{FF2B5EF4-FFF2-40B4-BE49-F238E27FC236}">
+                <a16:creationId xmlns:a16="http://schemas.microsoft.com/office/drawing/2014/main" id="{BD9F10B4-81FA-490E-B5FB-157D1538651B}"/>
+              </a:ext>
+            </a:extLst>
+          </p:cNvPr>
+          <p:cNvSpPr>
+            <a:spLocks noGrp="1"/>
+          </p:cNvSpPr>
+          <p:nvPr>
+            <p:ph idx="1"/>
+          </p:nvPr>
+        </p:nvSpPr>
+        <p:spPr/>
+        <p:txBody>
+          <a:bodyPr/>
+          <a:lstStyle/>
+          <a:p>
+            <a:r>
+              <a:rPr lang="sv-SE" dirty="0"/>
+              <a:t>Kan var flera personer</a:t>
+            </a:r>
+          </a:p>
+        </p:txBody>
+      </p:sp>
     </p:spTree>
     <p:extLst>
       <p:ext uri="{BB962C8B-B14F-4D97-AF65-F5344CB8AC3E}">
-        <p14:creationId xmlns:p14="http://schemas.microsoft.com/office/powerpoint/2010/main" val="958553145"/>
+        <p14:creationId xmlns:p14="http://schemas.microsoft.com/office/powerpoint/2010/main" val="3984862112"/>
       </p:ext>
     </p:extLst>
   </p:cSld>
@@ -3862,7 +5733,7 @@
           <p:cNvPr id="2" name="Title 1">
             <a:extLst>
               <a:ext uri="{FF2B5EF4-FFF2-40B4-BE49-F238E27FC236}">
-                <a16:creationId xmlns:a16="http://schemas.microsoft.com/office/drawing/2014/main" id="{37E689B6-4C0C-43B0-BE54-63210DCD7EEC}"/>
+                <a16:creationId xmlns:a16="http://schemas.microsoft.com/office/drawing/2014/main" id="{DB8B1FBE-3382-4C3A-A372-D2DF35815F07}"/>
               </a:ext>
             </a:extLst>
           </p:cNvPr>
@@ -3880,7 +5751,7 @@
           <a:p>
             <a:r>
               <a:rPr lang="sv-SE" dirty="0"/>
-              <a:t>Vad kan man göra med machine learning?</a:t>
+              <a:t>Data Science</a:t>
             </a:r>
           </a:p>
         </p:txBody>
@@ -3890,7 +5761,7 @@
           <p:cNvPr id="3" name="Content Placeholder 2">
             <a:extLst>
               <a:ext uri="{FF2B5EF4-FFF2-40B4-BE49-F238E27FC236}">
-                <a16:creationId xmlns:a16="http://schemas.microsoft.com/office/drawing/2014/main" id="{B6B62BD6-0CA9-4AB6-BFA1-3AD053B2C8E1}"/>
+                <a16:creationId xmlns:a16="http://schemas.microsoft.com/office/drawing/2014/main" id="{D6DAA3FA-F358-4EAB-9097-71E7A60D9782}"/>
               </a:ext>
             </a:extLst>
           </p:cNvPr>
@@ -3903,63 +5774,46 @@
         </p:nvSpPr>
         <p:spPr/>
         <p:txBody>
-          <a:bodyPr/>
+          <a:bodyPr>
+            <a:normAutofit lnSpcReduction="10000"/>
+          </a:bodyPr>
           <a:lstStyle/>
           <a:p>
-            <a:r>
-              <a:rPr lang="sv-SE" dirty="0"/>
-              <a:t>Prediktioner </a:t>
-            </a:r>
-          </a:p>
-          <a:p>
-            <a:pPr lvl="1"/>
-            <a:r>
-              <a:rPr lang="sv-SE" dirty="0"/>
-              <a:t>”Vad är det här huset värt utifrån info om huset”</a:t>
-            </a:r>
-          </a:p>
-          <a:p>
-            <a:pPr lvl="1"/>
-            <a:r>
-              <a:rPr lang="sv-SE" dirty="0"/>
-              <a:t>”Kommer den här maskindelen gå sönder inom 10 dagar utifrån hur länge den varit monterad, hur mycket den har vibrerat och temperatur.</a:t>
-            </a:r>
-          </a:p>
-          <a:p>
-            <a:r>
-              <a:rPr lang="sv-SE" dirty="0"/>
-              <a:t>Tolka data på sätt som tidigare bara människor kunnat göra.</a:t>
-            </a:r>
-          </a:p>
-          <a:p>
-            <a:pPr lvl="1"/>
-            <a:r>
-              <a:rPr lang="sv-SE" dirty="0"/>
-              <a:t>”Har den här texten ett positivt eller negativt känsloläge?’”</a:t>
-            </a:r>
-          </a:p>
-          <a:p>
-            <a:pPr lvl="1"/>
-            <a:r>
-              <a:rPr lang="sv-SE" dirty="0"/>
-              <a:t>”Föreställer den här bilden en pizza eller en korv?”</a:t>
-            </a:r>
-          </a:p>
-          <a:p>
-            <a:r>
-              <a:rPr lang="sv-SE" dirty="0"/>
-              <a:t>Hjälpa med att förstå och hitta mönster i data</a:t>
-            </a:r>
-          </a:p>
-          <a:p>
-            <a:pPr lvl="1"/>
-            <a:r>
-              <a:rPr lang="sv-SE" dirty="0"/>
-              <a:t>”Gruppera våra kunder utifrån de som har flest gemensamma egenskaper utifrån geografi, storlek, och huvudsakligt köpkategori”</a:t>
-            </a:r>
-          </a:p>
-          <a:p>
-            <a:pPr lvl="1"/>
+            <a:pPr marL="0" indent="0">
+              <a:buNone/>
+            </a:pPr>
+            <a:r>
+              <a:rPr lang="en-US" dirty="0"/>
+              <a:t>“concept to unify statistics, data analysis, machine learning and their related methods" in order to "understand and analyze actual phenomena" with data. It employs techniques and theories drawn from many fields within the context of mathematics, statistics, information science, and computer science.” [What is data Science]</a:t>
+            </a:r>
+            <a:endParaRPr lang="sv-SE" dirty="0"/>
+          </a:p>
+          <a:p>
+            <a:pPr marL="0" indent="0">
+              <a:buNone/>
+            </a:pPr>
+            <a:endParaRPr lang="sv-SE" dirty="0"/>
+          </a:p>
+          <a:p>
+            <a:pPr marL="0" indent="0">
+              <a:buNone/>
+            </a:pPr>
+            <a:r>
+              <a:rPr lang="sv-SE" dirty="0"/>
+              <a:t>”</a:t>
+            </a:r>
+            <a:r>
+              <a:rPr lang="en-US" dirty="0"/>
+              <a:t> The popularity of the term "data science" has exploded in business environments and academia, as indicated by a jump in job openings. However, many critical academics and journalists see no distinction between data science and statistics” [What the half life of a buzzword </a:t>
+            </a:r>
+            <a:r>
+              <a:rPr lang="en-US" dirty="0" err="1"/>
+              <a:t>forbes</a:t>
+            </a:r>
+            <a:r>
+              <a:rPr lang="en-US" dirty="0"/>
+              <a:t>]</a:t>
+            </a:r>
             <a:endParaRPr lang="sv-SE" dirty="0"/>
           </a:p>
         </p:txBody>
@@ -3967,7 +5821,7 @@
     </p:spTree>
     <p:extLst>
       <p:ext uri="{BB962C8B-B14F-4D97-AF65-F5344CB8AC3E}">
-        <p14:creationId xmlns:p14="http://schemas.microsoft.com/office/powerpoint/2010/main" val="2448588765"/>
+        <p14:creationId xmlns:p14="http://schemas.microsoft.com/office/powerpoint/2010/main" val="4054577006"/>
       </p:ext>
     </p:extLst>
   </p:cSld>
@@ -3999,7 +5853,7 @@
           <p:cNvPr id="2" name="Title 1">
             <a:extLst>
               <a:ext uri="{FF2B5EF4-FFF2-40B4-BE49-F238E27FC236}">
-                <a16:creationId xmlns:a16="http://schemas.microsoft.com/office/drawing/2014/main" id="{A1D66E28-883E-4247-97A6-22E6B91DA957}"/>
+                <a16:creationId xmlns:a16="http://schemas.microsoft.com/office/drawing/2014/main" id="{83B39975-560A-4D3D-A8CE-268C60409179}"/>
               </a:ext>
             </a:extLst>
           </p:cNvPr>
@@ -4008,111 +5862,470 @@
           </p:cNvSpPr>
           <p:nvPr>
             <p:ph type="title"/>
+          </p:nvPr>
+        </p:nvSpPr>
+        <p:spPr/>
+        <p:txBody>
+          <a:bodyPr/>
+          <a:lstStyle/>
+          <a:p>
+            <a:r>
+              <a:rPr lang="sv-SE" dirty="0"/>
+              <a:t>Dalarna – Analytiker</a:t>
+            </a:r>
+          </a:p>
+        </p:txBody>
+      </p:sp>
+      <p:sp>
+        <p:nvSpPr>
+          <p:cNvPr id="3" name="Content Placeholder 2">
+            <a:extLst>
+              <a:ext uri="{FF2B5EF4-FFF2-40B4-BE49-F238E27FC236}">
+                <a16:creationId xmlns:a16="http://schemas.microsoft.com/office/drawing/2014/main" id="{4E90004A-873C-4075-B514-3754E1BDA165}"/>
+              </a:ext>
+            </a:extLst>
+          </p:cNvPr>
+          <p:cNvSpPr>
+            <a:spLocks noGrp="1"/>
+          </p:cNvSpPr>
+          <p:nvPr>
+            <p:ph idx="1"/>
           </p:nvPr>
         </p:nvSpPr>
         <p:spPr>
           <a:xfrm>
-            <a:off x="838200" y="402832"/>
-            <a:ext cx="10515600" cy="1325563"/>
+            <a:off x="838201" y="1483567"/>
+            <a:ext cx="5982478" cy="4693396"/>
           </a:xfrm>
         </p:spPr>
         <p:txBody>
-          <a:bodyPr/>
-          <a:lstStyle/>
-          <a:p>
-            <a:r>
-              <a:rPr lang="sv-SE" dirty="0"/>
-              <a:t>Inte med i den här genomgången</a:t>
-            </a:r>
-          </a:p>
-        </p:txBody>
-      </p:sp>
-      <p:sp>
-        <p:nvSpPr>
-          <p:cNvPr id="3" name="Content Placeholder 2">
-            <a:extLst>
-              <a:ext uri="{FF2B5EF4-FFF2-40B4-BE49-F238E27FC236}">
-                <a16:creationId xmlns:a16="http://schemas.microsoft.com/office/drawing/2014/main" id="{0C5DB99D-77AE-4A32-AFD0-C6043D994258}"/>
-              </a:ext>
-            </a:extLst>
-          </p:cNvPr>
-          <p:cNvSpPr>
-            <a:spLocks noGrp="1"/>
-          </p:cNvSpPr>
-          <p:nvPr>
-            <p:ph idx="1"/>
-          </p:nvPr>
-        </p:nvSpPr>
-        <p:spPr/>
-        <p:txBody>
           <a:bodyPr>
-            <a:normAutofit lnSpcReduction="10000"/>
+            <a:normAutofit fontScale="47500" lnSpcReduction="20000"/>
           </a:bodyPr>
           <a:lstStyle/>
           <a:p>
-            <a:r>
-              <a:rPr lang="sv-SE" dirty="0"/>
-              <a:t>Andra tillämningar</a:t>
-            </a:r>
-          </a:p>
-          <a:p>
-            <a:pPr lvl="1"/>
-            <a:r>
-              <a:rPr lang="sv-SE" dirty="0"/>
-              <a:t>Anomilidetektion, rekommendationer, chatbotar</a:t>
-            </a:r>
-          </a:p>
-          <a:p>
-            <a:r>
-              <a:rPr lang="sv-SE" dirty="0"/>
-              <a:t>Beskriva kategorier av machine learning modeller</a:t>
-            </a:r>
-          </a:p>
-          <a:p>
-            <a:pPr lvl="1"/>
-            <a:r>
-              <a:rPr lang="sv-SE" dirty="0"/>
-              <a:t>supervised/unsupervised, regression/logistic</a:t>
-            </a:r>
-          </a:p>
-          <a:p>
-            <a:r>
-              <a:rPr lang="sv-SE" dirty="0"/>
-              <a:t>Beskriva specifika typer av algoritmer</a:t>
-            </a:r>
-          </a:p>
-          <a:p>
-            <a:pPr lvl="1"/>
-            <a:r>
-              <a:rPr lang="sv-SE" dirty="0"/>
-              <a:t>Linear regression, decision trees, neurala nätverk, k-means, support vector machines mm</a:t>
-            </a:r>
-          </a:p>
-          <a:p>
-            <a:r>
-              <a:rPr lang="sv-SE" dirty="0"/>
-              <a:t>Tillämpningar som görs med andra modeller</a:t>
-            </a:r>
-          </a:p>
-          <a:p>
-            <a:pPr lvl="1"/>
-            <a:r>
-              <a:rPr lang="sv-SE" dirty="0"/>
-              <a:t>Reinforcement learning, GANS</a:t>
-            </a:r>
-          </a:p>
-          <a:p>
-            <a:r>
-              <a:rPr lang="sv-SE" dirty="0"/>
-              <a:t>Om intresse finns får de bli en egen dragning.</a:t>
-            </a:r>
+            <a:pPr marL="0" indent="0">
+              <a:buNone/>
+            </a:pPr>
+            <a:r>
+              <a:rPr lang="sv-SE" dirty="0"/>
+              <a:t>ARBETSBESKRIVNING</a:t>
+            </a:r>
+          </a:p>
+          <a:p>
+            <a:pPr marL="0" indent="0">
+              <a:buNone/>
+            </a:pPr>
+            <a:r>
+              <a:rPr lang="sv-SE" dirty="0"/>
+              <a:t>Du kommer att arbeta med att introducera och utveckla arbetet med behovsanalyser och kapacitetsplanering i landstinget.</a:t>
+            </a:r>
+          </a:p>
+          <a:p>
+            <a:pPr marL="0" indent="0">
+              <a:buNone/>
+            </a:pPr>
+            <a:r>
+              <a:rPr lang="sv-SE" dirty="0"/>
+              <a:t>Arbetet innefattar hela kedjan från behovsanalys till uppföljning. </a:t>
+            </a:r>
+          </a:p>
+          <a:p>
+            <a:pPr marL="0" indent="0">
+              <a:buNone/>
+            </a:pPr>
+            <a:r>
+              <a:rPr lang="sv-SE" dirty="0"/>
+              <a:t>Du kommer i ditt arbete att få en unik förståelse för hur sjukvårdssystemet hänger ihop - ett system som är överraskande komplext. Syftet är att öka sannolikheten för att vi ger våra patienter rätt vård i rätt tid. </a:t>
+            </a:r>
+          </a:p>
+          <a:p>
+            <a:r>
+              <a:rPr lang="sv-SE" dirty="0"/>
+              <a:t>Exempel på konkreta arbetsuppgifter: </a:t>
+            </a:r>
+          </a:p>
+          <a:p>
+            <a:r>
+              <a:rPr lang="sv-SE" dirty="0"/>
+              <a:t>- behovsanalys av vårdplatser och operationsutrymme </a:t>
+            </a:r>
+          </a:p>
+          <a:p>
+            <a:r>
+              <a:rPr lang="sv-SE" dirty="0"/>
+              <a:t>- väntetidsberäkningar och ledtidsanalyser </a:t>
+            </a:r>
+          </a:p>
+          <a:p>
+            <a:r>
+              <a:rPr lang="sv-SE" dirty="0"/>
+              <a:t>- riskanalyser </a:t>
+            </a:r>
+          </a:p>
+          <a:p>
+            <a:r>
+              <a:rPr lang="sv-SE" dirty="0"/>
+              <a:t>- schemaoptimeringar </a:t>
+            </a:r>
+          </a:p>
+          <a:p>
+            <a:pPr marL="0" indent="0">
+              <a:buNone/>
+            </a:pPr>
+            <a:r>
+              <a:rPr lang="sv-SE" dirty="0"/>
+              <a:t>Som analytiker är du en del av den växande Analysavdelningen, som är en stabsfunktion till landstingsdirektören. Vi gör komplexa och omfattande analyser, ofta på en </a:t>
+            </a:r>
+            <a:r>
+              <a:rPr lang="sv-SE" dirty="0" err="1"/>
+              <a:t>landstingsövergipande</a:t>
+            </a:r>
+            <a:r>
+              <a:rPr lang="sv-SE" dirty="0"/>
+              <a:t> nivå. </a:t>
+            </a:r>
+          </a:p>
+          <a:p>
+            <a:pPr marL="0" indent="0">
+              <a:buNone/>
+            </a:pPr>
+            <a:r>
+              <a:rPr lang="sv-SE" dirty="0"/>
+              <a:t>På Analysavdelningen lägger vi stor vikt vid intern kompetensutveckling och strukturerad kunskapsöverföring. Med hjälp av varandra vill vi bli skickligare i vårt yrke! </a:t>
+            </a:r>
+          </a:p>
+          <a:p>
+            <a:pPr marL="0" indent="0">
+              <a:buNone/>
+            </a:pPr>
+            <a:r>
+              <a:rPr lang="sv-SE" dirty="0"/>
+              <a:t>Vi har en varierande utbildningsbakgrund på avdelningen och yrkeserfarenhet från såväl forskning, konsultverksamhet och industri som hälso- och sjukvård.</a:t>
+            </a:r>
+          </a:p>
+          <a:p>
+            <a:endParaRPr lang="sv-SE" dirty="0"/>
+          </a:p>
+          <a:p>
+            <a:endParaRPr lang="sv-SE" dirty="0"/>
+          </a:p>
+        </p:txBody>
+      </p:sp>
+      <p:sp>
+        <p:nvSpPr>
+          <p:cNvPr id="5" name="Content Placeholder 2">
+            <a:extLst>
+              <a:ext uri="{FF2B5EF4-FFF2-40B4-BE49-F238E27FC236}">
+                <a16:creationId xmlns:a16="http://schemas.microsoft.com/office/drawing/2014/main" id="{89DF7EA3-4298-4578-AE56-925D79E337A5}"/>
+              </a:ext>
+            </a:extLst>
+          </p:cNvPr>
+          <p:cNvSpPr txBox="1">
+            <a:spLocks/>
+          </p:cNvSpPr>
+          <p:nvPr/>
+        </p:nvSpPr>
+        <p:spPr>
+          <a:xfrm>
+            <a:off x="6606075" y="1483567"/>
+            <a:ext cx="5982478" cy="4693396"/>
+          </a:xfrm>
+          <a:prstGeom prst="rect">
+            <a:avLst/>
+          </a:prstGeom>
+        </p:spPr>
+        <p:txBody>
+          <a:bodyPr vert="horz" lIns="91440" tIns="45720" rIns="91440" bIns="45720" rtlCol="0">
+            <a:normAutofit fontScale="55000" lnSpcReduction="20000"/>
+          </a:bodyPr>
+          <a:lstStyle>
+            <a:lvl1pPr marL="228600" indent="-228600" algn="l" defTabSz="914400" rtl="0" eaLnBrk="1" latinLnBrk="0" hangingPunct="1">
+              <a:lnSpc>
+                <a:spcPct val="90000"/>
+              </a:lnSpc>
+              <a:spcBef>
+                <a:spcPts val="1000"/>
+              </a:spcBef>
+              <a:buFont typeface="Arial" panose="020B0604020202020204" pitchFamily="34" charset="0"/>
+              <a:buChar char="•"/>
+              <a:defRPr sz="2800" kern="1200">
+                <a:solidFill>
+                  <a:schemeClr val="tx1"/>
+                </a:solidFill>
+                <a:latin typeface="+mn-lt"/>
+                <a:ea typeface="+mn-ea"/>
+                <a:cs typeface="+mn-cs"/>
+              </a:defRPr>
+            </a:lvl1pPr>
+            <a:lvl2pPr marL="685800" indent="-228600" algn="l" defTabSz="914400" rtl="0" eaLnBrk="1" latinLnBrk="0" hangingPunct="1">
+              <a:lnSpc>
+                <a:spcPct val="90000"/>
+              </a:lnSpc>
+              <a:spcBef>
+                <a:spcPts val="500"/>
+              </a:spcBef>
+              <a:buFont typeface="Arial" panose="020B0604020202020204" pitchFamily="34" charset="0"/>
+              <a:buChar char="•"/>
+              <a:defRPr sz="2400" kern="1200">
+                <a:solidFill>
+                  <a:schemeClr val="tx1"/>
+                </a:solidFill>
+                <a:latin typeface="+mn-lt"/>
+                <a:ea typeface="+mn-ea"/>
+                <a:cs typeface="+mn-cs"/>
+              </a:defRPr>
+            </a:lvl2pPr>
+            <a:lvl3pPr marL="1143000" indent="-228600" algn="l" defTabSz="914400" rtl="0" eaLnBrk="1" latinLnBrk="0" hangingPunct="1">
+              <a:lnSpc>
+                <a:spcPct val="90000"/>
+              </a:lnSpc>
+              <a:spcBef>
+                <a:spcPts val="500"/>
+              </a:spcBef>
+              <a:buFont typeface="Arial" panose="020B0604020202020204" pitchFamily="34" charset="0"/>
+              <a:buChar char="•"/>
+              <a:defRPr sz="2000" kern="1200">
+                <a:solidFill>
+                  <a:schemeClr val="tx1"/>
+                </a:solidFill>
+                <a:latin typeface="+mn-lt"/>
+                <a:ea typeface="+mn-ea"/>
+                <a:cs typeface="+mn-cs"/>
+              </a:defRPr>
+            </a:lvl3pPr>
+            <a:lvl4pPr marL="1600200" indent="-228600" algn="l" defTabSz="914400" rtl="0" eaLnBrk="1" latinLnBrk="0" hangingPunct="1">
+              <a:lnSpc>
+                <a:spcPct val="90000"/>
+              </a:lnSpc>
+              <a:spcBef>
+                <a:spcPts val="500"/>
+              </a:spcBef>
+              <a:buFont typeface="Arial" panose="020B0604020202020204" pitchFamily="34" charset="0"/>
+              <a:buChar char="•"/>
+              <a:defRPr sz="1800" kern="1200">
+                <a:solidFill>
+                  <a:schemeClr val="tx1"/>
+                </a:solidFill>
+                <a:latin typeface="+mn-lt"/>
+                <a:ea typeface="+mn-ea"/>
+                <a:cs typeface="+mn-cs"/>
+              </a:defRPr>
+            </a:lvl4pPr>
+            <a:lvl5pPr marL="2057400" indent="-228600" algn="l" defTabSz="914400" rtl="0" eaLnBrk="1" latinLnBrk="0" hangingPunct="1">
+              <a:lnSpc>
+                <a:spcPct val="90000"/>
+              </a:lnSpc>
+              <a:spcBef>
+                <a:spcPts val="500"/>
+              </a:spcBef>
+              <a:buFont typeface="Arial" panose="020B0604020202020204" pitchFamily="34" charset="0"/>
+              <a:buChar char="•"/>
+              <a:defRPr sz="1800" kern="1200">
+                <a:solidFill>
+                  <a:schemeClr val="tx1"/>
+                </a:solidFill>
+                <a:latin typeface="+mn-lt"/>
+                <a:ea typeface="+mn-ea"/>
+                <a:cs typeface="+mn-cs"/>
+              </a:defRPr>
+            </a:lvl5pPr>
+            <a:lvl6pPr marL="2514600" indent="-228600" algn="l" defTabSz="914400" rtl="0" eaLnBrk="1" latinLnBrk="0" hangingPunct="1">
+              <a:lnSpc>
+                <a:spcPct val="90000"/>
+              </a:lnSpc>
+              <a:spcBef>
+                <a:spcPts val="500"/>
+              </a:spcBef>
+              <a:buFont typeface="Arial" panose="020B0604020202020204" pitchFamily="34" charset="0"/>
+              <a:buChar char="•"/>
+              <a:defRPr sz="1800" kern="1200">
+                <a:solidFill>
+                  <a:schemeClr val="tx1"/>
+                </a:solidFill>
+                <a:latin typeface="+mn-lt"/>
+                <a:ea typeface="+mn-ea"/>
+                <a:cs typeface="+mn-cs"/>
+              </a:defRPr>
+            </a:lvl6pPr>
+            <a:lvl7pPr marL="2971800" indent="-228600" algn="l" defTabSz="914400" rtl="0" eaLnBrk="1" latinLnBrk="0" hangingPunct="1">
+              <a:lnSpc>
+                <a:spcPct val="90000"/>
+              </a:lnSpc>
+              <a:spcBef>
+                <a:spcPts val="500"/>
+              </a:spcBef>
+              <a:buFont typeface="Arial" panose="020B0604020202020204" pitchFamily="34" charset="0"/>
+              <a:buChar char="•"/>
+              <a:defRPr sz="1800" kern="1200">
+                <a:solidFill>
+                  <a:schemeClr val="tx1"/>
+                </a:solidFill>
+                <a:latin typeface="+mn-lt"/>
+                <a:ea typeface="+mn-ea"/>
+                <a:cs typeface="+mn-cs"/>
+              </a:defRPr>
+            </a:lvl7pPr>
+            <a:lvl8pPr marL="3429000" indent="-228600" algn="l" defTabSz="914400" rtl="0" eaLnBrk="1" latinLnBrk="0" hangingPunct="1">
+              <a:lnSpc>
+                <a:spcPct val="90000"/>
+              </a:lnSpc>
+              <a:spcBef>
+                <a:spcPts val="500"/>
+              </a:spcBef>
+              <a:buFont typeface="Arial" panose="020B0604020202020204" pitchFamily="34" charset="0"/>
+              <a:buChar char="•"/>
+              <a:defRPr sz="1800" kern="1200">
+                <a:solidFill>
+                  <a:schemeClr val="tx1"/>
+                </a:solidFill>
+                <a:latin typeface="+mn-lt"/>
+                <a:ea typeface="+mn-ea"/>
+                <a:cs typeface="+mn-cs"/>
+              </a:defRPr>
+            </a:lvl8pPr>
+            <a:lvl9pPr marL="3886200" indent="-228600" algn="l" defTabSz="914400" rtl="0" eaLnBrk="1" latinLnBrk="0" hangingPunct="1">
+              <a:lnSpc>
+                <a:spcPct val="90000"/>
+              </a:lnSpc>
+              <a:spcBef>
+                <a:spcPts val="500"/>
+              </a:spcBef>
+              <a:buFont typeface="Arial" panose="020B0604020202020204" pitchFamily="34" charset="0"/>
+              <a:buChar char="•"/>
+              <a:defRPr sz="1800" kern="1200">
+                <a:solidFill>
+                  <a:schemeClr val="tx1"/>
+                </a:solidFill>
+                <a:latin typeface="+mn-lt"/>
+                <a:ea typeface="+mn-ea"/>
+                <a:cs typeface="+mn-cs"/>
+              </a:defRPr>
+            </a:lvl9pPr>
+          </a:lstStyle>
+          <a:p>
+            <a:r>
+              <a:rPr lang="sv-SE" dirty="0"/>
+              <a:t>KVALIFIKATIONER</a:t>
+            </a:r>
+          </a:p>
+          <a:p>
+            <a:r>
+              <a:rPr lang="sv-SE" dirty="0"/>
+              <a:t>Vi söker dig som har </a:t>
+            </a:r>
+          </a:p>
+          <a:p>
+            <a:r>
+              <a:rPr lang="sv-SE" dirty="0"/>
+              <a:t>- mycket god förmåga att analysera komplexa frågeställningar </a:t>
+            </a:r>
+          </a:p>
+          <a:p>
+            <a:r>
+              <a:rPr lang="sv-SE" dirty="0"/>
+              <a:t>- förmåga att på ett pedagogiskt sätt - muntligt och skriftligt - kommunicera dina resultat </a:t>
+            </a:r>
+          </a:p>
+          <a:p>
+            <a:r>
+              <a:rPr lang="sv-SE" dirty="0"/>
+              <a:t>- kunskap inom statistik </a:t>
+            </a:r>
+          </a:p>
+          <a:p>
+            <a:r>
+              <a:rPr lang="sv-SE" dirty="0"/>
+              <a:t>- kunskap inom optimeringslära och </a:t>
+            </a:r>
+            <a:r>
+              <a:rPr lang="sv-SE" dirty="0" err="1"/>
+              <a:t>köteori</a:t>
+            </a:r>
+            <a:r>
+              <a:rPr lang="sv-SE" dirty="0"/>
+              <a:t> </a:t>
+            </a:r>
+          </a:p>
+          <a:p>
+            <a:r>
+              <a:rPr lang="sv-SE" dirty="0"/>
+              <a:t>- praktisk erfarenhet med statistik- och visualiseringsverktyg (R, SPSS; Power-</a:t>
+            </a:r>
+            <a:r>
+              <a:rPr lang="sv-SE" dirty="0" err="1"/>
+              <a:t>Bl</a:t>
+            </a:r>
+            <a:r>
+              <a:rPr lang="sv-SE" dirty="0"/>
+              <a:t> och Excel) </a:t>
+            </a:r>
+          </a:p>
+          <a:p>
+            <a:r>
+              <a:rPr lang="sv-SE" dirty="0"/>
+              <a:t>- erfarenhet av process- och flödeskartläggningar </a:t>
+            </a:r>
+          </a:p>
+          <a:p>
+            <a:pPr marL="0" indent="0">
+              <a:buNone/>
+            </a:pPr>
+            <a:endParaRPr lang="sv-SE" dirty="0"/>
+          </a:p>
+          <a:p>
+            <a:r>
+              <a:rPr lang="sv-SE" dirty="0"/>
+              <a:t>Meriterande: </a:t>
+            </a:r>
+          </a:p>
+          <a:p>
+            <a:r>
+              <a:rPr lang="sv-SE" dirty="0"/>
+              <a:t>- kunskaper inom SQL och R/</a:t>
+            </a:r>
+            <a:r>
+              <a:rPr lang="sv-SE" dirty="0" err="1"/>
+              <a:t>Python</a:t>
+            </a:r>
+            <a:r>
+              <a:rPr lang="sv-SE" dirty="0"/>
+              <a:t> eller liknande </a:t>
+            </a:r>
+          </a:p>
+          <a:p>
+            <a:r>
+              <a:rPr lang="sv-SE" dirty="0"/>
+              <a:t>- kunskaper inom simulering </a:t>
+            </a:r>
+          </a:p>
+          <a:p>
+            <a:r>
+              <a:rPr lang="sv-SE" dirty="0"/>
+              <a:t>- forskarutbildning </a:t>
+            </a:r>
+          </a:p>
+          <a:p>
+            <a:r>
+              <a:rPr lang="sv-SE" dirty="0"/>
+              <a:t>- kompetens inom produktions/kapacitets- och schemaplanering </a:t>
+            </a:r>
+          </a:p>
+          <a:p>
+            <a:r>
+              <a:rPr lang="sv-SE" dirty="0"/>
+              <a:t>- erfarenhet av liknande arbete i hälso- och sjukvård </a:t>
+            </a:r>
+          </a:p>
+          <a:p>
+            <a:endParaRPr lang="sv-SE" dirty="0"/>
           </a:p>
         </p:txBody>
       </p:sp>
     </p:spTree>
     <p:extLst>
       <p:ext uri="{BB962C8B-B14F-4D97-AF65-F5344CB8AC3E}">
-        <p14:creationId xmlns:p14="http://schemas.microsoft.com/office/powerpoint/2010/main" val="2838380566"/>
+        <p14:creationId xmlns:p14="http://schemas.microsoft.com/office/powerpoint/2010/main" val="1080385060"/>
       </p:ext>
     </p:extLst>
   </p:cSld>
@@ -4144,7 +6357,7 @@
           <p:cNvPr id="2" name="Title 1">
             <a:extLst>
               <a:ext uri="{FF2B5EF4-FFF2-40B4-BE49-F238E27FC236}">
-                <a16:creationId xmlns:a16="http://schemas.microsoft.com/office/drawing/2014/main" id="{37E689B6-4C0C-43B0-BE54-63210DCD7EEC}"/>
+                <a16:creationId xmlns:a16="http://schemas.microsoft.com/office/drawing/2014/main" id="{2BCAFB98-94CC-4285-94E8-AAE5D70413F8}"/>
               </a:ext>
             </a:extLst>
           </p:cNvPr>
@@ -4162,119 +6375,164 @@
           <a:p>
             <a:r>
               <a:rPr lang="sv-SE" dirty="0"/>
-              <a:t>Prediktioner</a:t>
-            </a:r>
-          </a:p>
-        </p:txBody>
-      </p:sp>
-      <p:sp>
-        <p:nvSpPr>
-          <p:cNvPr id="3" name="Content Placeholder 2">
-            <a:extLst>
-              <a:ext uri="{FF2B5EF4-FFF2-40B4-BE49-F238E27FC236}">
-                <a16:creationId xmlns:a16="http://schemas.microsoft.com/office/drawing/2014/main" id="{B6B62BD6-0CA9-4AB6-BFA1-3AD053B2C8E1}"/>
-              </a:ext>
-            </a:extLst>
-          </p:cNvPr>
-          <p:cNvSpPr>
-            <a:spLocks noGrp="1"/>
-          </p:cNvSpPr>
-          <p:nvPr>
-            <p:ph idx="1"/>
-          </p:nvPr>
-        </p:nvSpPr>
-        <p:spPr/>
-        <p:txBody>
-          <a:bodyPr/>
-          <a:lstStyle/>
-          <a:p>
-            <a:r>
-              <a:rPr lang="sv-SE" dirty="0"/>
-              <a:t>Supervised learning – modellen tränas med exempel där facit finns, för att sen kunna göra en prediction på exempel där inte facit finns</a:t>
-            </a:r>
-          </a:p>
-          <a:p>
-            <a:r>
-              <a:rPr lang="sv-SE" dirty="0"/>
-              <a:t>Visa modell i machine learning studio – ärende tid. Ställ ut webservice.</a:t>
-            </a:r>
-          </a:p>
-          <a:p>
-            <a:r>
-              <a:rPr lang="sv-SE" dirty="0"/>
-              <a:t>Visa även någon matlab – grej.</a:t>
-            </a:r>
-          </a:p>
-          <a:p>
-            <a:pPr lvl="1"/>
-            <a:endParaRPr lang="sv-SE" dirty="0"/>
+              <a:t>Olika typer av effekter</a:t>
+            </a:r>
           </a:p>
         </p:txBody>
       </p:sp>
       <p:pic>
         <p:nvPicPr>
-          <p:cNvPr id="4" name="Picture 3">
-            <a:extLst>
-              <a:ext uri="{FF2B5EF4-FFF2-40B4-BE49-F238E27FC236}">
-                <a16:creationId xmlns:a16="http://schemas.microsoft.com/office/drawing/2014/main" id="{C3F0AA92-92D0-4030-ABED-A8E51853B93C}"/>
+          <p:cNvPr id="6146" name="Picture 2" descr="https://www.oreilly.com/library/view/agile-data-science/9781491960103/assets/ags2_0102.png">
+            <a:extLst>
+              <a:ext uri="{FF2B5EF4-FFF2-40B4-BE49-F238E27FC236}">
+                <a16:creationId xmlns:a16="http://schemas.microsoft.com/office/drawing/2014/main" id="{8E1DA105-58E4-4493-A5D3-BEF5C6A271B9}"/>
               </a:ext>
             </a:extLst>
           </p:cNvPr>
           <p:cNvPicPr>
-            <a:picLocks noChangeAspect="1"/>
+            <a:picLocks noGrp="1" noChangeAspect="1" noChangeArrowheads="1"/>
           </p:cNvPicPr>
-          <p:nvPr/>
+          <p:nvPr>
+            <p:ph idx="1"/>
+          </p:nvPr>
         </p:nvPicPr>
         <p:blipFill>
-          <a:blip r:embed="rId2"/>
+          <a:blip r:embed="rId2">
+            <a:extLst>
+              <a:ext uri="{28A0092B-C50C-407E-A947-70E740481C1C}">
+                <a14:useLocalDpi xmlns:a14="http://schemas.microsoft.com/office/drawing/2010/main" val="0"/>
+              </a:ext>
+            </a:extLst>
+          </a:blip>
+          <a:srcRect/>
           <a:stretch>
             <a:fillRect/>
           </a:stretch>
         </p:blipFill>
+        <p:spPr bwMode="auto">
+          <a:xfrm>
+            <a:off x="951802" y="2094289"/>
+            <a:ext cx="5262386" cy="3807620"/>
+          </a:xfrm>
+          <a:prstGeom prst="rect">
+            <a:avLst/>
+          </a:prstGeom>
+          <a:noFill/>
+          <a:extLst>
+            <a:ext uri="{909E8E84-426E-40DD-AFC4-6F175D3DCCD1}">
+              <a14:hiddenFill xmlns:a14="http://schemas.microsoft.com/office/drawing/2010/main">
+                <a:solidFill>
+                  <a:srgbClr val="FFFFFF"/>
+                </a:solidFill>
+              </a14:hiddenFill>
+            </a:ext>
+          </a:extLst>
+        </p:spPr>
+      </p:pic>
+      <p:sp>
+        <p:nvSpPr>
+          <p:cNvPr id="4" name="Rectangle 3">
+            <a:extLst>
+              <a:ext uri="{FF2B5EF4-FFF2-40B4-BE49-F238E27FC236}">
+                <a16:creationId xmlns:a16="http://schemas.microsoft.com/office/drawing/2014/main" id="{8BA44380-D65A-408E-8B01-115FBDD888FE}"/>
+              </a:ext>
+            </a:extLst>
+          </p:cNvPr>
+          <p:cNvSpPr/>
+          <p:nvPr/>
+        </p:nvSpPr>
         <p:spPr>
           <a:xfrm>
-            <a:off x="906295" y="3140562"/>
-            <a:ext cx="5512690" cy="2957329"/>
+            <a:off x="6400801" y="1838131"/>
+            <a:ext cx="4310743" cy="4138423"/>
           </a:xfrm>
           <a:prstGeom prst="rect">
             <a:avLst/>
           </a:prstGeom>
         </p:spPr>
-      </p:pic>
-      <p:pic>
-        <p:nvPicPr>
-          <p:cNvPr id="5" name="Picture 4">
-            <a:extLst>
-              <a:ext uri="{FF2B5EF4-FFF2-40B4-BE49-F238E27FC236}">
-                <a16:creationId xmlns:a16="http://schemas.microsoft.com/office/drawing/2014/main" id="{A4CFAB9D-2669-47D5-A87A-359C7F27344B}"/>
-              </a:ext>
-            </a:extLst>
-          </p:cNvPr>
-          <p:cNvPicPr>
-            <a:picLocks noChangeAspect="1"/>
-          </p:cNvPicPr>
-          <p:nvPr/>
-        </p:nvPicPr>
-        <p:blipFill>
-          <a:blip r:embed="rId3"/>
-          <a:stretch>
-            <a:fillRect/>
-          </a:stretch>
-        </p:blipFill>
-        <p:spPr>
-          <a:xfrm>
-            <a:off x="6487080" y="3140563"/>
-            <a:ext cx="5512691" cy="2957329"/>
-          </a:xfrm>
-          <a:prstGeom prst="rect">
-            <a:avLst/>
-          </a:prstGeom>
-        </p:spPr>
-      </p:pic>
+        <p:style>
+          <a:lnRef idx="2">
+            <a:schemeClr val="accent1">
+              <a:shade val="50000"/>
+            </a:schemeClr>
+          </a:lnRef>
+          <a:fillRef idx="1">
+            <a:schemeClr val="accent1"/>
+          </a:fillRef>
+          <a:effectRef idx="0">
+            <a:schemeClr val="accent1"/>
+          </a:effectRef>
+          <a:fontRef idx="minor">
+            <a:schemeClr val="lt1"/>
+          </a:fontRef>
+        </p:style>
+        <p:txBody>
+          <a:bodyPr rtlCol="0" anchor="ctr"/>
+          <a:lstStyle/>
+          <a:p>
+            <a:pPr algn="ctr"/>
+            <a:endParaRPr lang="sv-SE" dirty="0"/>
+          </a:p>
+          <a:p>
+            <a:pPr algn="ctr"/>
+            <a:endParaRPr lang="sv-SE" dirty="0"/>
+          </a:p>
+          <a:p>
+            <a:pPr algn="ctr"/>
+            <a:endParaRPr lang="sv-SE" dirty="0"/>
+          </a:p>
+          <a:p>
+            <a:pPr algn="ctr"/>
+            <a:endParaRPr lang="sv-SE" dirty="0"/>
+          </a:p>
+          <a:p>
+            <a:pPr algn="ctr"/>
+            <a:endParaRPr lang="sv-SE" dirty="0"/>
+          </a:p>
+          <a:p>
+            <a:pPr algn="ctr"/>
+            <a:r>
+              <a:rPr lang="sv-SE" b="1" dirty="0" err="1"/>
+              <a:t>Preskriptiv</a:t>
+            </a:r>
+            <a:endParaRPr lang="sv-SE" dirty="0"/>
+          </a:p>
+          <a:p>
+            <a:pPr algn="ctr"/>
+            <a:endParaRPr lang="sv-SE" dirty="0"/>
+          </a:p>
+          <a:p>
+            <a:pPr algn="ctr"/>
+            <a:r>
+              <a:rPr lang="sv-SE" b="1" dirty="0"/>
+              <a:t>Prediktiv</a:t>
+            </a:r>
+            <a:r>
+              <a:rPr lang="sv-SE" dirty="0"/>
+              <a:t> </a:t>
+            </a:r>
+          </a:p>
+          <a:p>
+            <a:pPr algn="ctr"/>
+            <a:endParaRPr lang="sv-SE" dirty="0"/>
+          </a:p>
+          <a:p>
+            <a:pPr algn="ctr"/>
+            <a:r>
+              <a:rPr lang="sv-SE" b="1" dirty="0"/>
+              <a:t>Deskriptiv</a:t>
+            </a:r>
+          </a:p>
+          <a:p>
+            <a:pPr algn="ctr"/>
+            <a:endParaRPr lang="sv-SE" dirty="0"/>
+          </a:p>
+        </p:txBody>
+      </p:sp>
     </p:spTree>
     <p:extLst>
       <p:ext uri="{BB962C8B-B14F-4D97-AF65-F5344CB8AC3E}">
-        <p14:creationId xmlns:p14="http://schemas.microsoft.com/office/powerpoint/2010/main" val="960228161"/>
+        <p14:creationId xmlns:p14="http://schemas.microsoft.com/office/powerpoint/2010/main" val="2674514818"/>
       </p:ext>
     </p:extLst>
   </p:cSld>
@@ -4306,7 +6564,7 @@
           <p:cNvPr id="2" name="Title 1">
             <a:extLst>
               <a:ext uri="{FF2B5EF4-FFF2-40B4-BE49-F238E27FC236}">
-                <a16:creationId xmlns:a16="http://schemas.microsoft.com/office/drawing/2014/main" id="{CE7B4CE7-10F3-49DF-8ECA-C257843282DD}"/>
+                <a16:creationId xmlns:a16="http://schemas.microsoft.com/office/drawing/2014/main" id="{3D55DD1D-87B3-49E6-9BF0-7AC58A79424F}"/>
               </a:ext>
             </a:extLst>
           </p:cNvPr>
@@ -4324,17 +6582,17 @@
           <a:p>
             <a:r>
               <a:rPr lang="sv-SE" dirty="0"/>
-              <a:t>ärenden</a:t>
-            </a:r>
-          </a:p>
-        </p:txBody>
-      </p:sp>
-      <p:sp>
-        <p:nvSpPr>
-          <p:cNvPr id="3" name="Content Placeholder 2">
-            <a:extLst>
-              <a:ext uri="{FF2B5EF4-FFF2-40B4-BE49-F238E27FC236}">
-                <a16:creationId xmlns:a16="http://schemas.microsoft.com/office/drawing/2014/main" id="{7662E483-FA0A-41FA-912B-96D208032B44}"/>
+              <a:t>Data Science</a:t>
+            </a:r>
+          </a:p>
+        </p:txBody>
+      </p:sp>
+      <p:sp>
+        <p:nvSpPr>
+          <p:cNvPr id="7" name="Content Placeholder 6">
+            <a:extLst>
+              <a:ext uri="{FF2B5EF4-FFF2-40B4-BE49-F238E27FC236}">
+                <a16:creationId xmlns:a16="http://schemas.microsoft.com/office/drawing/2014/main" id="{BD9F10B4-81FA-490E-B5FB-157D1538651B}"/>
               </a:ext>
             </a:extLst>
           </p:cNvPr>
@@ -4347,44 +6605,139 @@
         </p:nvSpPr>
         <p:spPr/>
         <p:txBody>
-          <a:bodyPr/>
+          <a:bodyPr>
+            <a:normAutofit fontScale="92500" lnSpcReduction="10000"/>
+          </a:bodyPr>
           <a:lstStyle/>
           <a:p>
             <a:r>
               <a:rPr lang="sv-SE" dirty="0"/>
-              <a:t>Proaktivt minska valideringstid för 7,5% ärenden</a:t>
-            </a:r>
-          </a:p>
-          <a:p>
-            <a:r>
-              <a:rPr lang="sv-SE" dirty="0"/>
-              <a:t>Precision: 71 % av dessa 7,5% är det befogat att för försöka minska valideringstiden</a:t>
-            </a:r>
-          </a:p>
-          <a:p>
-            <a:r>
-              <a:rPr lang="sv-SE" dirty="0"/>
-              <a:t>Recall: 68% av ärenden där lång validerings tid händer fångas med den här modellen</a:t>
-            </a:r>
-          </a:p>
-          <a:p>
-            <a:r>
-              <a:rPr lang="sv-SE" dirty="0"/>
-              <a:t>Skulle behöva mer och bättre data för göra en robust modell. Precision höjts med stratification</a:t>
-            </a:r>
-          </a:p>
-          <a:p>
-            <a:r>
-              <a:rPr lang="sv-SE" dirty="0"/>
-              <a:t>Human level accuracy</a:t>
-            </a:r>
+              <a:t>Formulera och svara på en fråga med hjälp av både statistiska kunskaper  och it-praktiker (</a:t>
+            </a:r>
+            <a:r>
+              <a:rPr lang="sv-SE" dirty="0" err="1"/>
+              <a:t>machine</a:t>
+            </a:r>
+            <a:r>
+              <a:rPr lang="sv-SE" dirty="0"/>
+              <a:t> </a:t>
+            </a:r>
+            <a:r>
+              <a:rPr lang="sv-SE" dirty="0" err="1"/>
+              <a:t>learning</a:t>
+            </a:r>
+            <a:r>
+              <a:rPr lang="sv-SE" dirty="0"/>
+              <a:t>, programmering, databaser </a:t>
+            </a:r>
+            <a:r>
+              <a:rPr lang="sv-SE" dirty="0" err="1"/>
+              <a:t>etc</a:t>
+            </a:r>
+            <a:r>
+              <a:rPr lang="sv-SE" dirty="0"/>
+              <a:t>), samlat i en process</a:t>
+            </a:r>
+          </a:p>
+          <a:p>
+            <a:r>
+              <a:rPr lang="sv-SE" dirty="0"/>
+              <a:t>Slutresultat behöver inte bli någon som produktionsätts, kan bli en rapport, en rekommendation eller ett svar på en fråga</a:t>
+            </a:r>
+          </a:p>
+          <a:p>
+            <a:r>
+              <a:rPr lang="sv-SE" dirty="0"/>
+              <a:t>Olika typer av frågor: </a:t>
+            </a:r>
+            <a:r>
+              <a:rPr lang="sv-SE" dirty="0" err="1"/>
+              <a:t>Predict</a:t>
+            </a:r>
+            <a:r>
+              <a:rPr lang="sv-SE" dirty="0"/>
+              <a:t> / </a:t>
+            </a:r>
+            <a:r>
+              <a:rPr lang="sv-SE" dirty="0" err="1"/>
+              <a:t>explain</a:t>
+            </a:r>
+            <a:endParaRPr lang="sv-SE" dirty="0"/>
+          </a:p>
+          <a:p>
+            <a:pPr lvl="1"/>
+            <a:r>
+              <a:rPr lang="sv-SE" dirty="0"/>
+              <a:t>Prognos på operationstid - Öka effektivitet i planering av operationer</a:t>
+            </a:r>
+          </a:p>
+          <a:p>
+            <a:pPr lvl="2"/>
+            <a:r>
+              <a:rPr lang="sv-SE" dirty="0" err="1"/>
+              <a:t>Machine</a:t>
+            </a:r>
+            <a:r>
+              <a:rPr lang="sv-SE" dirty="0"/>
+              <a:t> </a:t>
+            </a:r>
+            <a:r>
+              <a:rPr lang="sv-SE" dirty="0" err="1"/>
+              <a:t>learning</a:t>
+            </a:r>
+            <a:r>
+              <a:rPr lang="sv-SE" dirty="0"/>
+              <a:t> modeller kan vara så komplexa att det inte går att förstå hur de kommer fram till sitt resultat (det går dock att testa hur känslig modellen är för ändringar i input)</a:t>
+            </a:r>
+          </a:p>
+          <a:p>
+            <a:pPr lvl="2"/>
+            <a:r>
+              <a:rPr lang="sv-SE" dirty="0"/>
+              <a:t>Fokus på att säkerställa att prognoserna är korrekta och har god noggrannhet.</a:t>
+            </a:r>
+          </a:p>
+          <a:p>
+            <a:pPr lvl="1"/>
+            <a:r>
+              <a:rPr lang="sv-SE" dirty="0"/>
+              <a:t>Orsak till operationstid - Åtgärder för att minska operationstid</a:t>
+            </a:r>
+          </a:p>
+          <a:p>
+            <a:pPr lvl="2"/>
+            <a:r>
+              <a:rPr lang="sv-SE" dirty="0"/>
+              <a:t>Modell som visar orsak till utfall, som täcker hela processen, hur har </a:t>
+            </a:r>
+            <a:r>
+              <a:rPr lang="sv-SE" dirty="0" err="1"/>
+              <a:t>datat</a:t>
+            </a:r>
+            <a:r>
+              <a:rPr lang="sv-SE" dirty="0"/>
+              <a:t> kommer till</a:t>
+            </a:r>
+          </a:p>
+          <a:p>
+            <a:pPr lvl="2"/>
+            <a:r>
+              <a:rPr lang="sv-SE" dirty="0"/>
+              <a:t>Kan ersätta experiment där sådana inte går att göra p g a för dyrt, inte etiskt mm</a:t>
+            </a:r>
+          </a:p>
+          <a:p>
+            <a:pPr marL="457200" lvl="1" indent="0">
+              <a:buNone/>
+            </a:pPr>
+            <a:endParaRPr lang="sv-SE" dirty="0"/>
           </a:p>
         </p:txBody>
       </p:sp>
     </p:spTree>
     <p:extLst>
       <p:ext uri="{BB962C8B-B14F-4D97-AF65-F5344CB8AC3E}">
-        <p14:creationId xmlns:p14="http://schemas.microsoft.com/office/powerpoint/2010/main" val="660857536"/>
+        <p14:creationId xmlns:p14="http://schemas.microsoft.com/office/powerpoint/2010/main" val="3272953878"/>
       </p:ext>
     </p:extLst>
   </p:cSld>
@@ -4416,7 +6769,7 @@
           <p:cNvPr id="2" name="Title 1">
             <a:extLst>
               <a:ext uri="{FF2B5EF4-FFF2-40B4-BE49-F238E27FC236}">
-                <a16:creationId xmlns:a16="http://schemas.microsoft.com/office/drawing/2014/main" id="{10F24C6F-5998-4A22-B2E7-D2A5CD12BCE9}"/>
+                <a16:creationId xmlns:a16="http://schemas.microsoft.com/office/drawing/2014/main" id="{771A283E-3DFE-4C6A-B7A5-5B75827A2BCE}"/>
               </a:ext>
             </a:extLst>
           </p:cNvPr>
@@ -4434,65 +6787,64 @@
           <a:p>
             <a:r>
               <a:rPr lang="sv-SE" dirty="0"/>
-              <a:t>testa</a:t>
-            </a:r>
-          </a:p>
-        </p:txBody>
-      </p:sp>
-      <p:sp>
-        <p:nvSpPr>
-          <p:cNvPr id="3" name="Content Placeholder 2">
-            <a:extLst>
-              <a:ext uri="{FF2B5EF4-FFF2-40B4-BE49-F238E27FC236}">
-                <a16:creationId xmlns:a16="http://schemas.microsoft.com/office/drawing/2014/main" id="{4B34F6B6-2E1B-4C2D-A270-147200EEC5B2}"/>
-              </a:ext>
-            </a:extLst>
-          </p:cNvPr>
-          <p:cNvSpPr>
-            <a:spLocks noGrp="1"/>
-          </p:cNvSpPr>
+              <a:t>Data Science Process – ett kontinuerligt arbetssätt i organisationen</a:t>
+            </a:r>
+          </a:p>
+        </p:txBody>
+      </p:sp>
+      <p:pic>
+        <p:nvPicPr>
+          <p:cNvPr id="5122" name="Picture 2" descr="Bildresultat fÃ¶r data science process">
+            <a:extLst>
+              <a:ext uri="{FF2B5EF4-FFF2-40B4-BE49-F238E27FC236}">
+                <a16:creationId xmlns:a16="http://schemas.microsoft.com/office/drawing/2014/main" id="{1D3FCCDC-C5EA-49B5-93AD-E27EA5025894}"/>
+              </a:ext>
+            </a:extLst>
+          </p:cNvPr>
+          <p:cNvPicPr>
+            <a:picLocks noGrp="1" noChangeAspect="1" noChangeArrowheads="1"/>
+          </p:cNvPicPr>
           <p:nvPr>
             <p:ph idx="1"/>
           </p:nvPr>
-        </p:nvSpPr>
-        <p:spPr/>
-        <p:txBody>
-          <a:bodyPr/>
-          <a:lstStyle/>
-          <a:p>
-            <a:r>
-              <a:rPr lang="sv-SE" dirty="0"/>
-              <a:t>Björn </a:t>
-            </a:r>
-          </a:p>
-          <a:p>
-            <a:r>
-              <a:rPr lang="sv-SE" dirty="0"/>
-              <a:t>Bug</a:t>
-            </a:r>
-          </a:p>
-          <a:p>
-            <a:r>
-              <a:rPr lang="sv-SE"/>
-              <a:t>Mars/Juli</a:t>
-            </a:r>
-            <a:endParaRPr lang="sv-SE" dirty="0"/>
-          </a:p>
-          <a:p>
-            <a:r>
-              <a:rPr lang="sv-SE" dirty="0"/>
-              <a:t>Vårddat</a:t>
-            </a:r>
-          </a:p>
-          <a:p>
-            <a:endParaRPr lang="sv-SE" dirty="0"/>
-          </a:p>
-        </p:txBody>
-      </p:sp>
+        </p:nvPicPr>
+        <p:blipFill>
+          <a:blip r:embed="rId2">
+            <a:extLst>
+              <a:ext uri="{28A0092B-C50C-407E-A947-70E740481C1C}">
+                <a14:useLocalDpi xmlns:a14="http://schemas.microsoft.com/office/drawing/2010/main" val="0"/>
+              </a:ext>
+            </a:extLst>
+          </a:blip>
+          <a:srcRect/>
+          <a:stretch>
+            <a:fillRect/>
+          </a:stretch>
+        </p:blipFill>
+        <p:spPr bwMode="auto">
+          <a:xfrm>
+            <a:off x="3413585" y="1690688"/>
+            <a:ext cx="4690945" cy="4571943"/>
+          </a:xfrm>
+          <a:prstGeom prst="rect">
+            <a:avLst/>
+          </a:prstGeom>
+          <a:noFill/>
+          <a:extLst>
+            <a:ext uri="{909E8E84-426E-40DD-AFC4-6F175D3DCCD1}">
+              <a14:hiddenFill xmlns:a14="http://schemas.microsoft.com/office/drawing/2010/main">
+                <a:solidFill>
+                  <a:srgbClr val="FFFFFF"/>
+                </a:solidFill>
+              </a14:hiddenFill>
+            </a:ext>
+          </a:extLst>
+        </p:spPr>
+      </p:pic>
     </p:spTree>
     <p:extLst>
       <p:ext uri="{BB962C8B-B14F-4D97-AF65-F5344CB8AC3E}">
-        <p14:creationId xmlns:p14="http://schemas.microsoft.com/office/powerpoint/2010/main" val="1434592671"/>
+        <p14:creationId xmlns:p14="http://schemas.microsoft.com/office/powerpoint/2010/main" val="524192370"/>
       </p:ext>
     </p:extLst>
   </p:cSld>
@@ -4519,556 +6871,57 @@
           <a:chExt cx="0" cy="0"/>
         </a:xfrm>
       </p:grpSpPr>
-      <p:sp>
-        <p:nvSpPr>
-          <p:cNvPr id="2" name="Title 1">
-            <a:extLst>
-              <a:ext uri="{FF2B5EF4-FFF2-40B4-BE49-F238E27FC236}">
-                <a16:creationId xmlns:a16="http://schemas.microsoft.com/office/drawing/2014/main" id="{37E689B6-4C0C-43B0-BE54-63210DCD7EEC}"/>
-              </a:ext>
-            </a:extLst>
-          </p:cNvPr>
-          <p:cNvSpPr>
-            <a:spLocks noGrp="1"/>
-          </p:cNvSpPr>
-          <p:nvPr>
-            <p:ph type="title"/>
-          </p:nvPr>
-        </p:nvSpPr>
-        <p:spPr/>
-        <p:txBody>
-          <a:bodyPr/>
-          <a:lstStyle/>
-          <a:p>
-            <a:r>
-              <a:rPr lang="sv-SE" dirty="0"/>
-              <a:t>Tolka data på sätt som tidigare bara människor kunnat göra.</a:t>
-            </a:r>
-          </a:p>
-        </p:txBody>
-      </p:sp>
-      <p:sp>
-        <p:nvSpPr>
-          <p:cNvPr id="3" name="Content Placeholder 2">
-            <a:extLst>
-              <a:ext uri="{FF2B5EF4-FFF2-40B4-BE49-F238E27FC236}">
-                <a16:creationId xmlns:a16="http://schemas.microsoft.com/office/drawing/2014/main" id="{B6B62BD6-0CA9-4AB6-BFA1-3AD053B2C8E1}"/>
-              </a:ext>
-            </a:extLst>
-          </p:cNvPr>
-          <p:cNvSpPr>
-            <a:spLocks noGrp="1"/>
-          </p:cNvSpPr>
-          <p:nvPr>
-            <p:ph idx="1"/>
-          </p:nvPr>
-        </p:nvSpPr>
-        <p:spPr>
+      <p:pic>
+        <p:nvPicPr>
+          <p:cNvPr id="3074" name="Picture 2" descr="Bildresultat fÃ¶r data science venn diagram">
+            <a:extLst>
+              <a:ext uri="{FF2B5EF4-FFF2-40B4-BE49-F238E27FC236}">
+                <a16:creationId xmlns:a16="http://schemas.microsoft.com/office/drawing/2014/main" id="{BA47838C-0BF3-4739-ADC1-D1D0CA65E8A1}"/>
+              </a:ext>
+            </a:extLst>
+          </p:cNvPr>
+          <p:cNvPicPr>
+            <a:picLocks noChangeAspect="1" noChangeArrowheads="1"/>
+          </p:cNvPicPr>
+          <p:nvPr/>
+        </p:nvPicPr>
+        <p:blipFill>
+          <a:blip r:embed="rId2">
+            <a:extLst>
+              <a:ext uri="{28A0092B-C50C-407E-A947-70E740481C1C}">
+                <a14:useLocalDpi xmlns:a14="http://schemas.microsoft.com/office/drawing/2010/main" val="0"/>
+              </a:ext>
+            </a:extLst>
+          </a:blip>
+          <a:srcRect/>
+          <a:stretch>
+            <a:fillRect/>
+          </a:stretch>
+        </p:blipFill>
+        <p:spPr bwMode="auto">
           <a:xfrm>
-            <a:off x="838200" y="1825625"/>
-            <a:ext cx="6995474" cy="4351338"/>
-          </a:xfrm>
-        </p:spPr>
-        <p:txBody>
-          <a:bodyPr>
-            <a:normAutofit/>
-          </a:bodyPr>
-          <a:lstStyle/>
-          <a:p>
-            <a:r>
-              <a:rPr lang="sv-SE" dirty="0"/>
-              <a:t>Också supervised learning = har tränats med exempel, modellerna är redan färdigtränade</a:t>
-            </a:r>
-          </a:p>
-          <a:p>
-            <a:pPr lvl="1"/>
-            <a:r>
-              <a:rPr lang="sv-SE" dirty="0"/>
-              <a:t>If (loan &lt; 1 mnkr &amp;&amp; Income &gt; 200 tkr)</a:t>
-            </a:r>
-          </a:p>
-          <a:p>
-            <a:pPr lvl="2"/>
-            <a:r>
-              <a:rPr lang="sv-SE" dirty="0"/>
-              <a:t>return true;</a:t>
-            </a:r>
-          </a:p>
-          <a:p>
-            <a:pPr lvl="2"/>
-            <a:r>
-              <a:rPr lang="sv-SE" dirty="0"/>
-              <a:t>else return false;</a:t>
-            </a:r>
-          </a:p>
-          <a:p>
-            <a:pPr lvl="1"/>
-            <a:r>
-              <a:rPr lang="sv-SE" dirty="0"/>
-              <a:t>If (bild.jpg == hund)</a:t>
-            </a:r>
-          </a:p>
-          <a:p>
-            <a:pPr lvl="2"/>
-            <a:r>
-              <a:rPr lang="sv-SE" dirty="0"/>
-              <a:t>Display(bild.jpg)</a:t>
-            </a:r>
-          </a:p>
-          <a:p>
-            <a:pPr lvl="1"/>
-            <a:r>
-              <a:rPr lang="sv-SE" dirty="0"/>
-              <a:t>If (Issue.comment-text == negative)</a:t>
-            </a:r>
-          </a:p>
-          <a:p>
-            <a:pPr lvl="2"/>
-            <a:r>
-              <a:rPr lang="sv-SE" dirty="0"/>
-              <a:t>Issue.manger.sendMail(”fix this!” + Issue.comment-text)</a:t>
-            </a:r>
-          </a:p>
-        </p:txBody>
-      </p:sp>
-      <p:sp>
-        <p:nvSpPr>
-          <p:cNvPr id="4" name="Content Placeholder 2">
-            <a:extLst>
-              <a:ext uri="{FF2B5EF4-FFF2-40B4-BE49-F238E27FC236}">
-                <a16:creationId xmlns:a16="http://schemas.microsoft.com/office/drawing/2014/main" id="{83C8A434-2E29-44B8-9FF3-36CDABB958D0}"/>
-              </a:ext>
-            </a:extLst>
-          </p:cNvPr>
-          <p:cNvSpPr txBox="1">
-            <a:spLocks/>
-          </p:cNvSpPr>
-          <p:nvPr/>
-        </p:nvSpPr>
-        <p:spPr>
-          <a:xfrm>
-            <a:off x="7833674" y="1825625"/>
-            <a:ext cx="4535864" cy="4207530"/>
+            <a:off x="83976" y="416297"/>
+            <a:ext cx="11819111" cy="5732576"/>
           </a:xfrm>
           <a:prstGeom prst="rect">
             <a:avLst/>
           </a:prstGeom>
+          <a:noFill/>
+          <a:extLst>
+            <a:ext uri="{909E8E84-426E-40DD-AFC4-6F175D3DCCD1}">
+              <a14:hiddenFill xmlns:a14="http://schemas.microsoft.com/office/drawing/2010/main">
+                <a:solidFill>
+                  <a:srgbClr val="FFFFFF"/>
+                </a:solidFill>
+              </a14:hiddenFill>
+            </a:ext>
+          </a:extLst>
         </p:spPr>
-        <p:txBody>
-          <a:bodyPr vert="horz" lIns="91440" tIns="45720" rIns="91440" bIns="45720" rtlCol="0">
-            <a:normAutofit/>
-          </a:bodyPr>
-          <a:lstStyle>
-            <a:lvl1pPr marL="228600" indent="-228600" algn="l" defTabSz="914400" rtl="0" eaLnBrk="1" latinLnBrk="0" hangingPunct="1">
-              <a:lnSpc>
-                <a:spcPct val="90000"/>
-              </a:lnSpc>
-              <a:spcBef>
-                <a:spcPts val="1000"/>
-              </a:spcBef>
-              <a:buFont typeface="Arial" panose="020B0604020202020204" pitchFamily="34" charset="0"/>
-              <a:buChar char="•"/>
-              <a:defRPr sz="2800" kern="1200">
-                <a:solidFill>
-                  <a:schemeClr val="tx1"/>
-                </a:solidFill>
-                <a:latin typeface="+mn-lt"/>
-                <a:ea typeface="+mn-ea"/>
-                <a:cs typeface="+mn-cs"/>
-              </a:defRPr>
-            </a:lvl1pPr>
-            <a:lvl2pPr marL="685800" indent="-228600" algn="l" defTabSz="914400" rtl="0" eaLnBrk="1" latinLnBrk="0" hangingPunct="1">
-              <a:lnSpc>
-                <a:spcPct val="90000"/>
-              </a:lnSpc>
-              <a:spcBef>
-                <a:spcPts val="500"/>
-              </a:spcBef>
-              <a:buFont typeface="Arial" panose="020B0604020202020204" pitchFamily="34" charset="0"/>
-              <a:buChar char="•"/>
-              <a:defRPr sz="2400" kern="1200">
-                <a:solidFill>
-                  <a:schemeClr val="tx1"/>
-                </a:solidFill>
-                <a:latin typeface="+mn-lt"/>
-                <a:ea typeface="+mn-ea"/>
-                <a:cs typeface="+mn-cs"/>
-              </a:defRPr>
-            </a:lvl2pPr>
-            <a:lvl3pPr marL="1143000" indent="-228600" algn="l" defTabSz="914400" rtl="0" eaLnBrk="1" latinLnBrk="0" hangingPunct="1">
-              <a:lnSpc>
-                <a:spcPct val="90000"/>
-              </a:lnSpc>
-              <a:spcBef>
-                <a:spcPts val="500"/>
-              </a:spcBef>
-              <a:buFont typeface="Arial" panose="020B0604020202020204" pitchFamily="34" charset="0"/>
-              <a:buChar char="•"/>
-              <a:defRPr sz="2000" kern="1200">
-                <a:solidFill>
-                  <a:schemeClr val="tx1"/>
-                </a:solidFill>
-                <a:latin typeface="+mn-lt"/>
-                <a:ea typeface="+mn-ea"/>
-                <a:cs typeface="+mn-cs"/>
-              </a:defRPr>
-            </a:lvl3pPr>
-            <a:lvl4pPr marL="1600200" indent="-228600" algn="l" defTabSz="914400" rtl="0" eaLnBrk="1" latinLnBrk="0" hangingPunct="1">
-              <a:lnSpc>
-                <a:spcPct val="90000"/>
-              </a:lnSpc>
-              <a:spcBef>
-                <a:spcPts val="500"/>
-              </a:spcBef>
-              <a:buFont typeface="Arial" panose="020B0604020202020204" pitchFamily="34" charset="0"/>
-              <a:buChar char="•"/>
-              <a:defRPr sz="1800" kern="1200">
-                <a:solidFill>
-                  <a:schemeClr val="tx1"/>
-                </a:solidFill>
-                <a:latin typeface="+mn-lt"/>
-                <a:ea typeface="+mn-ea"/>
-                <a:cs typeface="+mn-cs"/>
-              </a:defRPr>
-            </a:lvl4pPr>
-            <a:lvl5pPr marL="2057400" indent="-228600" algn="l" defTabSz="914400" rtl="0" eaLnBrk="1" latinLnBrk="0" hangingPunct="1">
-              <a:lnSpc>
-                <a:spcPct val="90000"/>
-              </a:lnSpc>
-              <a:spcBef>
-                <a:spcPts val="500"/>
-              </a:spcBef>
-              <a:buFont typeface="Arial" panose="020B0604020202020204" pitchFamily="34" charset="0"/>
-              <a:buChar char="•"/>
-              <a:defRPr sz="1800" kern="1200">
-                <a:solidFill>
-                  <a:schemeClr val="tx1"/>
-                </a:solidFill>
-                <a:latin typeface="+mn-lt"/>
-                <a:ea typeface="+mn-ea"/>
-                <a:cs typeface="+mn-cs"/>
-              </a:defRPr>
-            </a:lvl5pPr>
-            <a:lvl6pPr marL="2514600" indent="-228600" algn="l" defTabSz="914400" rtl="0" eaLnBrk="1" latinLnBrk="0" hangingPunct="1">
-              <a:lnSpc>
-                <a:spcPct val="90000"/>
-              </a:lnSpc>
-              <a:spcBef>
-                <a:spcPts val="500"/>
-              </a:spcBef>
-              <a:buFont typeface="Arial" panose="020B0604020202020204" pitchFamily="34" charset="0"/>
-              <a:buChar char="•"/>
-              <a:defRPr sz="1800" kern="1200">
-                <a:solidFill>
-                  <a:schemeClr val="tx1"/>
-                </a:solidFill>
-                <a:latin typeface="+mn-lt"/>
-                <a:ea typeface="+mn-ea"/>
-                <a:cs typeface="+mn-cs"/>
-              </a:defRPr>
-            </a:lvl6pPr>
-            <a:lvl7pPr marL="2971800" indent="-228600" algn="l" defTabSz="914400" rtl="0" eaLnBrk="1" latinLnBrk="0" hangingPunct="1">
-              <a:lnSpc>
-                <a:spcPct val="90000"/>
-              </a:lnSpc>
-              <a:spcBef>
-                <a:spcPts val="500"/>
-              </a:spcBef>
-              <a:buFont typeface="Arial" panose="020B0604020202020204" pitchFamily="34" charset="0"/>
-              <a:buChar char="•"/>
-              <a:defRPr sz="1800" kern="1200">
-                <a:solidFill>
-                  <a:schemeClr val="tx1"/>
-                </a:solidFill>
-                <a:latin typeface="+mn-lt"/>
-                <a:ea typeface="+mn-ea"/>
-                <a:cs typeface="+mn-cs"/>
-              </a:defRPr>
-            </a:lvl7pPr>
-            <a:lvl8pPr marL="3429000" indent="-228600" algn="l" defTabSz="914400" rtl="0" eaLnBrk="1" latinLnBrk="0" hangingPunct="1">
-              <a:lnSpc>
-                <a:spcPct val="90000"/>
-              </a:lnSpc>
-              <a:spcBef>
-                <a:spcPts val="500"/>
-              </a:spcBef>
-              <a:buFont typeface="Arial" panose="020B0604020202020204" pitchFamily="34" charset="0"/>
-              <a:buChar char="•"/>
-              <a:defRPr sz="1800" kern="1200">
-                <a:solidFill>
-                  <a:schemeClr val="tx1"/>
-                </a:solidFill>
-                <a:latin typeface="+mn-lt"/>
-                <a:ea typeface="+mn-ea"/>
-                <a:cs typeface="+mn-cs"/>
-              </a:defRPr>
-            </a:lvl8pPr>
-            <a:lvl9pPr marL="3886200" indent="-228600" algn="l" defTabSz="914400" rtl="0" eaLnBrk="1" latinLnBrk="0" hangingPunct="1">
-              <a:lnSpc>
-                <a:spcPct val="90000"/>
-              </a:lnSpc>
-              <a:spcBef>
-                <a:spcPts val="500"/>
-              </a:spcBef>
-              <a:buFont typeface="Arial" panose="020B0604020202020204" pitchFamily="34" charset="0"/>
-              <a:buChar char="•"/>
-              <a:defRPr sz="1800" kern="1200">
-                <a:solidFill>
-                  <a:schemeClr val="tx1"/>
-                </a:solidFill>
-                <a:latin typeface="+mn-lt"/>
-                <a:ea typeface="+mn-ea"/>
-                <a:cs typeface="+mn-cs"/>
-              </a:defRPr>
-            </a:lvl9pPr>
-          </a:lstStyle>
-          <a:p>
-            <a:endParaRPr lang="sv-SE" dirty="0"/>
-          </a:p>
-        </p:txBody>
-      </p:sp>
-      <p:sp>
-        <p:nvSpPr>
-          <p:cNvPr id="5" name="Content Placeholder 2">
-            <a:extLst>
-              <a:ext uri="{FF2B5EF4-FFF2-40B4-BE49-F238E27FC236}">
-                <a16:creationId xmlns:a16="http://schemas.microsoft.com/office/drawing/2014/main" id="{7093EEE0-66C3-4996-99D2-B435D443DB17}"/>
-              </a:ext>
-            </a:extLst>
-          </p:cNvPr>
-          <p:cNvSpPr txBox="1">
-            <a:spLocks/>
-          </p:cNvSpPr>
-          <p:nvPr/>
-        </p:nvSpPr>
-        <p:spPr>
-          <a:xfrm>
-            <a:off x="7532016" y="1825624"/>
-            <a:ext cx="3821784" cy="4207529"/>
-          </a:xfrm>
-          <a:prstGeom prst="rect">
-            <a:avLst/>
-          </a:prstGeom>
-        </p:spPr>
-        <p:txBody>
-          <a:bodyPr vert="horz" lIns="91440" tIns="45720" rIns="91440" bIns="45720" rtlCol="0">
-            <a:normAutofit fontScale="92500" lnSpcReduction="10000"/>
-          </a:bodyPr>
-          <a:lstStyle>
-            <a:lvl1pPr marL="228600" indent="-228600" algn="l" defTabSz="914400" rtl="0" eaLnBrk="1" latinLnBrk="0" hangingPunct="1">
-              <a:lnSpc>
-                <a:spcPct val="90000"/>
-              </a:lnSpc>
-              <a:spcBef>
-                <a:spcPts val="1000"/>
-              </a:spcBef>
-              <a:buFont typeface="Arial" panose="020B0604020202020204" pitchFamily="34" charset="0"/>
-              <a:buChar char="•"/>
-              <a:defRPr sz="2800" kern="1200">
-                <a:solidFill>
-                  <a:schemeClr val="tx1"/>
-                </a:solidFill>
-                <a:latin typeface="+mn-lt"/>
-                <a:ea typeface="+mn-ea"/>
-                <a:cs typeface="+mn-cs"/>
-              </a:defRPr>
-            </a:lvl1pPr>
-            <a:lvl2pPr marL="685800" indent="-228600" algn="l" defTabSz="914400" rtl="0" eaLnBrk="1" latinLnBrk="0" hangingPunct="1">
-              <a:lnSpc>
-                <a:spcPct val="90000"/>
-              </a:lnSpc>
-              <a:spcBef>
-                <a:spcPts val="500"/>
-              </a:spcBef>
-              <a:buFont typeface="Arial" panose="020B0604020202020204" pitchFamily="34" charset="0"/>
-              <a:buChar char="•"/>
-              <a:defRPr sz="2400" kern="1200">
-                <a:solidFill>
-                  <a:schemeClr val="tx1"/>
-                </a:solidFill>
-                <a:latin typeface="+mn-lt"/>
-                <a:ea typeface="+mn-ea"/>
-                <a:cs typeface="+mn-cs"/>
-              </a:defRPr>
-            </a:lvl2pPr>
-            <a:lvl3pPr marL="1143000" indent="-228600" algn="l" defTabSz="914400" rtl="0" eaLnBrk="1" latinLnBrk="0" hangingPunct="1">
-              <a:lnSpc>
-                <a:spcPct val="90000"/>
-              </a:lnSpc>
-              <a:spcBef>
-                <a:spcPts val="500"/>
-              </a:spcBef>
-              <a:buFont typeface="Arial" panose="020B0604020202020204" pitchFamily="34" charset="0"/>
-              <a:buChar char="•"/>
-              <a:defRPr sz="2000" kern="1200">
-                <a:solidFill>
-                  <a:schemeClr val="tx1"/>
-                </a:solidFill>
-                <a:latin typeface="+mn-lt"/>
-                <a:ea typeface="+mn-ea"/>
-                <a:cs typeface="+mn-cs"/>
-              </a:defRPr>
-            </a:lvl3pPr>
-            <a:lvl4pPr marL="1600200" indent="-228600" algn="l" defTabSz="914400" rtl="0" eaLnBrk="1" latinLnBrk="0" hangingPunct="1">
-              <a:lnSpc>
-                <a:spcPct val="90000"/>
-              </a:lnSpc>
-              <a:spcBef>
-                <a:spcPts val="500"/>
-              </a:spcBef>
-              <a:buFont typeface="Arial" panose="020B0604020202020204" pitchFamily="34" charset="0"/>
-              <a:buChar char="•"/>
-              <a:defRPr sz="1800" kern="1200">
-                <a:solidFill>
-                  <a:schemeClr val="tx1"/>
-                </a:solidFill>
-                <a:latin typeface="+mn-lt"/>
-                <a:ea typeface="+mn-ea"/>
-                <a:cs typeface="+mn-cs"/>
-              </a:defRPr>
-            </a:lvl4pPr>
-            <a:lvl5pPr marL="2057400" indent="-228600" algn="l" defTabSz="914400" rtl="0" eaLnBrk="1" latinLnBrk="0" hangingPunct="1">
-              <a:lnSpc>
-                <a:spcPct val="90000"/>
-              </a:lnSpc>
-              <a:spcBef>
-                <a:spcPts val="500"/>
-              </a:spcBef>
-              <a:buFont typeface="Arial" panose="020B0604020202020204" pitchFamily="34" charset="0"/>
-              <a:buChar char="•"/>
-              <a:defRPr sz="1800" kern="1200">
-                <a:solidFill>
-                  <a:schemeClr val="tx1"/>
-                </a:solidFill>
-                <a:latin typeface="+mn-lt"/>
-                <a:ea typeface="+mn-ea"/>
-                <a:cs typeface="+mn-cs"/>
-              </a:defRPr>
-            </a:lvl5pPr>
-            <a:lvl6pPr marL="2514600" indent="-228600" algn="l" defTabSz="914400" rtl="0" eaLnBrk="1" latinLnBrk="0" hangingPunct="1">
-              <a:lnSpc>
-                <a:spcPct val="90000"/>
-              </a:lnSpc>
-              <a:spcBef>
-                <a:spcPts val="500"/>
-              </a:spcBef>
-              <a:buFont typeface="Arial" panose="020B0604020202020204" pitchFamily="34" charset="0"/>
-              <a:buChar char="•"/>
-              <a:defRPr sz="1800" kern="1200">
-                <a:solidFill>
-                  <a:schemeClr val="tx1"/>
-                </a:solidFill>
-                <a:latin typeface="+mn-lt"/>
-                <a:ea typeface="+mn-ea"/>
-                <a:cs typeface="+mn-cs"/>
-              </a:defRPr>
-            </a:lvl6pPr>
-            <a:lvl7pPr marL="2971800" indent="-228600" algn="l" defTabSz="914400" rtl="0" eaLnBrk="1" latinLnBrk="0" hangingPunct="1">
-              <a:lnSpc>
-                <a:spcPct val="90000"/>
-              </a:lnSpc>
-              <a:spcBef>
-                <a:spcPts val="500"/>
-              </a:spcBef>
-              <a:buFont typeface="Arial" panose="020B0604020202020204" pitchFamily="34" charset="0"/>
-              <a:buChar char="•"/>
-              <a:defRPr sz="1800" kern="1200">
-                <a:solidFill>
-                  <a:schemeClr val="tx1"/>
-                </a:solidFill>
-                <a:latin typeface="+mn-lt"/>
-                <a:ea typeface="+mn-ea"/>
-                <a:cs typeface="+mn-cs"/>
-              </a:defRPr>
-            </a:lvl7pPr>
-            <a:lvl8pPr marL="3429000" indent="-228600" algn="l" defTabSz="914400" rtl="0" eaLnBrk="1" latinLnBrk="0" hangingPunct="1">
-              <a:lnSpc>
-                <a:spcPct val="90000"/>
-              </a:lnSpc>
-              <a:spcBef>
-                <a:spcPts val="500"/>
-              </a:spcBef>
-              <a:buFont typeface="Arial" panose="020B0604020202020204" pitchFamily="34" charset="0"/>
-              <a:buChar char="•"/>
-              <a:defRPr sz="1800" kern="1200">
-                <a:solidFill>
-                  <a:schemeClr val="tx1"/>
-                </a:solidFill>
-                <a:latin typeface="+mn-lt"/>
-                <a:ea typeface="+mn-ea"/>
-                <a:cs typeface="+mn-cs"/>
-              </a:defRPr>
-            </a:lvl8pPr>
-            <a:lvl9pPr marL="3886200" indent="-228600" algn="l" defTabSz="914400" rtl="0" eaLnBrk="1" latinLnBrk="0" hangingPunct="1">
-              <a:lnSpc>
-                <a:spcPct val="90000"/>
-              </a:lnSpc>
-              <a:spcBef>
-                <a:spcPts val="500"/>
-              </a:spcBef>
-              <a:buFont typeface="Arial" panose="020B0604020202020204" pitchFamily="34" charset="0"/>
-              <a:buChar char="•"/>
-              <a:defRPr sz="1800" kern="1200">
-                <a:solidFill>
-                  <a:schemeClr val="tx1"/>
-                </a:solidFill>
-                <a:latin typeface="+mn-lt"/>
-                <a:ea typeface="+mn-ea"/>
-                <a:cs typeface="+mn-cs"/>
-              </a:defRPr>
-            </a:lvl9pPr>
-          </a:lstStyle>
-          <a:p>
-            <a:endParaRPr lang="sv-SE" dirty="0"/>
-          </a:p>
-          <a:p>
-            <a:endParaRPr lang="sv-SE" dirty="0"/>
-          </a:p>
-          <a:p>
-            <a:pPr marL="0" indent="0">
-              <a:buNone/>
-            </a:pPr>
-            <a:endParaRPr lang="sv-SE" sz="2400" dirty="0"/>
-          </a:p>
-          <a:p>
-            <a:pPr marL="0" indent="0">
-              <a:buNone/>
-            </a:pPr>
-            <a:r>
-              <a:rPr lang="sv-SE" sz="2400" dirty="0"/>
-              <a:t>Jämförelse som dator fixar lätt</a:t>
-            </a:r>
-          </a:p>
-          <a:p>
-            <a:pPr marL="0" indent="0">
-              <a:buNone/>
-            </a:pPr>
-            <a:endParaRPr lang="sv-SE" sz="2400" dirty="0"/>
-          </a:p>
-          <a:p>
-            <a:pPr marL="0" indent="0">
-              <a:buNone/>
-            </a:pPr>
-            <a:r>
-              <a:rPr lang="sv-SE" sz="2400" dirty="0"/>
-              <a:t>Jämförelser som numer kan göras m h a machine learning modeller</a:t>
-            </a:r>
-          </a:p>
-          <a:p>
-            <a:pPr marL="0" indent="0">
-              <a:buNone/>
-            </a:pPr>
-            <a:r>
-              <a:rPr lang="sv-SE" sz="2400" dirty="0"/>
-              <a:t>Hur hade man kunnat göra detta med trad. Programmering?</a:t>
-            </a:r>
-          </a:p>
-        </p:txBody>
-      </p:sp>
+      </p:pic>
     </p:spTree>
     <p:extLst>
       <p:ext uri="{BB962C8B-B14F-4D97-AF65-F5344CB8AC3E}">
-        <p14:creationId xmlns:p14="http://schemas.microsoft.com/office/powerpoint/2010/main" val="2947470897"/>
+        <p14:creationId xmlns:p14="http://schemas.microsoft.com/office/powerpoint/2010/main" val="4039116065"/>
       </p:ext>
     </p:extLst>
   </p:cSld>
@@ -5100,7 +6953,7 @@
           <p:cNvPr id="2" name="Title 1">
             <a:extLst>
               <a:ext uri="{FF2B5EF4-FFF2-40B4-BE49-F238E27FC236}">
-                <a16:creationId xmlns:a16="http://schemas.microsoft.com/office/drawing/2014/main" id="{95CE3352-59FE-42EE-B12F-F1C4ADAC207E}"/>
+                <a16:creationId xmlns:a16="http://schemas.microsoft.com/office/drawing/2014/main" id="{3F82A339-ECB2-4F05-8693-E0CE97F9835A}"/>
               </a:ext>
             </a:extLst>
           </p:cNvPr>
@@ -5118,7 +6971,7 @@
           <a:p>
             <a:r>
               <a:rPr lang="sv-SE" dirty="0"/>
-              <a:t>Exempel</a:t>
+              <a:t>Exempel på användning</a:t>
             </a:r>
           </a:p>
         </p:txBody>
@@ -5128,7 +6981,7 @@
           <p:cNvPr id="3" name="Content Placeholder 2">
             <a:extLst>
               <a:ext uri="{FF2B5EF4-FFF2-40B4-BE49-F238E27FC236}">
-                <a16:creationId xmlns:a16="http://schemas.microsoft.com/office/drawing/2014/main" id="{B38E88C3-EED0-4C30-8268-91E75A9D98E4}"/>
+                <a16:creationId xmlns:a16="http://schemas.microsoft.com/office/drawing/2014/main" id="{520DFA02-675C-43C3-BEE5-F3FB193326F4}"/>
               </a:ext>
             </a:extLst>
           </p:cNvPr>
@@ -5141,116 +6994,38 @@
         </p:nvSpPr>
         <p:spPr/>
         <p:txBody>
-          <a:bodyPr>
-            <a:normAutofit lnSpcReduction="10000"/>
-          </a:bodyPr>
+          <a:bodyPr/>
           <a:lstStyle/>
           <a:p>
             <a:r>
               <a:rPr lang="sv-SE" dirty="0"/>
-              <a:t>Visa känsloanalys </a:t>
-            </a:r>
-          </a:p>
-          <a:p>
-            <a:r>
-              <a:rPr lang="sv-SE" dirty="0"/>
-              <a:t>Snällt till riktigt hårda ord Hitta max och min..</a:t>
-            </a:r>
-          </a:p>
-          <a:p>
-            <a:r>
-              <a:rPr lang="sv-SE" dirty="0"/>
-              <a:t>Skilja på korv och pizza</a:t>
-            </a:r>
-          </a:p>
-          <a:p>
-            <a:r>
-              <a:rPr lang="sv-SE" dirty="0"/>
-              <a:t>transfer learning – väldigt få exempel, om den tränats från scratch krävt 1000-tals bilder)</a:t>
-            </a:r>
-          </a:p>
-          <a:p>
-            <a:pPr marL="0" indent="0">
-              <a:buNone/>
-            </a:pPr>
-            <a:endParaRPr lang="sv-SE" dirty="0"/>
-          </a:p>
-          <a:p>
-            <a:endParaRPr lang="sv-SE" dirty="0"/>
-          </a:p>
-          <a:p>
-            <a:r>
-              <a:rPr lang="sv-SE" dirty="0"/>
-              <a:t>Finns många cognitive services – visa lista – även google släpper något liknande auto ml, amazon har tjänster för nlp (natural language processing)</a:t>
-            </a:r>
-          </a:p>
-          <a:p>
-            <a:endParaRPr lang="sv-SE" dirty="0"/>
-          </a:p>
-        </p:txBody>
-      </p:sp>
-      <p:pic>
-        <p:nvPicPr>
-          <p:cNvPr id="4" name="Picture 3">
-            <a:extLst>
-              <a:ext uri="{FF2B5EF4-FFF2-40B4-BE49-F238E27FC236}">
-                <a16:creationId xmlns:a16="http://schemas.microsoft.com/office/drawing/2014/main" id="{30FADC9E-0D2A-4192-B0E3-05574178F245}"/>
-              </a:ext>
-            </a:extLst>
-          </p:cNvPr>
-          <p:cNvPicPr>
-            <a:picLocks noChangeAspect="1"/>
-          </p:cNvPicPr>
-          <p:nvPr/>
-        </p:nvPicPr>
-        <p:blipFill rotWithShape="1">
-          <a:blip r:embed="rId2"/>
-          <a:srcRect l="6089" t="15265" r="21818"/>
-          <a:stretch/>
-        </p:blipFill>
-        <p:spPr>
-          <a:xfrm>
-            <a:off x="428016" y="3297341"/>
-            <a:ext cx="5068111" cy="3195534"/>
-          </a:xfrm>
-          <a:prstGeom prst="rect">
-            <a:avLst/>
-          </a:prstGeom>
-        </p:spPr>
-      </p:pic>
-      <p:pic>
-        <p:nvPicPr>
-          <p:cNvPr id="5" name="Picture 4">
-            <a:extLst>
-              <a:ext uri="{FF2B5EF4-FFF2-40B4-BE49-F238E27FC236}">
-                <a16:creationId xmlns:a16="http://schemas.microsoft.com/office/drawing/2014/main" id="{F4558567-2054-4FA8-9FD2-E72FE546926F}"/>
-              </a:ext>
-            </a:extLst>
-          </p:cNvPr>
-          <p:cNvPicPr>
-            <a:picLocks noChangeAspect="1"/>
-          </p:cNvPicPr>
-          <p:nvPr/>
-        </p:nvPicPr>
-        <p:blipFill rotWithShape="1">
-          <a:blip r:embed="rId3"/>
-          <a:srcRect l="-1277" t="12148" r="43192" b="35796"/>
-          <a:stretch/>
-        </p:blipFill>
-        <p:spPr>
-          <a:xfrm>
-            <a:off x="5291846" y="2907219"/>
-            <a:ext cx="7081737" cy="3404681"/>
-          </a:xfrm>
-          <a:prstGeom prst="rect">
-            <a:avLst/>
-          </a:prstGeom>
-        </p:spPr>
-      </p:pic>
+              <a:t>Förutspå omsättning kunder, nya och de som faller ifrån</a:t>
+            </a:r>
+          </a:p>
+          <a:p>
+            <a:r>
+              <a:rPr lang="sv-SE" dirty="0"/>
+              <a:t>A/B testning av ny funktioner på en websida</a:t>
+            </a:r>
+          </a:p>
+          <a:p>
+            <a:r>
+              <a:rPr lang="sv-SE" dirty="0"/>
+              <a:t>Optimera en kampanjerbjudande till kunder</a:t>
+            </a:r>
+          </a:p>
+          <a:p>
+            <a:r>
+              <a:rPr lang="sv-SE" dirty="0"/>
+              <a:t>Optimera var ambulanser ska vara placerade för kort utryckningstid</a:t>
+            </a:r>
+          </a:p>
+        </p:txBody>
+      </p:sp>
     </p:spTree>
     <p:extLst>
       <p:ext uri="{BB962C8B-B14F-4D97-AF65-F5344CB8AC3E}">
-        <p14:creationId xmlns:p14="http://schemas.microsoft.com/office/powerpoint/2010/main" val="4003029883"/>
+        <p14:creationId xmlns:p14="http://schemas.microsoft.com/office/powerpoint/2010/main" val="3462838072"/>
       </p:ext>
     </p:extLst>
   </p:cSld>
